--- a/Figures.pptx
+++ b/Figures.pptx
@@ -6,6 +6,7 @@
   </p:sldMasterIdLst>
   <p:sldIdLst>
     <p:sldId id="256" r:id="rId2"/>
+    <p:sldId id="257" r:id="rId3"/>
   </p:sldIdLst>
   <p:sldSz cx="12192000" cy="6858000"/>
   <p:notesSz cx="6858000" cy="9144000"/>
@@ -115,13 +116,165 @@
 <file path=ppt/revisionInfo.xml><?xml version="1.0" encoding="utf-8"?>
 <p1510:revInfo xmlns:a="http://schemas.openxmlformats.org/drawingml/2006/main" xmlns:r="http://schemas.openxmlformats.org/officeDocument/2006/relationships" xmlns:p1510="http://schemas.microsoft.com/office/powerpoint/2015/10/main">
   <p1510:revLst>
-    <p1510:client id="{4609D9BF-8759-4F32-BAD0-49F15E412497}" v="91" dt="2022-02-25T21:08:27.487"/>
+    <p1510:client id="{9B244931-A4C9-49A3-B2E0-DF895F953819}" v="13" dt="2022-04-02T20:48:21.195"/>
   </p1510:revLst>
 </p1510:revInfo>
 </file>
 
 <file path=ppt/changesInfos/changesInfo1.xml><?xml version="1.0" encoding="utf-8"?>
 <pc:chgInfo xmlns:a="http://schemas.openxmlformats.org/drawingml/2006/main" xmlns:r="http://schemas.openxmlformats.org/officeDocument/2006/relationships" xmlns:ac="http://schemas.microsoft.com/office/drawing/2013/main/command" xmlns:pc="http://schemas.microsoft.com/office/powerpoint/2013/main/command">
+  <pc:docChgLst>
+    <pc:chgData name="Qiaomeng Qin" userId="328cb899-176e-43ad-bb77-b05867026c3b" providerId="ADAL" clId="{9B244931-A4C9-49A3-B2E0-DF895F953819}"/>
+    <pc:docChg chg="custSel addSld modSld">
+      <pc:chgData name="Qiaomeng Qin" userId="328cb899-176e-43ad-bb77-b05867026c3b" providerId="ADAL" clId="{9B244931-A4C9-49A3-B2E0-DF895F953819}" dt="2022-04-02T20:48:42.607" v="100" actId="14100"/>
+      <pc:docMkLst>
+        <pc:docMk/>
+      </pc:docMkLst>
+      <pc:sldChg chg="addSp delSp modSp new mod">
+        <pc:chgData name="Qiaomeng Qin" userId="328cb899-176e-43ad-bb77-b05867026c3b" providerId="ADAL" clId="{9B244931-A4C9-49A3-B2E0-DF895F953819}" dt="2022-04-02T20:48:42.607" v="100" actId="14100"/>
+        <pc:sldMkLst>
+          <pc:docMk/>
+          <pc:sldMk cId="3844303103" sldId="257"/>
+        </pc:sldMkLst>
+        <pc:spChg chg="del">
+          <ac:chgData name="Qiaomeng Qin" userId="328cb899-176e-43ad-bb77-b05867026c3b" providerId="ADAL" clId="{9B244931-A4C9-49A3-B2E0-DF895F953819}" dt="2022-04-02T20:28:11.349" v="2" actId="478"/>
+          <ac:spMkLst>
+            <pc:docMk/>
+            <pc:sldMk cId="3844303103" sldId="257"/>
+            <ac:spMk id="2" creationId="{D1F225E3-924C-4213-A1A2-30E7C32F68D3}"/>
+          </ac:spMkLst>
+        </pc:spChg>
+        <pc:spChg chg="del">
+          <ac:chgData name="Qiaomeng Qin" userId="328cb899-176e-43ad-bb77-b05867026c3b" providerId="ADAL" clId="{9B244931-A4C9-49A3-B2E0-DF895F953819}" dt="2022-04-02T20:28:09.193" v="1" actId="478"/>
+          <ac:spMkLst>
+            <pc:docMk/>
+            <pc:sldMk cId="3844303103" sldId="257"/>
+            <ac:spMk id="3" creationId="{B72CB10E-0E71-4334-A19F-85CF9C913E8D}"/>
+          </ac:spMkLst>
+        </pc:spChg>
+        <pc:spChg chg="add mod">
+          <ac:chgData name="Qiaomeng Qin" userId="328cb899-176e-43ad-bb77-b05867026c3b" providerId="ADAL" clId="{9B244931-A4C9-49A3-B2E0-DF895F953819}" dt="2022-04-02T20:47:28.950" v="37" actId="1076"/>
+          <ac:spMkLst>
+            <pc:docMk/>
+            <pc:sldMk cId="3844303103" sldId="257"/>
+            <ac:spMk id="22" creationId="{FE2A1E26-3118-47B8-920C-B75E4D255513}"/>
+          </ac:spMkLst>
+        </pc:spChg>
+        <pc:spChg chg="add mod">
+          <ac:chgData name="Qiaomeng Qin" userId="328cb899-176e-43ad-bb77-b05867026c3b" providerId="ADAL" clId="{9B244931-A4C9-49A3-B2E0-DF895F953819}" dt="2022-04-02T20:47:34.702" v="39" actId="1076"/>
+          <ac:spMkLst>
+            <pc:docMk/>
+            <pc:sldMk cId="3844303103" sldId="257"/>
+            <ac:spMk id="23" creationId="{17EEE405-8FF6-4EFB-B758-59A0262A4150}"/>
+          </ac:spMkLst>
+        </pc:spChg>
+        <pc:spChg chg="add mod">
+          <ac:chgData name="Qiaomeng Qin" userId="328cb899-176e-43ad-bb77-b05867026c3b" providerId="ADAL" clId="{9B244931-A4C9-49A3-B2E0-DF895F953819}" dt="2022-04-02T20:48:08.412" v="58" actId="1076"/>
+          <ac:spMkLst>
+            <pc:docMk/>
+            <pc:sldMk cId="3844303103" sldId="257"/>
+            <ac:spMk id="24" creationId="{EAE64020-43BF-4076-A7FC-C39FD68CBDF2}"/>
+          </ac:spMkLst>
+        </pc:spChg>
+        <pc:spChg chg="add mod">
+          <ac:chgData name="Qiaomeng Qin" userId="328cb899-176e-43ad-bb77-b05867026c3b" providerId="ADAL" clId="{9B244931-A4C9-49A3-B2E0-DF895F953819}" dt="2022-04-02T20:48:03.975" v="57" actId="20577"/>
+          <ac:spMkLst>
+            <pc:docMk/>
+            <pc:sldMk cId="3844303103" sldId="257"/>
+            <ac:spMk id="25" creationId="{97CF46D0-1012-4A47-8F6F-E1E109EEDFEA}"/>
+          </ac:spMkLst>
+        </pc:spChg>
+        <pc:spChg chg="add mod">
+          <ac:chgData name="Qiaomeng Qin" userId="328cb899-176e-43ad-bb77-b05867026c3b" providerId="ADAL" clId="{9B244931-A4C9-49A3-B2E0-DF895F953819}" dt="2022-04-02T20:48:42.607" v="100" actId="14100"/>
+          <ac:spMkLst>
+            <pc:docMk/>
+            <pc:sldMk cId="3844303103" sldId="257"/>
+            <ac:spMk id="26" creationId="{D00019D4-773A-4761-96FB-F63CF0621765}"/>
+          </ac:spMkLst>
+        </pc:spChg>
+        <pc:spChg chg="add mod">
+          <ac:chgData name="Qiaomeng Qin" userId="328cb899-176e-43ad-bb77-b05867026c3b" providerId="ADAL" clId="{9B244931-A4C9-49A3-B2E0-DF895F953819}" dt="2022-04-02T20:48:34.643" v="88" actId="14100"/>
+          <ac:spMkLst>
+            <pc:docMk/>
+            <pc:sldMk cId="3844303103" sldId="257"/>
+            <ac:spMk id="27" creationId="{BAC599D7-883F-4155-8E82-3092131FFD50}"/>
+          </ac:spMkLst>
+        </pc:spChg>
+        <pc:picChg chg="add del mod">
+          <ac:chgData name="Qiaomeng Qin" userId="328cb899-176e-43ad-bb77-b05867026c3b" providerId="ADAL" clId="{9B244931-A4C9-49A3-B2E0-DF895F953819}" dt="2022-04-02T20:45:07.188" v="18" actId="478"/>
+          <ac:picMkLst>
+            <pc:docMk/>
+            <pc:sldMk cId="3844303103" sldId="257"/>
+            <ac:picMk id="5" creationId="{58324992-C384-44B4-B42A-FB97C3C5F553}"/>
+          </ac:picMkLst>
+        </pc:picChg>
+        <pc:picChg chg="add del mod">
+          <ac:chgData name="Qiaomeng Qin" userId="328cb899-176e-43ad-bb77-b05867026c3b" providerId="ADAL" clId="{9B244931-A4C9-49A3-B2E0-DF895F953819}" dt="2022-04-02T20:29:30.630" v="7" actId="478"/>
+          <ac:picMkLst>
+            <pc:docMk/>
+            <pc:sldMk cId="3844303103" sldId="257"/>
+            <ac:picMk id="7" creationId="{106B1AF0-429A-49C8-9D96-53ED976549D6}"/>
+          </ac:picMkLst>
+        </pc:picChg>
+        <pc:picChg chg="add del mod">
+          <ac:chgData name="Qiaomeng Qin" userId="328cb899-176e-43ad-bb77-b05867026c3b" providerId="ADAL" clId="{9B244931-A4C9-49A3-B2E0-DF895F953819}" dt="2022-04-02T20:45:08.117" v="19" actId="478"/>
+          <ac:picMkLst>
+            <pc:docMk/>
+            <pc:sldMk cId="3844303103" sldId="257"/>
+            <ac:picMk id="9" creationId="{FFED69AF-807C-44D0-BCDC-4935542BFDE9}"/>
+          </ac:picMkLst>
+        </pc:picChg>
+        <pc:picChg chg="add mod">
+          <ac:chgData name="Qiaomeng Qin" userId="328cb899-176e-43ad-bb77-b05867026c3b" providerId="ADAL" clId="{9B244931-A4C9-49A3-B2E0-DF895F953819}" dt="2022-04-02T20:47:13.859" v="35" actId="1076"/>
+          <ac:picMkLst>
+            <pc:docMk/>
+            <pc:sldMk cId="3844303103" sldId="257"/>
+            <ac:picMk id="11" creationId="{2A8C0943-1F6F-4360-BE10-A3A8FEAA82D1}"/>
+          </ac:picMkLst>
+        </pc:picChg>
+        <pc:picChg chg="add mod">
+          <ac:chgData name="Qiaomeng Qin" userId="328cb899-176e-43ad-bb77-b05867026c3b" providerId="ADAL" clId="{9B244931-A4C9-49A3-B2E0-DF895F953819}" dt="2022-04-02T20:46:11.288" v="24" actId="688"/>
+          <ac:picMkLst>
+            <pc:docMk/>
+            <pc:sldMk cId="3844303103" sldId="257"/>
+            <ac:picMk id="13" creationId="{5FA99A35-60E8-4580-9D95-4953C21589B4}"/>
+          </ac:picMkLst>
+        </pc:picChg>
+        <pc:picChg chg="add mod">
+          <ac:chgData name="Qiaomeng Qin" userId="328cb899-176e-43ad-bb77-b05867026c3b" providerId="ADAL" clId="{9B244931-A4C9-49A3-B2E0-DF895F953819}" dt="2022-04-02T20:46:17.679" v="26" actId="1076"/>
+          <ac:picMkLst>
+            <pc:docMk/>
+            <pc:sldMk cId="3844303103" sldId="257"/>
+            <ac:picMk id="14" creationId="{4ED401F4-FDB9-4BC9-8E33-1399D8B31F83}"/>
+          </ac:picMkLst>
+        </pc:picChg>
+        <pc:cxnChg chg="add mod">
+          <ac:chgData name="Qiaomeng Qin" userId="328cb899-176e-43ad-bb77-b05867026c3b" providerId="ADAL" clId="{9B244931-A4C9-49A3-B2E0-DF895F953819}" dt="2022-04-02T20:46:32.605" v="28" actId="14100"/>
+          <ac:cxnSpMkLst>
+            <pc:docMk/>
+            <pc:sldMk cId="3844303103" sldId="257"/>
+            <ac:cxnSpMk id="16" creationId="{D242657C-E2B0-441A-BB4B-B94E72FE98D5}"/>
+          </ac:cxnSpMkLst>
+        </pc:cxnChg>
+        <pc:cxnChg chg="add mod">
+          <ac:chgData name="Qiaomeng Qin" userId="328cb899-176e-43ad-bb77-b05867026c3b" providerId="ADAL" clId="{9B244931-A4C9-49A3-B2E0-DF895F953819}" dt="2022-04-02T20:46:46.260" v="31" actId="14100"/>
+          <ac:cxnSpMkLst>
+            <pc:docMk/>
+            <pc:sldMk cId="3844303103" sldId="257"/>
+            <ac:cxnSpMk id="18" creationId="{26771BB8-A43E-48FB-A0FC-5DBF97F8CAAC}"/>
+          </ac:cxnSpMkLst>
+        </pc:cxnChg>
+        <pc:cxnChg chg="add mod">
+          <ac:chgData name="Qiaomeng Qin" userId="328cb899-176e-43ad-bb77-b05867026c3b" providerId="ADAL" clId="{9B244931-A4C9-49A3-B2E0-DF895F953819}" dt="2022-04-02T20:46:56.219" v="34" actId="14100"/>
+          <ac:cxnSpMkLst>
+            <pc:docMk/>
+            <pc:sldMk cId="3844303103" sldId="257"/>
+            <ac:cxnSpMk id="20" creationId="{56D7F6F8-3831-447E-AA83-A75A0405EC12}"/>
+          </ac:cxnSpMkLst>
+        </pc:cxnChg>
+      </pc:sldChg>
+    </pc:docChg>
+  </pc:docChgLst>
   <pc:docChgLst>
     <pc:chgData name="Qiaomeng Qin" userId="328cb899-176e-43ad-bb77-b05867026c3b" providerId="ADAL" clId="{4609D9BF-8759-4F32-BAD0-49F15E412497}"/>
     <pc:docChg chg="undo custSel addSld modSld">
@@ -648,7 +801,7 @@
           <a:p>
             <a:fld id="{15C0F0F9-1500-4F85-90EA-D7F00D29E5E6}" type="datetimeFigureOut">
               <a:rPr lang="en-US" smtClean="0"/>
-              <a:t>2/25/2022</a:t>
+              <a:t>4/2/2022</a:t>
             </a:fld>
             <a:endParaRPr lang="en-US"/>
           </a:p>
@@ -846,7 +999,7 @@
           <a:p>
             <a:fld id="{15C0F0F9-1500-4F85-90EA-D7F00D29E5E6}" type="datetimeFigureOut">
               <a:rPr lang="en-US" smtClean="0"/>
-              <a:t>2/25/2022</a:t>
+              <a:t>4/2/2022</a:t>
             </a:fld>
             <a:endParaRPr lang="en-US"/>
           </a:p>
@@ -1054,7 +1207,7 @@
           <a:p>
             <a:fld id="{15C0F0F9-1500-4F85-90EA-D7F00D29E5E6}" type="datetimeFigureOut">
               <a:rPr lang="en-US" smtClean="0"/>
-              <a:t>2/25/2022</a:t>
+              <a:t>4/2/2022</a:t>
             </a:fld>
             <a:endParaRPr lang="en-US"/>
           </a:p>
@@ -1252,7 +1405,7 @@
           <a:p>
             <a:fld id="{15C0F0F9-1500-4F85-90EA-D7F00D29E5E6}" type="datetimeFigureOut">
               <a:rPr lang="en-US" smtClean="0"/>
-              <a:t>2/25/2022</a:t>
+              <a:t>4/2/2022</a:t>
             </a:fld>
             <a:endParaRPr lang="en-US"/>
           </a:p>
@@ -1527,7 +1680,7 @@
           <a:p>
             <a:fld id="{15C0F0F9-1500-4F85-90EA-D7F00D29E5E6}" type="datetimeFigureOut">
               <a:rPr lang="en-US" smtClean="0"/>
-              <a:t>2/25/2022</a:t>
+              <a:t>4/2/2022</a:t>
             </a:fld>
             <a:endParaRPr lang="en-US"/>
           </a:p>
@@ -1792,7 +1945,7 @@
           <a:p>
             <a:fld id="{15C0F0F9-1500-4F85-90EA-D7F00D29E5E6}" type="datetimeFigureOut">
               <a:rPr lang="en-US" smtClean="0"/>
-              <a:t>2/25/2022</a:t>
+              <a:t>4/2/2022</a:t>
             </a:fld>
             <a:endParaRPr lang="en-US"/>
           </a:p>
@@ -2204,7 +2357,7 @@
           <a:p>
             <a:fld id="{15C0F0F9-1500-4F85-90EA-D7F00D29E5E6}" type="datetimeFigureOut">
               <a:rPr lang="en-US" smtClean="0"/>
-              <a:t>2/25/2022</a:t>
+              <a:t>4/2/2022</a:t>
             </a:fld>
             <a:endParaRPr lang="en-US"/>
           </a:p>
@@ -2345,7 +2498,7 @@
           <a:p>
             <a:fld id="{15C0F0F9-1500-4F85-90EA-D7F00D29E5E6}" type="datetimeFigureOut">
               <a:rPr lang="en-US" smtClean="0"/>
-              <a:t>2/25/2022</a:t>
+              <a:t>4/2/2022</a:t>
             </a:fld>
             <a:endParaRPr lang="en-US"/>
           </a:p>
@@ -2458,7 +2611,7 @@
           <a:p>
             <a:fld id="{15C0F0F9-1500-4F85-90EA-D7F00D29E5E6}" type="datetimeFigureOut">
               <a:rPr lang="en-US" smtClean="0"/>
-              <a:t>2/25/2022</a:t>
+              <a:t>4/2/2022</a:t>
             </a:fld>
             <a:endParaRPr lang="en-US"/>
           </a:p>
@@ -2769,7 +2922,7 @@
           <a:p>
             <a:fld id="{15C0F0F9-1500-4F85-90EA-D7F00D29E5E6}" type="datetimeFigureOut">
               <a:rPr lang="en-US" smtClean="0"/>
-              <a:t>2/25/2022</a:t>
+              <a:t>4/2/2022</a:t>
             </a:fld>
             <a:endParaRPr lang="en-US"/>
           </a:p>
@@ -3057,7 +3210,7 @@
           <a:p>
             <a:fld id="{15C0F0F9-1500-4F85-90EA-D7F00D29E5E6}" type="datetimeFigureOut">
               <a:rPr lang="en-US" smtClean="0"/>
-              <a:t>2/25/2022</a:t>
+              <a:t>4/2/2022</a:t>
             </a:fld>
             <a:endParaRPr lang="en-US"/>
           </a:p>
@@ -3298,7 +3451,7 @@
           <a:p>
             <a:fld id="{15C0F0F9-1500-4F85-90EA-D7F00D29E5E6}" type="datetimeFigureOut">
               <a:rPr lang="en-US" smtClean="0"/>
-              <a:t>2/25/2022</a:t>
+              <a:t>4/2/2022</a:t>
             </a:fld>
             <a:endParaRPr lang="en-US"/>
           </a:p>
@@ -4403,8 +4556,8 @@
           </p:sp>
         </mc:Fallback>
       </mc:AlternateContent>
-      <mc:AlternateContent xmlns:mc="http://schemas.openxmlformats.org/markup-compatibility/2006">
-        <mc:Choice xmlns:a14="http://schemas.microsoft.com/office/drawing/2010/main" Requires="a14">
+      <mc:AlternateContent xmlns:mc="http://schemas.openxmlformats.org/markup-compatibility/2006" xmlns:a14="http://schemas.microsoft.com/office/drawing/2010/main">
+        <mc:Choice Requires="a14">
           <p:sp>
             <p:nvSpPr>
               <p:cNvPr id="20" name="TextBox 19">
@@ -4476,7 +4629,7 @@
             </p:txBody>
           </p:sp>
         </mc:Choice>
-        <mc:Fallback>
+        <mc:Fallback xmlns="">
           <p:sp>
             <p:nvSpPr>
               <p:cNvPr id="20" name="TextBox 19">
@@ -4575,8 +4728,8 @@
           </a:p>
         </p:txBody>
       </p:sp>
-      <mc:AlternateContent xmlns:mc="http://schemas.openxmlformats.org/markup-compatibility/2006">
-        <mc:Choice xmlns:a14="http://schemas.microsoft.com/office/drawing/2010/main" Requires="a14">
+      <mc:AlternateContent xmlns:mc="http://schemas.openxmlformats.org/markup-compatibility/2006" xmlns:a14="http://schemas.microsoft.com/office/drawing/2010/main">
+        <mc:Choice Requires="a14">
           <p:sp>
             <p:nvSpPr>
               <p:cNvPr id="27" name="TextBox 26">
@@ -4648,7 +4801,7 @@
             </p:txBody>
           </p:sp>
         </mc:Choice>
-        <mc:Fallback>
+        <mc:Fallback xmlns="">
           <p:sp>
             <p:nvSpPr>
               <p:cNvPr id="27" name="TextBox 26">
@@ -5056,8 +5209,8 @@
           </a:fontRef>
         </p:style>
       </p:cxnSp>
-      <mc:AlternateContent xmlns:mc="http://schemas.openxmlformats.org/markup-compatibility/2006">
-        <mc:Choice xmlns:a14="http://schemas.microsoft.com/office/drawing/2010/main" Requires="a14">
+      <mc:AlternateContent xmlns:mc="http://schemas.openxmlformats.org/markup-compatibility/2006" xmlns:a14="http://schemas.microsoft.com/office/drawing/2010/main">
+        <mc:Choice Requires="a14">
           <p:sp>
             <p:nvSpPr>
               <p:cNvPr id="41" name="TextBox 40">
@@ -5107,7 +5260,7 @@
             </p:txBody>
           </p:sp>
         </mc:Choice>
-        <mc:Fallback>
+        <mc:Fallback xmlns="">
           <p:sp>
             <p:nvSpPr>
               <p:cNvPr id="41" name="TextBox 40">
@@ -5995,6 +6148,502 @@
 </p:sld>
 </file>
 
+<file path=ppt/slides/slide2.xml><?xml version="1.0" encoding="utf-8"?>
+<p:sld xmlns:a="http://schemas.openxmlformats.org/drawingml/2006/main" xmlns:r="http://schemas.openxmlformats.org/officeDocument/2006/relationships" xmlns:p="http://schemas.openxmlformats.org/presentationml/2006/main">
+  <p:cSld>
+    <p:spTree>
+      <p:nvGrpSpPr>
+        <p:cNvPr id="1" name=""/>
+        <p:cNvGrpSpPr/>
+        <p:nvPr/>
+      </p:nvGrpSpPr>
+      <p:grpSpPr>
+        <a:xfrm>
+          <a:off x="0" y="0"/>
+          <a:ext cx="0" cy="0"/>
+          <a:chOff x="0" y="0"/>
+          <a:chExt cx="0" cy="0"/>
+        </a:xfrm>
+      </p:grpSpPr>
+      <p:pic>
+        <p:nvPicPr>
+          <p:cNvPr id="11" name="Picture 10" descr="A picture containing music&#10;&#10;Description automatically generated">
+            <a:extLst>
+              <a:ext uri="{FF2B5EF4-FFF2-40B4-BE49-F238E27FC236}">
+                <a16:creationId xmlns:a16="http://schemas.microsoft.com/office/drawing/2014/main" id="{2A8C0943-1F6F-4360-BE10-A3A8FEAA82D1}"/>
+              </a:ext>
+            </a:extLst>
+          </p:cNvPr>
+          <p:cNvPicPr>
+            <a:picLocks noChangeAspect="1"/>
+          </p:cNvPicPr>
+          <p:nvPr/>
+        </p:nvPicPr>
+        <p:blipFill>
+          <a:blip r:embed="rId2">
+            <a:extLst>
+              <a:ext uri="{28A0092B-C50C-407E-A947-70E740481C1C}">
+                <a14:useLocalDpi xmlns:a14="http://schemas.microsoft.com/office/drawing/2010/main" val="0"/>
+              </a:ext>
+            </a:extLst>
+          </a:blip>
+          <a:stretch>
+            <a:fillRect/>
+          </a:stretch>
+        </p:blipFill>
+        <p:spPr>
+          <a:xfrm>
+            <a:off x="5080127" y="2681655"/>
+            <a:ext cx="1015873" cy="1066667"/>
+          </a:xfrm>
+          <a:prstGeom prst="rect">
+            <a:avLst/>
+          </a:prstGeom>
+        </p:spPr>
+      </p:pic>
+      <p:pic>
+        <p:nvPicPr>
+          <p:cNvPr id="13" name="Picture 12" descr="Icon&#10;&#10;Description automatically generated">
+            <a:extLst>
+              <a:ext uri="{FF2B5EF4-FFF2-40B4-BE49-F238E27FC236}">
+                <a16:creationId xmlns:a16="http://schemas.microsoft.com/office/drawing/2014/main" id="{5FA99A35-60E8-4580-9D95-4953C21589B4}"/>
+              </a:ext>
+            </a:extLst>
+          </p:cNvPr>
+          <p:cNvPicPr>
+            <a:picLocks noChangeAspect="1"/>
+          </p:cNvPicPr>
+          <p:nvPr/>
+        </p:nvPicPr>
+        <p:blipFill>
+          <a:blip r:embed="rId3">
+            <a:extLst>
+              <a:ext uri="{28A0092B-C50C-407E-A947-70E740481C1C}">
+                <a14:useLocalDpi xmlns:a14="http://schemas.microsoft.com/office/drawing/2010/main" val="0"/>
+              </a:ext>
+            </a:extLst>
+          </a:blip>
+          <a:stretch>
+            <a:fillRect/>
+          </a:stretch>
+        </p:blipFill>
+        <p:spPr>
+          <a:xfrm rot="5400000">
+            <a:off x="2081852" y="2034038"/>
+            <a:ext cx="2133333" cy="2361905"/>
+          </a:xfrm>
+          <a:prstGeom prst="rect">
+            <a:avLst/>
+          </a:prstGeom>
+        </p:spPr>
+      </p:pic>
+      <p:pic>
+        <p:nvPicPr>
+          <p:cNvPr id="14" name="Picture 13" descr="Icon&#10;&#10;Description automatically generated">
+            <a:extLst>
+              <a:ext uri="{FF2B5EF4-FFF2-40B4-BE49-F238E27FC236}">
+                <a16:creationId xmlns:a16="http://schemas.microsoft.com/office/drawing/2014/main" id="{4ED401F4-FDB9-4BC9-8E33-1399D8B31F83}"/>
+              </a:ext>
+            </a:extLst>
+          </p:cNvPr>
+          <p:cNvPicPr>
+            <a:picLocks noChangeAspect="1"/>
+          </p:cNvPicPr>
+          <p:nvPr/>
+        </p:nvPicPr>
+        <p:blipFill>
+          <a:blip r:embed="rId3">
+            <a:extLst>
+              <a:ext uri="{28A0092B-C50C-407E-A947-70E740481C1C}">
+                <a14:useLocalDpi xmlns:a14="http://schemas.microsoft.com/office/drawing/2010/main" val="0"/>
+              </a:ext>
+            </a:extLst>
+          </a:blip>
+          <a:stretch>
+            <a:fillRect/>
+          </a:stretch>
+        </p:blipFill>
+        <p:spPr>
+          <a:xfrm rot="5400000">
+            <a:off x="8245945" y="2034037"/>
+            <a:ext cx="2133333" cy="2361905"/>
+          </a:xfrm>
+          <a:prstGeom prst="rect">
+            <a:avLst/>
+          </a:prstGeom>
+        </p:spPr>
+      </p:pic>
+      <p:cxnSp>
+        <p:nvCxnSpPr>
+          <p:cNvPr id="16" name="Straight Arrow Connector 15">
+            <a:extLst>
+              <a:ext uri="{FF2B5EF4-FFF2-40B4-BE49-F238E27FC236}">
+                <a16:creationId xmlns:a16="http://schemas.microsoft.com/office/drawing/2014/main" id="{D242657C-E2B0-441A-BB4B-B94E72FE98D5}"/>
+              </a:ext>
+            </a:extLst>
+          </p:cNvPr>
+          <p:cNvCxnSpPr>
+            <a:cxnSpLocks/>
+          </p:cNvCxnSpPr>
+          <p:nvPr/>
+        </p:nvCxnSpPr>
+        <p:spPr>
+          <a:xfrm flipV="1">
+            <a:off x="3871609" y="2148323"/>
+            <a:ext cx="1643973" cy="419779"/>
+          </a:xfrm>
+          <a:prstGeom prst="straightConnector1">
+            <a:avLst/>
+          </a:prstGeom>
+          <a:ln>
+            <a:tailEnd type="triangle"/>
+          </a:ln>
+        </p:spPr>
+        <p:style>
+          <a:lnRef idx="1">
+            <a:schemeClr val="accent1"/>
+          </a:lnRef>
+          <a:fillRef idx="0">
+            <a:schemeClr val="accent1"/>
+          </a:fillRef>
+          <a:effectRef idx="0">
+            <a:schemeClr val="accent1"/>
+          </a:effectRef>
+          <a:fontRef idx="minor">
+            <a:schemeClr val="tx1"/>
+          </a:fontRef>
+        </p:style>
+      </p:cxnSp>
+      <p:cxnSp>
+        <p:nvCxnSpPr>
+          <p:cNvPr id="18" name="Straight Arrow Connector 17">
+            <a:extLst>
+              <a:ext uri="{FF2B5EF4-FFF2-40B4-BE49-F238E27FC236}">
+                <a16:creationId xmlns:a16="http://schemas.microsoft.com/office/drawing/2014/main" id="{26771BB8-A43E-48FB-A0FC-5DBF97F8CAAC}"/>
+              </a:ext>
+            </a:extLst>
+          </p:cNvPr>
+          <p:cNvCxnSpPr>
+            <a:cxnSpLocks/>
+          </p:cNvCxnSpPr>
+          <p:nvPr/>
+        </p:nvCxnSpPr>
+        <p:spPr>
+          <a:xfrm>
+            <a:off x="5515582" y="2148322"/>
+            <a:ext cx="1527723" cy="419780"/>
+          </a:xfrm>
+          <a:prstGeom prst="straightConnector1">
+            <a:avLst/>
+          </a:prstGeom>
+          <a:ln>
+            <a:tailEnd type="triangle"/>
+          </a:ln>
+        </p:spPr>
+        <p:style>
+          <a:lnRef idx="1">
+            <a:schemeClr val="accent1"/>
+          </a:lnRef>
+          <a:fillRef idx="0">
+            <a:schemeClr val="accent1"/>
+          </a:fillRef>
+          <a:effectRef idx="0">
+            <a:schemeClr val="accent1"/>
+          </a:effectRef>
+          <a:fontRef idx="minor">
+            <a:schemeClr val="tx1"/>
+          </a:fontRef>
+        </p:style>
+      </p:cxnSp>
+      <p:cxnSp>
+        <p:nvCxnSpPr>
+          <p:cNvPr id="20" name="Straight Arrow Connector 19">
+            <a:extLst>
+              <a:ext uri="{FF2B5EF4-FFF2-40B4-BE49-F238E27FC236}">
+                <a16:creationId xmlns:a16="http://schemas.microsoft.com/office/drawing/2014/main" id="{56D7F6F8-3831-447E-AA83-A75A0405EC12}"/>
+              </a:ext>
+            </a:extLst>
+          </p:cNvPr>
+          <p:cNvCxnSpPr>
+            <a:cxnSpLocks/>
+          </p:cNvCxnSpPr>
+          <p:nvPr/>
+        </p:nvCxnSpPr>
+        <p:spPr>
+          <a:xfrm>
+            <a:off x="7043305" y="2568102"/>
+            <a:ext cx="1361393" cy="243192"/>
+          </a:xfrm>
+          <a:prstGeom prst="straightConnector1">
+            <a:avLst/>
+          </a:prstGeom>
+          <a:ln>
+            <a:tailEnd type="triangle"/>
+          </a:ln>
+        </p:spPr>
+        <p:style>
+          <a:lnRef idx="1">
+            <a:schemeClr val="accent1"/>
+          </a:lnRef>
+          <a:fillRef idx="0">
+            <a:schemeClr val="accent1"/>
+          </a:fillRef>
+          <a:effectRef idx="0">
+            <a:schemeClr val="accent1"/>
+          </a:effectRef>
+          <a:fontRef idx="minor">
+            <a:schemeClr val="tx1"/>
+          </a:fontRef>
+        </p:style>
+      </p:cxnSp>
+      <p:sp>
+        <p:nvSpPr>
+          <p:cNvPr id="22" name="Diamond 21">
+            <a:extLst>
+              <a:ext uri="{FF2B5EF4-FFF2-40B4-BE49-F238E27FC236}">
+                <a16:creationId xmlns:a16="http://schemas.microsoft.com/office/drawing/2014/main" id="{FE2A1E26-3118-47B8-920C-B75E4D255513}"/>
+              </a:ext>
+            </a:extLst>
+          </p:cNvPr>
+          <p:cNvSpPr/>
+          <p:nvPr/>
+        </p:nvSpPr>
+        <p:spPr>
+          <a:xfrm>
+            <a:off x="5515580" y="2021863"/>
+            <a:ext cx="262647" cy="252919"/>
+          </a:xfrm>
+          <a:prstGeom prst="diamond">
+            <a:avLst/>
+          </a:prstGeom>
+        </p:spPr>
+        <p:style>
+          <a:lnRef idx="2">
+            <a:schemeClr val="accent1">
+              <a:shade val="50000"/>
+            </a:schemeClr>
+          </a:lnRef>
+          <a:fillRef idx="1">
+            <a:schemeClr val="accent1"/>
+          </a:fillRef>
+          <a:effectRef idx="0">
+            <a:schemeClr val="accent1"/>
+          </a:effectRef>
+          <a:fontRef idx="minor">
+            <a:schemeClr val="lt1"/>
+          </a:fontRef>
+        </p:style>
+        <p:txBody>
+          <a:bodyPr rtlCol="0" anchor="ctr"/>
+          <a:lstStyle/>
+          <a:p>
+            <a:pPr algn="ctr"/>
+            <a:endParaRPr lang="en-US"/>
+          </a:p>
+        </p:txBody>
+      </p:sp>
+      <p:sp>
+        <p:nvSpPr>
+          <p:cNvPr id="23" name="Diamond 22">
+            <a:extLst>
+              <a:ext uri="{FF2B5EF4-FFF2-40B4-BE49-F238E27FC236}">
+                <a16:creationId xmlns:a16="http://schemas.microsoft.com/office/drawing/2014/main" id="{17EEE405-8FF6-4EFB-B758-59A0262A4150}"/>
+              </a:ext>
+            </a:extLst>
+          </p:cNvPr>
+          <p:cNvSpPr/>
+          <p:nvPr/>
+        </p:nvSpPr>
+        <p:spPr>
+          <a:xfrm>
+            <a:off x="7019464" y="2427990"/>
+            <a:ext cx="262647" cy="252919"/>
+          </a:xfrm>
+          <a:prstGeom prst="diamond">
+            <a:avLst/>
+          </a:prstGeom>
+        </p:spPr>
+        <p:style>
+          <a:lnRef idx="2">
+            <a:schemeClr val="accent1">
+              <a:shade val="50000"/>
+            </a:schemeClr>
+          </a:lnRef>
+          <a:fillRef idx="1">
+            <a:schemeClr val="accent1"/>
+          </a:fillRef>
+          <a:effectRef idx="0">
+            <a:schemeClr val="accent1"/>
+          </a:effectRef>
+          <a:fontRef idx="minor">
+            <a:schemeClr val="lt1"/>
+          </a:fontRef>
+        </p:style>
+        <p:txBody>
+          <a:bodyPr rtlCol="0" anchor="ctr"/>
+          <a:lstStyle/>
+          <a:p>
+            <a:pPr algn="ctr"/>
+            <a:endParaRPr lang="en-US"/>
+          </a:p>
+        </p:txBody>
+      </p:sp>
+      <p:sp>
+        <p:nvSpPr>
+          <p:cNvPr id="24" name="TextBox 23">
+            <a:extLst>
+              <a:ext uri="{FF2B5EF4-FFF2-40B4-BE49-F238E27FC236}">
+                <a16:creationId xmlns:a16="http://schemas.microsoft.com/office/drawing/2014/main" id="{EAE64020-43BF-4076-A7FC-C39FD68CBDF2}"/>
+              </a:ext>
+            </a:extLst>
+          </p:cNvPr>
+          <p:cNvSpPr txBox="1"/>
+          <p:nvPr/>
+        </p:nvSpPr>
+        <p:spPr>
+          <a:xfrm>
+            <a:off x="4884185" y="1595755"/>
+            <a:ext cx="1351480" cy="369332"/>
+          </a:xfrm>
+          <a:prstGeom prst="rect">
+            <a:avLst/>
+          </a:prstGeom>
+          <a:noFill/>
+        </p:spPr>
+        <p:txBody>
+          <a:bodyPr wrap="square" rtlCol="0">
+            <a:spAutoFit/>
+          </a:bodyPr>
+          <a:lstStyle/>
+          <a:p>
+            <a:r>
+              <a:rPr lang="en-US" altLang="zh-CN" dirty="0"/>
+              <a:t>Way Point 1</a:t>
+            </a:r>
+            <a:endParaRPr lang="en-US" dirty="0"/>
+          </a:p>
+        </p:txBody>
+      </p:sp>
+      <p:sp>
+        <p:nvSpPr>
+          <p:cNvPr id="25" name="TextBox 24">
+            <a:extLst>
+              <a:ext uri="{FF2B5EF4-FFF2-40B4-BE49-F238E27FC236}">
+                <a16:creationId xmlns:a16="http://schemas.microsoft.com/office/drawing/2014/main" id="{97CF46D0-1012-4A47-8F6F-E1E109EEDFEA}"/>
+              </a:ext>
+            </a:extLst>
+          </p:cNvPr>
+          <p:cNvSpPr txBox="1"/>
+          <p:nvPr/>
+        </p:nvSpPr>
+        <p:spPr>
+          <a:xfrm>
+            <a:off x="6603936" y="2029873"/>
+            <a:ext cx="1351480" cy="369332"/>
+          </a:xfrm>
+          <a:prstGeom prst="rect">
+            <a:avLst/>
+          </a:prstGeom>
+          <a:noFill/>
+        </p:spPr>
+        <p:txBody>
+          <a:bodyPr wrap="square" rtlCol="0">
+            <a:spAutoFit/>
+          </a:bodyPr>
+          <a:lstStyle/>
+          <a:p>
+            <a:r>
+              <a:rPr lang="en-US" altLang="zh-CN" dirty="0"/>
+              <a:t>Way Point 2</a:t>
+            </a:r>
+            <a:endParaRPr lang="en-US" dirty="0"/>
+          </a:p>
+        </p:txBody>
+      </p:sp>
+      <p:sp>
+        <p:nvSpPr>
+          <p:cNvPr id="26" name="TextBox 25">
+            <a:extLst>
+              <a:ext uri="{FF2B5EF4-FFF2-40B4-BE49-F238E27FC236}">
+                <a16:creationId xmlns:a16="http://schemas.microsoft.com/office/drawing/2014/main" id="{D00019D4-773A-4761-96FB-F63CF0621765}"/>
+              </a:ext>
+            </a:extLst>
+          </p:cNvPr>
+          <p:cNvSpPr txBox="1"/>
+          <p:nvPr/>
+        </p:nvSpPr>
+        <p:spPr>
+          <a:xfrm>
+            <a:off x="2421654" y="2195183"/>
+            <a:ext cx="1931658" cy="369332"/>
+          </a:xfrm>
+          <a:prstGeom prst="rect">
+            <a:avLst/>
+          </a:prstGeom>
+          <a:noFill/>
+        </p:spPr>
+        <p:txBody>
+          <a:bodyPr wrap="square" rtlCol="0">
+            <a:spAutoFit/>
+          </a:bodyPr>
+          <a:lstStyle/>
+          <a:p>
+            <a:r>
+              <a:rPr lang="en-US" altLang="zh-CN" dirty="0"/>
+              <a:t>Start Position</a:t>
+            </a:r>
+            <a:endParaRPr lang="en-US" dirty="0"/>
+          </a:p>
+        </p:txBody>
+      </p:sp>
+      <p:sp>
+        <p:nvSpPr>
+          <p:cNvPr id="27" name="TextBox 26">
+            <a:extLst>
+              <a:ext uri="{FF2B5EF4-FFF2-40B4-BE49-F238E27FC236}">
+                <a16:creationId xmlns:a16="http://schemas.microsoft.com/office/drawing/2014/main" id="{BAC599D7-883F-4155-8E82-3092131FFD50}"/>
+              </a:ext>
+            </a:extLst>
+          </p:cNvPr>
+          <p:cNvSpPr txBox="1"/>
+          <p:nvPr/>
+        </p:nvSpPr>
+        <p:spPr>
+          <a:xfrm>
+            <a:off x="8428539" y="2343621"/>
+            <a:ext cx="2361904" cy="369332"/>
+          </a:xfrm>
+          <a:prstGeom prst="rect">
+            <a:avLst/>
+          </a:prstGeom>
+          <a:noFill/>
+        </p:spPr>
+        <p:txBody>
+          <a:bodyPr wrap="square" rtlCol="0">
+            <a:spAutoFit/>
+          </a:bodyPr>
+          <a:lstStyle/>
+          <a:p>
+            <a:r>
+              <a:rPr lang="en-US" dirty="0"/>
+              <a:t>Expected Position</a:t>
+            </a:r>
+          </a:p>
+        </p:txBody>
+      </p:sp>
+    </p:spTree>
+    <p:extLst>
+      <p:ext uri="{BB962C8B-B14F-4D97-AF65-F5344CB8AC3E}">
+        <p14:creationId xmlns:p14="http://schemas.microsoft.com/office/powerpoint/2010/main" val="3844303103"/>
+      </p:ext>
+    </p:extLst>
+  </p:cSld>
+  <p:clrMapOvr>
+    <a:masterClrMapping/>
+  </p:clrMapOvr>
+</p:sld>
+</file>
+
 <file path=ppt/theme/theme1.xml><?xml version="1.0" encoding="utf-8"?>
 <a:theme xmlns:a="http://schemas.openxmlformats.org/drawingml/2006/main" name="Office Theme">
   <a:themeElements>

--- a/Figures.pptx
+++ b/Figures.pptx
@@ -7,6 +7,9 @@
   <p:sldIdLst>
     <p:sldId id="256" r:id="rId2"/>
     <p:sldId id="257" r:id="rId3"/>
+    <p:sldId id="258" r:id="rId4"/>
+    <p:sldId id="259" r:id="rId5"/>
+    <p:sldId id="260" r:id="rId6"/>
   </p:sldIdLst>
   <p:sldSz cx="12192000" cy="6858000"/>
   <p:notesSz cx="6858000" cy="9144000"/>
@@ -116,7 +119,7 @@
 <file path=ppt/revisionInfo.xml><?xml version="1.0" encoding="utf-8"?>
 <p1510:revInfo xmlns:a="http://schemas.openxmlformats.org/drawingml/2006/main" xmlns:r="http://schemas.openxmlformats.org/officeDocument/2006/relationships" xmlns:p1510="http://schemas.microsoft.com/office/powerpoint/2015/10/main">
   <p1510:revLst>
-    <p1510:client id="{9B244931-A4C9-49A3-B2E0-DF895F953819}" v="13" dt="2022-04-02T20:48:21.195"/>
+    <p1510:client id="{9B244931-A4C9-49A3-B2E0-DF895F953819}" v="28" dt="2022-04-18T16:00:24.191"/>
   </p1510:revLst>
 </p1510:revInfo>
 </file>
@@ -125,8 +128,8 @@
 <pc:chgInfo xmlns:a="http://schemas.openxmlformats.org/drawingml/2006/main" xmlns:r="http://schemas.openxmlformats.org/officeDocument/2006/relationships" xmlns:ac="http://schemas.microsoft.com/office/drawing/2013/main/command" xmlns:pc="http://schemas.microsoft.com/office/powerpoint/2013/main/command">
   <pc:docChgLst>
     <pc:chgData name="Qiaomeng Qin" userId="328cb899-176e-43ad-bb77-b05867026c3b" providerId="ADAL" clId="{9B244931-A4C9-49A3-B2E0-DF895F953819}"/>
-    <pc:docChg chg="custSel addSld modSld">
-      <pc:chgData name="Qiaomeng Qin" userId="328cb899-176e-43ad-bb77-b05867026c3b" providerId="ADAL" clId="{9B244931-A4C9-49A3-B2E0-DF895F953819}" dt="2022-04-02T20:48:42.607" v="100" actId="14100"/>
+    <pc:docChg chg="undo custSel addSld modSld">
+      <pc:chgData name="Qiaomeng Qin" userId="328cb899-176e-43ad-bb77-b05867026c3b" providerId="ADAL" clId="{9B244931-A4C9-49A3-B2E0-DF895F953819}" dt="2022-04-18T16:00:36.572" v="305" actId="1076"/>
       <pc:docMkLst>
         <pc:docMk/>
       </pc:docMkLst>
@@ -270,6 +273,411 @@
             <pc:docMk/>
             <pc:sldMk cId="3844303103" sldId="257"/>
             <ac:cxnSpMk id="20" creationId="{56D7F6F8-3831-447E-AA83-A75A0405EC12}"/>
+          </ac:cxnSpMkLst>
+        </pc:cxnChg>
+      </pc:sldChg>
+      <pc:sldChg chg="addSp delSp modSp add mod">
+        <pc:chgData name="Qiaomeng Qin" userId="328cb899-176e-43ad-bb77-b05867026c3b" providerId="ADAL" clId="{9B244931-A4C9-49A3-B2E0-DF895F953819}" dt="2022-04-16T01:49:11.793" v="157" actId="11529"/>
+        <pc:sldMkLst>
+          <pc:docMk/>
+          <pc:sldMk cId="3492567423" sldId="258"/>
+        </pc:sldMkLst>
+        <pc:spChg chg="del">
+          <ac:chgData name="Qiaomeng Qin" userId="328cb899-176e-43ad-bb77-b05867026c3b" providerId="ADAL" clId="{9B244931-A4C9-49A3-B2E0-DF895F953819}" dt="2022-04-16T01:44:01.269" v="102" actId="478"/>
+          <ac:spMkLst>
+            <pc:docMk/>
+            <pc:sldMk cId="3492567423" sldId="258"/>
+            <ac:spMk id="22" creationId="{FE2A1E26-3118-47B8-920C-B75E4D255513}"/>
+          </ac:spMkLst>
+        </pc:spChg>
+        <pc:spChg chg="del">
+          <ac:chgData name="Qiaomeng Qin" userId="328cb899-176e-43ad-bb77-b05867026c3b" providerId="ADAL" clId="{9B244931-A4C9-49A3-B2E0-DF895F953819}" dt="2022-04-16T01:44:01.269" v="102" actId="478"/>
+          <ac:spMkLst>
+            <pc:docMk/>
+            <pc:sldMk cId="3492567423" sldId="258"/>
+            <ac:spMk id="23" creationId="{17EEE405-8FF6-4EFB-B758-59A0262A4150}"/>
+          </ac:spMkLst>
+        </pc:spChg>
+        <pc:spChg chg="del">
+          <ac:chgData name="Qiaomeng Qin" userId="328cb899-176e-43ad-bb77-b05867026c3b" providerId="ADAL" clId="{9B244931-A4C9-49A3-B2E0-DF895F953819}" dt="2022-04-16T01:44:01.269" v="102" actId="478"/>
+          <ac:spMkLst>
+            <pc:docMk/>
+            <pc:sldMk cId="3492567423" sldId="258"/>
+            <ac:spMk id="24" creationId="{EAE64020-43BF-4076-A7FC-C39FD68CBDF2}"/>
+          </ac:spMkLst>
+        </pc:spChg>
+        <pc:spChg chg="del">
+          <ac:chgData name="Qiaomeng Qin" userId="328cb899-176e-43ad-bb77-b05867026c3b" providerId="ADAL" clId="{9B244931-A4C9-49A3-B2E0-DF895F953819}" dt="2022-04-16T01:44:01.269" v="102" actId="478"/>
+          <ac:spMkLst>
+            <pc:docMk/>
+            <pc:sldMk cId="3492567423" sldId="258"/>
+            <ac:spMk id="25" creationId="{97CF46D0-1012-4A47-8F6F-E1E109EEDFEA}"/>
+          </ac:spMkLst>
+        </pc:spChg>
+        <pc:spChg chg="mod">
+          <ac:chgData name="Qiaomeng Qin" userId="328cb899-176e-43ad-bb77-b05867026c3b" providerId="ADAL" clId="{9B244931-A4C9-49A3-B2E0-DF895F953819}" dt="2022-04-16T01:44:29.978" v="127" actId="20577"/>
+          <ac:spMkLst>
+            <pc:docMk/>
+            <pc:sldMk cId="3492567423" sldId="258"/>
+            <ac:spMk id="26" creationId="{D00019D4-773A-4761-96FB-F63CF0621765}"/>
+          </ac:spMkLst>
+        </pc:spChg>
+        <pc:spChg chg="add del mod">
+          <ac:chgData name="Qiaomeng Qin" userId="328cb899-176e-43ad-bb77-b05867026c3b" providerId="ADAL" clId="{9B244931-A4C9-49A3-B2E0-DF895F953819}" dt="2022-04-16T01:49:01.955" v="155" actId="1076"/>
+          <ac:spMkLst>
+            <pc:docMk/>
+            <pc:sldMk cId="3492567423" sldId="258"/>
+            <ac:spMk id="27" creationId="{BAC599D7-883F-4155-8E82-3092131FFD50}"/>
+          </ac:spMkLst>
+        </pc:spChg>
+        <pc:picChg chg="add mod">
+          <ac:chgData name="Qiaomeng Qin" userId="328cb899-176e-43ad-bb77-b05867026c3b" providerId="ADAL" clId="{9B244931-A4C9-49A3-B2E0-DF895F953819}" dt="2022-04-16T01:48:26.415" v="149" actId="1076"/>
+          <ac:picMkLst>
+            <pc:docMk/>
+            <pc:sldMk cId="3492567423" sldId="258"/>
+            <ac:picMk id="3" creationId="{234392E9-1242-486E-B450-AD4678884D77}"/>
+          </ac:picMkLst>
+        </pc:picChg>
+        <pc:picChg chg="mod">
+          <ac:chgData name="Qiaomeng Qin" userId="328cb899-176e-43ad-bb77-b05867026c3b" providerId="ADAL" clId="{9B244931-A4C9-49A3-B2E0-DF895F953819}" dt="2022-04-16T01:44:43.386" v="140" actId="1076"/>
+          <ac:picMkLst>
+            <pc:docMk/>
+            <pc:sldMk cId="3492567423" sldId="258"/>
+            <ac:picMk id="11" creationId="{2A8C0943-1F6F-4360-BE10-A3A8FEAA82D1}"/>
+          </ac:picMkLst>
+        </pc:picChg>
+        <pc:picChg chg="add del">
+          <ac:chgData name="Qiaomeng Qin" userId="328cb899-176e-43ad-bb77-b05867026c3b" providerId="ADAL" clId="{9B244931-A4C9-49A3-B2E0-DF895F953819}" dt="2022-04-16T01:44:46.282" v="141" actId="478"/>
+          <ac:picMkLst>
+            <pc:docMk/>
+            <pc:sldMk cId="3492567423" sldId="258"/>
+            <ac:picMk id="14" creationId="{4ED401F4-FDB9-4BC9-8E33-1399D8B31F83}"/>
+          </ac:picMkLst>
+        </pc:picChg>
+        <pc:cxnChg chg="add del mod">
+          <ac:chgData name="Qiaomeng Qin" userId="328cb899-176e-43ad-bb77-b05867026c3b" providerId="ADAL" clId="{9B244931-A4C9-49A3-B2E0-DF895F953819}" dt="2022-04-16T01:49:06.122" v="156" actId="478"/>
+          <ac:cxnSpMkLst>
+            <pc:docMk/>
+            <pc:sldMk cId="3492567423" sldId="258"/>
+            <ac:cxnSpMk id="5" creationId="{74BCCD1C-EB1E-4403-B372-5331559F78D9}"/>
+          </ac:cxnSpMkLst>
+        </pc:cxnChg>
+        <pc:cxnChg chg="add">
+          <ac:chgData name="Qiaomeng Qin" userId="328cb899-176e-43ad-bb77-b05867026c3b" providerId="ADAL" clId="{9B244931-A4C9-49A3-B2E0-DF895F953819}" dt="2022-04-16T01:49:11.793" v="157" actId="11529"/>
+          <ac:cxnSpMkLst>
+            <pc:docMk/>
+            <pc:sldMk cId="3492567423" sldId="258"/>
+            <ac:cxnSpMk id="8" creationId="{F5C6A179-5D48-405A-ABAA-8293FA36DC90}"/>
+          </ac:cxnSpMkLst>
+        </pc:cxnChg>
+        <pc:cxnChg chg="del">
+          <ac:chgData name="Qiaomeng Qin" userId="328cb899-176e-43ad-bb77-b05867026c3b" providerId="ADAL" clId="{9B244931-A4C9-49A3-B2E0-DF895F953819}" dt="2022-04-16T01:44:02.921" v="103" actId="478"/>
+          <ac:cxnSpMkLst>
+            <pc:docMk/>
+            <pc:sldMk cId="3492567423" sldId="258"/>
+            <ac:cxnSpMk id="16" creationId="{D242657C-E2B0-441A-BB4B-B94E72FE98D5}"/>
+          </ac:cxnSpMkLst>
+        </pc:cxnChg>
+        <pc:cxnChg chg="del">
+          <ac:chgData name="Qiaomeng Qin" userId="328cb899-176e-43ad-bb77-b05867026c3b" providerId="ADAL" clId="{9B244931-A4C9-49A3-B2E0-DF895F953819}" dt="2022-04-16T01:44:01.269" v="102" actId="478"/>
+          <ac:cxnSpMkLst>
+            <pc:docMk/>
+            <pc:sldMk cId="3492567423" sldId="258"/>
+            <ac:cxnSpMk id="18" creationId="{26771BB8-A43E-48FB-A0FC-5DBF97F8CAAC}"/>
+          </ac:cxnSpMkLst>
+        </pc:cxnChg>
+        <pc:cxnChg chg="del">
+          <ac:chgData name="Qiaomeng Qin" userId="328cb899-176e-43ad-bb77-b05867026c3b" providerId="ADAL" clId="{9B244931-A4C9-49A3-B2E0-DF895F953819}" dt="2022-04-16T01:44:03.770" v="104" actId="478"/>
+          <ac:cxnSpMkLst>
+            <pc:docMk/>
+            <pc:sldMk cId="3492567423" sldId="258"/>
+            <ac:cxnSpMk id="20" creationId="{56D7F6F8-3831-447E-AA83-A75A0405EC12}"/>
+          </ac:cxnSpMkLst>
+        </pc:cxnChg>
+      </pc:sldChg>
+      <pc:sldChg chg="addSp delSp modSp add mod">
+        <pc:chgData name="Qiaomeng Qin" userId="328cb899-176e-43ad-bb77-b05867026c3b" providerId="ADAL" clId="{9B244931-A4C9-49A3-B2E0-DF895F953819}" dt="2022-04-16T01:52:25.893" v="213" actId="13822"/>
+        <pc:sldMkLst>
+          <pc:docMk/>
+          <pc:sldMk cId="3424340066" sldId="259"/>
+        </pc:sldMkLst>
+        <pc:spChg chg="add mod">
+          <ac:chgData name="Qiaomeng Qin" userId="328cb899-176e-43ad-bb77-b05867026c3b" providerId="ADAL" clId="{9B244931-A4C9-49A3-B2E0-DF895F953819}" dt="2022-04-16T01:51:46.257" v="186" actId="1076"/>
+          <ac:spMkLst>
+            <pc:docMk/>
+            <pc:sldMk cId="3424340066" sldId="259"/>
+            <ac:spMk id="17" creationId="{05D80FA1-040D-4B17-96DB-4ACF0D65A3C9}"/>
+          </ac:spMkLst>
+        </pc:spChg>
+        <pc:spChg chg="add mod">
+          <ac:chgData name="Qiaomeng Qin" userId="328cb899-176e-43ad-bb77-b05867026c3b" providerId="ADAL" clId="{9B244931-A4C9-49A3-B2E0-DF895F953819}" dt="2022-04-16T01:52:06.861" v="212" actId="1076"/>
+          <ac:spMkLst>
+            <pc:docMk/>
+            <pc:sldMk cId="3424340066" sldId="259"/>
+            <ac:spMk id="21" creationId="{BF497885-701E-494C-B476-BF30C29D9931}"/>
+          </ac:spMkLst>
+        </pc:spChg>
+        <pc:spChg chg="mod">
+          <ac:chgData name="Qiaomeng Qin" userId="328cb899-176e-43ad-bb77-b05867026c3b" providerId="ADAL" clId="{9B244931-A4C9-49A3-B2E0-DF895F953819}" dt="2022-04-16T01:51:50.743" v="187" actId="1076"/>
+          <ac:spMkLst>
+            <pc:docMk/>
+            <pc:sldMk cId="3424340066" sldId="259"/>
+            <ac:spMk id="26" creationId="{D00019D4-773A-4761-96FB-F63CF0621765}"/>
+          </ac:spMkLst>
+        </pc:spChg>
+        <pc:spChg chg="mod">
+          <ac:chgData name="Qiaomeng Qin" userId="328cb899-176e-43ad-bb77-b05867026c3b" providerId="ADAL" clId="{9B244931-A4C9-49A3-B2E0-DF895F953819}" dt="2022-04-16T01:50:17.226" v="167" actId="20577"/>
+          <ac:spMkLst>
+            <pc:docMk/>
+            <pc:sldMk cId="3424340066" sldId="259"/>
+            <ac:spMk id="27" creationId="{BAC599D7-883F-4155-8E82-3092131FFD50}"/>
+          </ac:spMkLst>
+        </pc:spChg>
+        <pc:cxnChg chg="add del">
+          <ac:chgData name="Qiaomeng Qin" userId="328cb899-176e-43ad-bb77-b05867026c3b" providerId="ADAL" clId="{9B244931-A4C9-49A3-B2E0-DF895F953819}" dt="2022-04-16T01:50:46.971" v="171" actId="478"/>
+          <ac:cxnSpMkLst>
+            <pc:docMk/>
+            <pc:sldMk cId="3424340066" sldId="259"/>
+            <ac:cxnSpMk id="5" creationId="{229945B0-9302-4428-B090-670E13F46982}"/>
+          </ac:cxnSpMkLst>
+        </pc:cxnChg>
+        <pc:cxnChg chg="add mod">
+          <ac:chgData name="Qiaomeng Qin" userId="328cb899-176e-43ad-bb77-b05867026c3b" providerId="ADAL" clId="{9B244931-A4C9-49A3-B2E0-DF895F953819}" dt="2022-04-16T01:52:25.893" v="213" actId="13822"/>
+          <ac:cxnSpMkLst>
+            <pc:docMk/>
+            <pc:sldMk cId="3424340066" sldId="259"/>
+            <ac:cxnSpMk id="7" creationId="{64D635F3-7A13-4500-BD37-25E5BAFD6772}"/>
+          </ac:cxnSpMkLst>
+        </pc:cxnChg>
+        <pc:cxnChg chg="del mod">
+          <ac:chgData name="Qiaomeng Qin" userId="328cb899-176e-43ad-bb77-b05867026c3b" providerId="ADAL" clId="{9B244931-A4C9-49A3-B2E0-DF895F953819}" dt="2022-04-16T01:50:27.162" v="169" actId="478"/>
+          <ac:cxnSpMkLst>
+            <pc:docMk/>
+            <pc:sldMk cId="3424340066" sldId="259"/>
+            <ac:cxnSpMk id="8" creationId="{F5C6A179-5D48-405A-ABAA-8293FA36DC90}"/>
+          </ac:cxnSpMkLst>
+        </pc:cxnChg>
+        <pc:cxnChg chg="add mod">
+          <ac:chgData name="Qiaomeng Qin" userId="328cb899-176e-43ad-bb77-b05867026c3b" providerId="ADAL" clId="{9B244931-A4C9-49A3-B2E0-DF895F953819}" dt="2022-04-16T01:51:03.395" v="175" actId="14100"/>
+          <ac:cxnSpMkLst>
+            <pc:docMk/>
+            <pc:sldMk cId="3424340066" sldId="259"/>
+            <ac:cxnSpMk id="14" creationId="{154583D1-3A0C-44DF-9D99-9658F41AE149}"/>
+          </ac:cxnSpMkLst>
+        </pc:cxnChg>
+        <pc:cxnChg chg="add mod">
+          <ac:chgData name="Qiaomeng Qin" userId="328cb899-176e-43ad-bb77-b05867026c3b" providerId="ADAL" clId="{9B244931-A4C9-49A3-B2E0-DF895F953819}" dt="2022-04-16T01:51:16.415" v="179" actId="14100"/>
+          <ac:cxnSpMkLst>
+            <pc:docMk/>
+            <pc:sldMk cId="3424340066" sldId="259"/>
+            <ac:cxnSpMk id="15" creationId="{0E0CAAD4-ABAD-4554-B70E-44CA1A7A4CFF}"/>
+          </ac:cxnSpMkLst>
+        </pc:cxnChg>
+        <pc:cxnChg chg="add mod">
+          <ac:chgData name="Qiaomeng Qin" userId="328cb899-176e-43ad-bb77-b05867026c3b" providerId="ADAL" clId="{9B244931-A4C9-49A3-B2E0-DF895F953819}" dt="2022-04-16T01:51:25.621" v="182" actId="14100"/>
+          <ac:cxnSpMkLst>
+            <pc:docMk/>
+            <pc:sldMk cId="3424340066" sldId="259"/>
+            <ac:cxnSpMk id="18" creationId="{07345F28-68D1-43C8-BC13-852BF3F5443B}"/>
+          </ac:cxnSpMkLst>
+        </pc:cxnChg>
+      </pc:sldChg>
+      <pc:sldChg chg="addSp delSp modSp add mod">
+        <pc:chgData name="Qiaomeng Qin" userId="328cb899-176e-43ad-bb77-b05867026c3b" providerId="ADAL" clId="{9B244931-A4C9-49A3-B2E0-DF895F953819}" dt="2022-04-18T16:00:36.572" v="305" actId="1076"/>
+        <pc:sldMkLst>
+          <pc:docMk/>
+          <pc:sldMk cId="378448901" sldId="260"/>
+        </pc:sldMkLst>
+        <pc:spChg chg="add mod">
+          <ac:chgData name="Qiaomeng Qin" userId="328cb899-176e-43ad-bb77-b05867026c3b" providerId="ADAL" clId="{9B244931-A4C9-49A3-B2E0-DF895F953819}" dt="2022-04-18T15:58:09.062" v="226" actId="14100"/>
+          <ac:spMkLst>
+            <pc:docMk/>
+            <pc:sldMk cId="378448901" sldId="260"/>
+            <ac:spMk id="16" creationId="{4A17EEA6-BF04-4DFA-B385-E5681DC28472}"/>
+          </ac:spMkLst>
+        </pc:spChg>
+        <pc:spChg chg="del">
+          <ac:chgData name="Qiaomeng Qin" userId="328cb899-176e-43ad-bb77-b05867026c3b" providerId="ADAL" clId="{9B244931-A4C9-49A3-B2E0-DF895F953819}" dt="2022-04-18T15:56:44.944" v="215" actId="478"/>
+          <ac:spMkLst>
+            <pc:docMk/>
+            <pc:sldMk cId="378448901" sldId="260"/>
+            <ac:spMk id="17" creationId="{05D80FA1-040D-4B17-96DB-4ACF0D65A3C9}"/>
+          </ac:spMkLst>
+        </pc:spChg>
+        <pc:spChg chg="add mod">
+          <ac:chgData name="Qiaomeng Qin" userId="328cb899-176e-43ad-bb77-b05867026c3b" providerId="ADAL" clId="{9B244931-A4C9-49A3-B2E0-DF895F953819}" dt="2022-04-18T15:58:39.319" v="232" actId="14100"/>
+          <ac:spMkLst>
+            <pc:docMk/>
+            <pc:sldMk cId="378448901" sldId="260"/>
+            <ac:spMk id="19" creationId="{A57129BB-45CE-4D4E-BC98-C80B8C9138AC}"/>
+          </ac:spMkLst>
+        </pc:spChg>
+        <pc:spChg chg="add mod">
+          <ac:chgData name="Qiaomeng Qin" userId="328cb899-176e-43ad-bb77-b05867026c3b" providerId="ADAL" clId="{9B244931-A4C9-49A3-B2E0-DF895F953819}" dt="2022-04-18T15:58:59.242" v="243" actId="20577"/>
+          <ac:spMkLst>
+            <pc:docMk/>
+            <pc:sldMk cId="378448901" sldId="260"/>
+            <ac:spMk id="20" creationId="{678E024E-703F-4195-B536-6A12D0ADEDBA}"/>
+          </ac:spMkLst>
+        </pc:spChg>
+        <pc:spChg chg="del">
+          <ac:chgData name="Qiaomeng Qin" userId="328cb899-176e-43ad-bb77-b05867026c3b" providerId="ADAL" clId="{9B244931-A4C9-49A3-B2E0-DF895F953819}" dt="2022-04-18T15:56:44.944" v="215" actId="478"/>
+          <ac:spMkLst>
+            <pc:docMk/>
+            <pc:sldMk cId="378448901" sldId="260"/>
+            <ac:spMk id="21" creationId="{BF497885-701E-494C-B476-BF30C29D9931}"/>
+          </ac:spMkLst>
+        </pc:spChg>
+        <pc:spChg chg="add mod">
+          <ac:chgData name="Qiaomeng Qin" userId="328cb899-176e-43ad-bb77-b05867026c3b" providerId="ADAL" clId="{9B244931-A4C9-49A3-B2E0-DF895F953819}" dt="2022-04-18T15:59:13.080" v="249" actId="1076"/>
+          <ac:spMkLst>
+            <pc:docMk/>
+            <pc:sldMk cId="378448901" sldId="260"/>
+            <ac:spMk id="24" creationId="{A79607A7-D8AF-4E35-ADC1-5BABA406F3D5}"/>
+          </ac:spMkLst>
+        </pc:spChg>
+        <pc:spChg chg="add mod">
+          <ac:chgData name="Qiaomeng Qin" userId="328cb899-176e-43ad-bb77-b05867026c3b" providerId="ADAL" clId="{9B244931-A4C9-49A3-B2E0-DF895F953819}" dt="2022-04-18T15:59:35.166" v="270" actId="1076"/>
+          <ac:spMkLst>
+            <pc:docMk/>
+            <pc:sldMk cId="378448901" sldId="260"/>
+            <ac:spMk id="25" creationId="{5E3A5B4A-F8F6-4DD2-8B89-B699FD4F9CD2}"/>
+          </ac:spMkLst>
+        </pc:spChg>
+        <pc:spChg chg="del">
+          <ac:chgData name="Qiaomeng Qin" userId="328cb899-176e-43ad-bb77-b05867026c3b" providerId="ADAL" clId="{9B244931-A4C9-49A3-B2E0-DF895F953819}" dt="2022-04-18T15:56:44.944" v="215" actId="478"/>
+          <ac:spMkLst>
+            <pc:docMk/>
+            <pc:sldMk cId="378448901" sldId="260"/>
+            <ac:spMk id="26" creationId="{D00019D4-773A-4761-96FB-F63CF0621765}"/>
+          </ac:spMkLst>
+        </pc:spChg>
+        <pc:spChg chg="del">
+          <ac:chgData name="Qiaomeng Qin" userId="328cb899-176e-43ad-bb77-b05867026c3b" providerId="ADAL" clId="{9B244931-A4C9-49A3-B2E0-DF895F953819}" dt="2022-04-18T15:56:44.944" v="215" actId="478"/>
+          <ac:spMkLst>
+            <pc:docMk/>
+            <pc:sldMk cId="378448901" sldId="260"/>
+            <ac:spMk id="27" creationId="{BAC599D7-883F-4155-8E82-3092131FFD50}"/>
+          </ac:spMkLst>
+        </pc:spChg>
+        <pc:spChg chg="add mod">
+          <ac:chgData name="Qiaomeng Qin" userId="328cb899-176e-43ad-bb77-b05867026c3b" providerId="ADAL" clId="{9B244931-A4C9-49A3-B2E0-DF895F953819}" dt="2022-04-18T15:59:47.882" v="282" actId="20577"/>
+          <ac:spMkLst>
+            <pc:docMk/>
+            <pc:sldMk cId="378448901" sldId="260"/>
+            <ac:spMk id="28" creationId="{C7CD3E9A-9F3C-4AC6-8DC4-226F2323358E}"/>
+          </ac:spMkLst>
+        </pc:spChg>
+        <pc:spChg chg="add mod">
+          <ac:chgData name="Qiaomeng Qin" userId="328cb899-176e-43ad-bb77-b05867026c3b" providerId="ADAL" clId="{9B244931-A4C9-49A3-B2E0-DF895F953819}" dt="2022-04-18T16:00:36.572" v="305" actId="1076"/>
+          <ac:spMkLst>
+            <pc:docMk/>
+            <pc:sldMk cId="378448901" sldId="260"/>
+            <ac:spMk id="29" creationId="{2AC4BE25-61C1-41E3-BBB4-BB2C1A93CC0B}"/>
+          </ac:spMkLst>
+        </pc:spChg>
+        <pc:spChg chg="add mod">
+          <ac:chgData name="Qiaomeng Qin" userId="328cb899-176e-43ad-bb77-b05867026c3b" providerId="ADAL" clId="{9B244931-A4C9-49A3-B2E0-DF895F953819}" dt="2022-04-18T16:00:19.544" v="300" actId="14100"/>
+          <ac:spMkLst>
+            <pc:docMk/>
+            <pc:sldMk cId="378448901" sldId="260"/>
+            <ac:spMk id="30" creationId="{7E487F0D-8D19-48C3-B156-D9EA0A476772}"/>
+          </ac:spMkLst>
+        </pc:spChg>
+        <pc:spChg chg="add mod">
+          <ac:chgData name="Qiaomeng Qin" userId="328cb899-176e-43ad-bb77-b05867026c3b" providerId="ADAL" clId="{9B244931-A4C9-49A3-B2E0-DF895F953819}" dt="2022-04-18T16:00:31.863" v="304" actId="1076"/>
+          <ac:spMkLst>
+            <pc:docMk/>
+            <pc:sldMk cId="378448901" sldId="260"/>
+            <ac:spMk id="31" creationId="{2AD404DC-53C7-4CF3-A56F-75E67EF31C1E}"/>
+          </ac:spMkLst>
+        </pc:spChg>
+        <pc:picChg chg="del">
+          <ac:chgData name="Qiaomeng Qin" userId="328cb899-176e-43ad-bb77-b05867026c3b" providerId="ADAL" clId="{9B244931-A4C9-49A3-B2E0-DF895F953819}" dt="2022-04-18T15:56:44.944" v="215" actId="478"/>
+          <ac:picMkLst>
+            <pc:docMk/>
+            <pc:sldMk cId="378448901" sldId="260"/>
+            <ac:picMk id="3" creationId="{234392E9-1242-486E-B450-AD4678884D77}"/>
+          </ac:picMkLst>
+        </pc:picChg>
+        <pc:picChg chg="del">
+          <ac:chgData name="Qiaomeng Qin" userId="328cb899-176e-43ad-bb77-b05867026c3b" providerId="ADAL" clId="{9B244931-A4C9-49A3-B2E0-DF895F953819}" dt="2022-04-18T15:56:44.944" v="215" actId="478"/>
+          <ac:picMkLst>
+            <pc:docMk/>
+            <pc:sldMk cId="378448901" sldId="260"/>
+            <ac:picMk id="11" creationId="{2A8C0943-1F6F-4360-BE10-A3A8FEAA82D1}"/>
+          </ac:picMkLst>
+        </pc:picChg>
+        <pc:picChg chg="del">
+          <ac:chgData name="Qiaomeng Qin" userId="328cb899-176e-43ad-bb77-b05867026c3b" providerId="ADAL" clId="{9B244931-A4C9-49A3-B2E0-DF895F953819}" dt="2022-04-18T15:56:44.944" v="215" actId="478"/>
+          <ac:picMkLst>
+            <pc:docMk/>
+            <pc:sldMk cId="378448901" sldId="260"/>
+            <ac:picMk id="13" creationId="{5FA99A35-60E8-4580-9D95-4953C21589B4}"/>
+          </ac:picMkLst>
+        </pc:picChg>
+        <pc:cxnChg chg="add">
+          <ac:chgData name="Qiaomeng Qin" userId="328cb899-176e-43ad-bb77-b05867026c3b" providerId="ADAL" clId="{9B244931-A4C9-49A3-B2E0-DF895F953819}" dt="2022-04-18T15:56:54.285" v="216" actId="11529"/>
+          <ac:cxnSpMkLst>
+            <pc:docMk/>
+            <pc:sldMk cId="378448901" sldId="260"/>
+            <ac:cxnSpMk id="4" creationId="{AD165434-6416-4694-B879-BA8830E82EF0}"/>
+          </ac:cxnSpMkLst>
+        </pc:cxnChg>
+        <pc:cxnChg chg="add">
+          <ac:chgData name="Qiaomeng Qin" userId="328cb899-176e-43ad-bb77-b05867026c3b" providerId="ADAL" clId="{9B244931-A4C9-49A3-B2E0-DF895F953819}" dt="2022-04-18T15:57:03.567" v="217" actId="11529"/>
+          <ac:cxnSpMkLst>
+            <pc:docMk/>
+            <pc:sldMk cId="378448901" sldId="260"/>
+            <ac:cxnSpMk id="6" creationId="{8DB3A35E-0510-4AD9-A532-58C81751CC67}"/>
+          </ac:cxnSpMkLst>
+        </pc:cxnChg>
+        <pc:cxnChg chg="del">
+          <ac:chgData name="Qiaomeng Qin" userId="328cb899-176e-43ad-bb77-b05867026c3b" providerId="ADAL" clId="{9B244931-A4C9-49A3-B2E0-DF895F953819}" dt="2022-04-18T15:56:44.944" v="215" actId="478"/>
+          <ac:cxnSpMkLst>
+            <pc:docMk/>
+            <pc:sldMk cId="378448901" sldId="260"/>
+            <ac:cxnSpMk id="7" creationId="{64D635F3-7A13-4500-BD37-25E5BAFD6772}"/>
+          </ac:cxnSpMkLst>
+        </pc:cxnChg>
+        <pc:cxnChg chg="add del">
+          <ac:chgData name="Qiaomeng Qin" userId="328cb899-176e-43ad-bb77-b05867026c3b" providerId="ADAL" clId="{9B244931-A4C9-49A3-B2E0-DF895F953819}" dt="2022-04-18T15:57:20.395" v="219" actId="478"/>
+          <ac:cxnSpMkLst>
+            <pc:docMk/>
+            <pc:sldMk cId="378448901" sldId="260"/>
+            <ac:cxnSpMk id="9" creationId="{864FAD8C-4985-454F-B42C-05F07D728E9C}"/>
+          </ac:cxnSpMkLst>
+        </pc:cxnChg>
+        <pc:cxnChg chg="add del">
+          <ac:chgData name="Qiaomeng Qin" userId="328cb899-176e-43ad-bb77-b05867026c3b" providerId="ADAL" clId="{9B244931-A4C9-49A3-B2E0-DF895F953819}" dt="2022-04-18T15:57:32.106" v="221" actId="478"/>
+          <ac:cxnSpMkLst>
+            <pc:docMk/>
+            <pc:sldMk cId="378448901" sldId="260"/>
+            <ac:cxnSpMk id="12" creationId="{EE75342E-E404-4E21-8DA4-7A82820525BF}"/>
+          </ac:cxnSpMkLst>
+        </pc:cxnChg>
+        <pc:cxnChg chg="del">
+          <ac:chgData name="Qiaomeng Qin" userId="328cb899-176e-43ad-bb77-b05867026c3b" providerId="ADAL" clId="{9B244931-A4C9-49A3-B2E0-DF895F953819}" dt="2022-04-18T15:56:44.944" v="215" actId="478"/>
+          <ac:cxnSpMkLst>
+            <pc:docMk/>
+            <pc:sldMk cId="378448901" sldId="260"/>
+            <ac:cxnSpMk id="14" creationId="{154583D1-3A0C-44DF-9D99-9658F41AE149}"/>
+          </ac:cxnSpMkLst>
+        </pc:cxnChg>
+        <pc:cxnChg chg="del">
+          <ac:chgData name="Qiaomeng Qin" userId="328cb899-176e-43ad-bb77-b05867026c3b" providerId="ADAL" clId="{9B244931-A4C9-49A3-B2E0-DF895F953819}" dt="2022-04-18T15:56:44.944" v="215" actId="478"/>
+          <ac:cxnSpMkLst>
+            <pc:docMk/>
+            <pc:sldMk cId="378448901" sldId="260"/>
+            <ac:cxnSpMk id="15" creationId="{0E0CAAD4-ABAD-4554-B70E-44CA1A7A4CFF}"/>
+          </ac:cxnSpMkLst>
+        </pc:cxnChg>
+        <pc:cxnChg chg="del">
+          <ac:chgData name="Qiaomeng Qin" userId="328cb899-176e-43ad-bb77-b05867026c3b" providerId="ADAL" clId="{9B244931-A4C9-49A3-B2E0-DF895F953819}" dt="2022-04-18T15:56:44.944" v="215" actId="478"/>
+          <ac:cxnSpMkLst>
+            <pc:docMk/>
+            <pc:sldMk cId="378448901" sldId="260"/>
+            <ac:cxnSpMk id="18" creationId="{07345F28-68D1-43C8-BC13-852BF3F5443B}"/>
           </ac:cxnSpMkLst>
         </pc:cxnChg>
       </pc:sldChg>
@@ -801,7 +1209,7 @@
           <a:p>
             <a:fld id="{15C0F0F9-1500-4F85-90EA-D7F00D29E5E6}" type="datetimeFigureOut">
               <a:rPr lang="en-US" smtClean="0"/>
-              <a:t>4/2/2022</a:t>
+              <a:t>4/18/2022</a:t>
             </a:fld>
             <a:endParaRPr lang="en-US"/>
           </a:p>
@@ -999,7 +1407,7 @@
           <a:p>
             <a:fld id="{15C0F0F9-1500-4F85-90EA-D7F00D29E5E6}" type="datetimeFigureOut">
               <a:rPr lang="en-US" smtClean="0"/>
-              <a:t>4/2/2022</a:t>
+              <a:t>4/18/2022</a:t>
             </a:fld>
             <a:endParaRPr lang="en-US"/>
           </a:p>
@@ -1207,7 +1615,7 @@
           <a:p>
             <a:fld id="{15C0F0F9-1500-4F85-90EA-D7F00D29E5E6}" type="datetimeFigureOut">
               <a:rPr lang="en-US" smtClean="0"/>
-              <a:t>4/2/2022</a:t>
+              <a:t>4/18/2022</a:t>
             </a:fld>
             <a:endParaRPr lang="en-US"/>
           </a:p>
@@ -1405,7 +1813,7 @@
           <a:p>
             <a:fld id="{15C0F0F9-1500-4F85-90EA-D7F00D29E5E6}" type="datetimeFigureOut">
               <a:rPr lang="en-US" smtClean="0"/>
-              <a:t>4/2/2022</a:t>
+              <a:t>4/18/2022</a:t>
             </a:fld>
             <a:endParaRPr lang="en-US"/>
           </a:p>
@@ -1680,7 +2088,7 @@
           <a:p>
             <a:fld id="{15C0F0F9-1500-4F85-90EA-D7F00D29E5E6}" type="datetimeFigureOut">
               <a:rPr lang="en-US" smtClean="0"/>
-              <a:t>4/2/2022</a:t>
+              <a:t>4/18/2022</a:t>
             </a:fld>
             <a:endParaRPr lang="en-US"/>
           </a:p>
@@ -1945,7 +2353,7 @@
           <a:p>
             <a:fld id="{15C0F0F9-1500-4F85-90EA-D7F00D29E5E6}" type="datetimeFigureOut">
               <a:rPr lang="en-US" smtClean="0"/>
-              <a:t>4/2/2022</a:t>
+              <a:t>4/18/2022</a:t>
             </a:fld>
             <a:endParaRPr lang="en-US"/>
           </a:p>
@@ -2357,7 +2765,7 @@
           <a:p>
             <a:fld id="{15C0F0F9-1500-4F85-90EA-D7F00D29E5E6}" type="datetimeFigureOut">
               <a:rPr lang="en-US" smtClean="0"/>
-              <a:t>4/2/2022</a:t>
+              <a:t>4/18/2022</a:t>
             </a:fld>
             <a:endParaRPr lang="en-US"/>
           </a:p>
@@ -2498,7 +2906,7 @@
           <a:p>
             <a:fld id="{15C0F0F9-1500-4F85-90EA-D7F00D29E5E6}" type="datetimeFigureOut">
               <a:rPr lang="en-US" smtClean="0"/>
-              <a:t>4/2/2022</a:t>
+              <a:t>4/18/2022</a:t>
             </a:fld>
             <a:endParaRPr lang="en-US"/>
           </a:p>
@@ -2611,7 +3019,7 @@
           <a:p>
             <a:fld id="{15C0F0F9-1500-4F85-90EA-D7F00D29E5E6}" type="datetimeFigureOut">
               <a:rPr lang="en-US" smtClean="0"/>
-              <a:t>4/2/2022</a:t>
+              <a:t>4/18/2022</a:t>
             </a:fld>
             <a:endParaRPr lang="en-US"/>
           </a:p>
@@ -2922,7 +3330,7 @@
           <a:p>
             <a:fld id="{15C0F0F9-1500-4F85-90EA-D7F00D29E5E6}" type="datetimeFigureOut">
               <a:rPr lang="en-US" smtClean="0"/>
-              <a:t>4/2/2022</a:t>
+              <a:t>4/18/2022</a:t>
             </a:fld>
             <a:endParaRPr lang="en-US"/>
           </a:p>
@@ -3210,7 +3618,7 @@
           <a:p>
             <a:fld id="{15C0F0F9-1500-4F85-90EA-D7F00D29E5E6}" type="datetimeFigureOut">
               <a:rPr lang="en-US" smtClean="0"/>
-              <a:t>4/2/2022</a:t>
+              <a:t>4/18/2022</a:t>
             </a:fld>
             <a:endParaRPr lang="en-US"/>
           </a:p>
@@ -3451,7 +3859,7 @@
           <a:p>
             <a:fld id="{15C0F0F9-1500-4F85-90EA-D7F00D29E5E6}" type="datetimeFigureOut">
               <a:rPr lang="en-US" smtClean="0"/>
-              <a:t>4/2/2022</a:t>
+              <a:t>4/18/2022</a:t>
             </a:fld>
             <a:endParaRPr lang="en-US"/>
           </a:p>
@@ -6644,6 +7052,1157 @@
 </p:sld>
 </file>
 
+<file path=ppt/slides/slide3.xml><?xml version="1.0" encoding="utf-8"?>
+<p:sld xmlns:a="http://schemas.openxmlformats.org/drawingml/2006/main" xmlns:r="http://schemas.openxmlformats.org/officeDocument/2006/relationships" xmlns:p="http://schemas.openxmlformats.org/presentationml/2006/main">
+  <p:cSld>
+    <p:spTree>
+      <p:nvGrpSpPr>
+        <p:cNvPr id="1" name=""/>
+        <p:cNvGrpSpPr/>
+        <p:nvPr/>
+      </p:nvGrpSpPr>
+      <p:grpSpPr>
+        <a:xfrm>
+          <a:off x="0" y="0"/>
+          <a:ext cx="0" cy="0"/>
+          <a:chOff x="0" y="0"/>
+          <a:chExt cx="0" cy="0"/>
+        </a:xfrm>
+      </p:grpSpPr>
+      <p:pic>
+        <p:nvPicPr>
+          <p:cNvPr id="11" name="Picture 10" descr="A picture containing music&#10;&#10;Description automatically generated">
+            <a:extLst>
+              <a:ext uri="{FF2B5EF4-FFF2-40B4-BE49-F238E27FC236}">
+                <a16:creationId xmlns:a16="http://schemas.microsoft.com/office/drawing/2014/main" id="{2A8C0943-1F6F-4360-BE10-A3A8FEAA82D1}"/>
+              </a:ext>
+            </a:extLst>
+          </p:cNvPr>
+          <p:cNvPicPr>
+            <a:picLocks noChangeAspect="1"/>
+          </p:cNvPicPr>
+          <p:nvPr/>
+        </p:nvPicPr>
+        <p:blipFill>
+          <a:blip r:embed="rId2">
+            <a:extLst>
+              <a:ext uri="{28A0092B-C50C-407E-A947-70E740481C1C}">
+                <a14:useLocalDpi xmlns:a14="http://schemas.microsoft.com/office/drawing/2010/main" val="0"/>
+              </a:ext>
+            </a:extLst>
+          </a:blip>
+          <a:stretch>
+            <a:fillRect/>
+          </a:stretch>
+        </p:blipFill>
+        <p:spPr>
+          <a:xfrm>
+            <a:off x="5588063" y="2681655"/>
+            <a:ext cx="1015873" cy="1066667"/>
+          </a:xfrm>
+          <a:prstGeom prst="rect">
+            <a:avLst/>
+          </a:prstGeom>
+        </p:spPr>
+      </p:pic>
+      <p:pic>
+        <p:nvPicPr>
+          <p:cNvPr id="13" name="Picture 12" descr="Icon&#10;&#10;Description automatically generated">
+            <a:extLst>
+              <a:ext uri="{FF2B5EF4-FFF2-40B4-BE49-F238E27FC236}">
+                <a16:creationId xmlns:a16="http://schemas.microsoft.com/office/drawing/2014/main" id="{5FA99A35-60E8-4580-9D95-4953C21589B4}"/>
+              </a:ext>
+            </a:extLst>
+          </p:cNvPr>
+          <p:cNvPicPr>
+            <a:picLocks noChangeAspect="1"/>
+          </p:cNvPicPr>
+          <p:nvPr/>
+        </p:nvPicPr>
+        <p:blipFill>
+          <a:blip r:embed="rId3">
+            <a:extLst>
+              <a:ext uri="{28A0092B-C50C-407E-A947-70E740481C1C}">
+                <a14:useLocalDpi xmlns:a14="http://schemas.microsoft.com/office/drawing/2010/main" val="0"/>
+              </a:ext>
+            </a:extLst>
+          </a:blip>
+          <a:stretch>
+            <a:fillRect/>
+          </a:stretch>
+        </p:blipFill>
+        <p:spPr>
+          <a:xfrm rot="5400000">
+            <a:off x="2081852" y="2034038"/>
+            <a:ext cx="2133333" cy="2361905"/>
+          </a:xfrm>
+          <a:prstGeom prst="rect">
+            <a:avLst/>
+          </a:prstGeom>
+        </p:spPr>
+      </p:pic>
+      <p:sp>
+        <p:nvSpPr>
+          <p:cNvPr id="26" name="TextBox 25">
+            <a:extLst>
+              <a:ext uri="{FF2B5EF4-FFF2-40B4-BE49-F238E27FC236}">
+                <a16:creationId xmlns:a16="http://schemas.microsoft.com/office/drawing/2014/main" id="{D00019D4-773A-4761-96FB-F63CF0621765}"/>
+              </a:ext>
+            </a:extLst>
+          </p:cNvPr>
+          <p:cNvSpPr txBox="1"/>
+          <p:nvPr/>
+        </p:nvSpPr>
+        <p:spPr>
+          <a:xfrm>
+            <a:off x="2421654" y="2195183"/>
+            <a:ext cx="1931658" cy="369332"/>
+          </a:xfrm>
+          <a:prstGeom prst="rect">
+            <a:avLst/>
+          </a:prstGeom>
+          <a:noFill/>
+        </p:spPr>
+        <p:txBody>
+          <a:bodyPr wrap="square" rtlCol="0">
+            <a:spAutoFit/>
+          </a:bodyPr>
+          <a:lstStyle/>
+          <a:p>
+            <a:r>
+              <a:rPr lang="en-US" dirty="0"/>
+              <a:t>Enemy Robot</a:t>
+            </a:r>
+          </a:p>
+        </p:txBody>
+      </p:sp>
+      <p:sp>
+        <p:nvSpPr>
+          <p:cNvPr id="27" name="TextBox 26">
+            <a:extLst>
+              <a:ext uri="{FF2B5EF4-FFF2-40B4-BE49-F238E27FC236}">
+                <a16:creationId xmlns:a16="http://schemas.microsoft.com/office/drawing/2014/main" id="{BAC599D7-883F-4155-8E82-3092131FFD50}"/>
+              </a:ext>
+            </a:extLst>
+          </p:cNvPr>
+          <p:cNvSpPr txBox="1"/>
+          <p:nvPr/>
+        </p:nvSpPr>
+        <p:spPr>
+          <a:xfrm>
+            <a:off x="8496300" y="2312771"/>
+            <a:ext cx="2361904" cy="369332"/>
+          </a:xfrm>
+          <a:prstGeom prst="rect">
+            <a:avLst/>
+          </a:prstGeom>
+          <a:noFill/>
+        </p:spPr>
+        <p:txBody>
+          <a:bodyPr wrap="square" rtlCol="0">
+            <a:spAutoFit/>
+          </a:bodyPr>
+          <a:lstStyle/>
+          <a:p>
+            <a:r>
+              <a:rPr lang="en-US" dirty="0"/>
+              <a:t>Self Robot</a:t>
+            </a:r>
+          </a:p>
+        </p:txBody>
+      </p:sp>
+      <p:pic>
+        <p:nvPicPr>
+          <p:cNvPr id="3" name="Picture 2" descr="Icon&#10;&#10;Description automatically generated">
+            <a:extLst>
+              <a:ext uri="{FF2B5EF4-FFF2-40B4-BE49-F238E27FC236}">
+                <a16:creationId xmlns:a16="http://schemas.microsoft.com/office/drawing/2014/main" id="{234392E9-1242-486E-B450-AD4678884D77}"/>
+              </a:ext>
+            </a:extLst>
+          </p:cNvPr>
+          <p:cNvPicPr>
+            <a:picLocks noChangeAspect="1"/>
+          </p:cNvPicPr>
+          <p:nvPr/>
+        </p:nvPicPr>
+        <p:blipFill>
+          <a:blip r:embed="rId4">
+            <a:extLst>
+              <a:ext uri="{28A0092B-C50C-407E-A947-70E740481C1C}">
+                <a14:useLocalDpi xmlns:a14="http://schemas.microsoft.com/office/drawing/2010/main" val="0"/>
+              </a:ext>
+            </a:extLst>
+          </a:blip>
+          <a:stretch>
+            <a:fillRect/>
+          </a:stretch>
+        </p:blipFill>
+        <p:spPr>
+          <a:xfrm>
+            <a:off x="8041770" y="2564515"/>
+            <a:ext cx="2011213" cy="2011213"/>
+          </a:xfrm>
+          <a:prstGeom prst="rect">
+            <a:avLst/>
+          </a:prstGeom>
+        </p:spPr>
+      </p:pic>
+      <p:cxnSp>
+        <p:nvCxnSpPr>
+          <p:cNvPr id="8" name="Straight Arrow Connector 7">
+            <a:extLst>
+              <a:ext uri="{FF2B5EF4-FFF2-40B4-BE49-F238E27FC236}">
+                <a16:creationId xmlns:a16="http://schemas.microsoft.com/office/drawing/2014/main" id="{F5C6A179-5D48-405A-ABAA-8293FA36DC90}"/>
+              </a:ext>
+            </a:extLst>
+          </p:cNvPr>
+          <p:cNvCxnSpPr/>
+          <p:nvPr/>
+        </p:nvCxnSpPr>
+        <p:spPr>
+          <a:xfrm flipV="1">
+            <a:off x="4019550" y="3124200"/>
+            <a:ext cx="4476750" cy="90788"/>
+          </a:xfrm>
+          <a:prstGeom prst="straightConnector1">
+            <a:avLst/>
+          </a:prstGeom>
+          <a:ln>
+            <a:tailEnd type="triangle"/>
+          </a:ln>
+        </p:spPr>
+        <p:style>
+          <a:lnRef idx="1">
+            <a:schemeClr val="accent1"/>
+          </a:lnRef>
+          <a:fillRef idx="0">
+            <a:schemeClr val="accent1"/>
+          </a:fillRef>
+          <a:effectRef idx="0">
+            <a:schemeClr val="accent1"/>
+          </a:effectRef>
+          <a:fontRef idx="minor">
+            <a:schemeClr val="tx1"/>
+          </a:fontRef>
+        </p:style>
+      </p:cxnSp>
+    </p:spTree>
+    <p:extLst>
+      <p:ext uri="{BB962C8B-B14F-4D97-AF65-F5344CB8AC3E}">
+        <p14:creationId xmlns:p14="http://schemas.microsoft.com/office/powerpoint/2010/main" val="3492567423"/>
+      </p:ext>
+    </p:extLst>
+  </p:cSld>
+  <p:clrMapOvr>
+    <a:masterClrMapping/>
+  </p:clrMapOvr>
+</p:sld>
+</file>
+
+<file path=ppt/slides/slide4.xml><?xml version="1.0" encoding="utf-8"?>
+<p:sld xmlns:a="http://schemas.openxmlformats.org/drawingml/2006/main" xmlns:r="http://schemas.openxmlformats.org/officeDocument/2006/relationships" xmlns:p="http://schemas.openxmlformats.org/presentationml/2006/main">
+  <p:cSld>
+    <p:spTree>
+      <p:nvGrpSpPr>
+        <p:cNvPr id="1" name=""/>
+        <p:cNvGrpSpPr/>
+        <p:nvPr/>
+      </p:nvGrpSpPr>
+      <p:grpSpPr>
+        <a:xfrm>
+          <a:off x="0" y="0"/>
+          <a:ext cx="0" cy="0"/>
+          <a:chOff x="0" y="0"/>
+          <a:chExt cx="0" cy="0"/>
+        </a:xfrm>
+      </p:grpSpPr>
+      <p:pic>
+        <p:nvPicPr>
+          <p:cNvPr id="11" name="Picture 10" descr="A picture containing music&#10;&#10;Description automatically generated">
+            <a:extLst>
+              <a:ext uri="{FF2B5EF4-FFF2-40B4-BE49-F238E27FC236}">
+                <a16:creationId xmlns:a16="http://schemas.microsoft.com/office/drawing/2014/main" id="{2A8C0943-1F6F-4360-BE10-A3A8FEAA82D1}"/>
+              </a:ext>
+            </a:extLst>
+          </p:cNvPr>
+          <p:cNvPicPr>
+            <a:picLocks noChangeAspect="1"/>
+          </p:cNvPicPr>
+          <p:nvPr/>
+        </p:nvPicPr>
+        <p:blipFill>
+          <a:blip r:embed="rId2">
+            <a:extLst>
+              <a:ext uri="{28A0092B-C50C-407E-A947-70E740481C1C}">
+                <a14:useLocalDpi xmlns:a14="http://schemas.microsoft.com/office/drawing/2010/main" val="0"/>
+              </a:ext>
+            </a:extLst>
+          </a:blip>
+          <a:stretch>
+            <a:fillRect/>
+          </a:stretch>
+        </p:blipFill>
+        <p:spPr>
+          <a:xfrm>
+            <a:off x="5588063" y="2681655"/>
+            <a:ext cx="1015873" cy="1066667"/>
+          </a:xfrm>
+          <a:prstGeom prst="rect">
+            <a:avLst/>
+          </a:prstGeom>
+        </p:spPr>
+      </p:pic>
+      <p:pic>
+        <p:nvPicPr>
+          <p:cNvPr id="13" name="Picture 12" descr="Icon&#10;&#10;Description automatically generated">
+            <a:extLst>
+              <a:ext uri="{FF2B5EF4-FFF2-40B4-BE49-F238E27FC236}">
+                <a16:creationId xmlns:a16="http://schemas.microsoft.com/office/drawing/2014/main" id="{5FA99A35-60E8-4580-9D95-4953C21589B4}"/>
+              </a:ext>
+            </a:extLst>
+          </p:cNvPr>
+          <p:cNvPicPr>
+            <a:picLocks noChangeAspect="1"/>
+          </p:cNvPicPr>
+          <p:nvPr/>
+        </p:nvPicPr>
+        <p:blipFill>
+          <a:blip r:embed="rId3">
+            <a:extLst>
+              <a:ext uri="{28A0092B-C50C-407E-A947-70E740481C1C}">
+                <a14:useLocalDpi xmlns:a14="http://schemas.microsoft.com/office/drawing/2010/main" val="0"/>
+              </a:ext>
+            </a:extLst>
+          </a:blip>
+          <a:stretch>
+            <a:fillRect/>
+          </a:stretch>
+        </p:blipFill>
+        <p:spPr>
+          <a:xfrm rot="5400000">
+            <a:off x="2081852" y="2034038"/>
+            <a:ext cx="2133333" cy="2361905"/>
+          </a:xfrm>
+          <a:prstGeom prst="rect">
+            <a:avLst/>
+          </a:prstGeom>
+        </p:spPr>
+      </p:pic>
+      <p:sp>
+        <p:nvSpPr>
+          <p:cNvPr id="26" name="TextBox 25">
+            <a:extLst>
+              <a:ext uri="{FF2B5EF4-FFF2-40B4-BE49-F238E27FC236}">
+                <a16:creationId xmlns:a16="http://schemas.microsoft.com/office/drawing/2014/main" id="{D00019D4-773A-4761-96FB-F63CF0621765}"/>
+              </a:ext>
+            </a:extLst>
+          </p:cNvPr>
+          <p:cNvSpPr txBox="1"/>
+          <p:nvPr/>
+        </p:nvSpPr>
+        <p:spPr>
+          <a:xfrm>
+            <a:off x="1967566" y="2443083"/>
+            <a:ext cx="1931658" cy="369332"/>
+          </a:xfrm>
+          <a:prstGeom prst="rect">
+            <a:avLst/>
+          </a:prstGeom>
+          <a:noFill/>
+        </p:spPr>
+        <p:txBody>
+          <a:bodyPr wrap="square" rtlCol="0">
+            <a:spAutoFit/>
+          </a:bodyPr>
+          <a:lstStyle/>
+          <a:p>
+            <a:r>
+              <a:rPr lang="en-US" dirty="0"/>
+              <a:t>Self Robot</a:t>
+            </a:r>
+          </a:p>
+        </p:txBody>
+      </p:sp>
+      <p:sp>
+        <p:nvSpPr>
+          <p:cNvPr id="27" name="TextBox 26">
+            <a:extLst>
+              <a:ext uri="{FF2B5EF4-FFF2-40B4-BE49-F238E27FC236}">
+                <a16:creationId xmlns:a16="http://schemas.microsoft.com/office/drawing/2014/main" id="{BAC599D7-883F-4155-8E82-3092131FFD50}"/>
+              </a:ext>
+            </a:extLst>
+          </p:cNvPr>
+          <p:cNvSpPr txBox="1"/>
+          <p:nvPr/>
+        </p:nvSpPr>
+        <p:spPr>
+          <a:xfrm>
+            <a:off x="8496300" y="2312771"/>
+            <a:ext cx="2361904" cy="369332"/>
+          </a:xfrm>
+          <a:prstGeom prst="rect">
+            <a:avLst/>
+          </a:prstGeom>
+          <a:noFill/>
+        </p:spPr>
+        <p:txBody>
+          <a:bodyPr wrap="square" rtlCol="0">
+            <a:spAutoFit/>
+          </a:bodyPr>
+          <a:lstStyle/>
+          <a:p>
+            <a:r>
+              <a:rPr lang="en-US" dirty="0"/>
+              <a:t>Enemy Robot</a:t>
+            </a:r>
+          </a:p>
+        </p:txBody>
+      </p:sp>
+      <p:pic>
+        <p:nvPicPr>
+          <p:cNvPr id="3" name="Picture 2" descr="Icon&#10;&#10;Description automatically generated">
+            <a:extLst>
+              <a:ext uri="{FF2B5EF4-FFF2-40B4-BE49-F238E27FC236}">
+                <a16:creationId xmlns:a16="http://schemas.microsoft.com/office/drawing/2014/main" id="{234392E9-1242-486E-B450-AD4678884D77}"/>
+              </a:ext>
+            </a:extLst>
+          </p:cNvPr>
+          <p:cNvPicPr>
+            <a:picLocks noChangeAspect="1"/>
+          </p:cNvPicPr>
+          <p:nvPr/>
+        </p:nvPicPr>
+        <p:blipFill>
+          <a:blip r:embed="rId4">
+            <a:extLst>
+              <a:ext uri="{28A0092B-C50C-407E-A947-70E740481C1C}">
+                <a14:useLocalDpi xmlns:a14="http://schemas.microsoft.com/office/drawing/2010/main" val="0"/>
+              </a:ext>
+            </a:extLst>
+          </a:blip>
+          <a:stretch>
+            <a:fillRect/>
+          </a:stretch>
+        </p:blipFill>
+        <p:spPr>
+          <a:xfrm>
+            <a:off x="8041770" y="2564515"/>
+            <a:ext cx="2011213" cy="2011213"/>
+          </a:xfrm>
+          <a:prstGeom prst="rect">
+            <a:avLst/>
+          </a:prstGeom>
+        </p:spPr>
+      </p:pic>
+      <p:cxnSp>
+        <p:nvCxnSpPr>
+          <p:cNvPr id="7" name="Straight Arrow Connector 6">
+            <a:extLst>
+              <a:ext uri="{FF2B5EF4-FFF2-40B4-BE49-F238E27FC236}">
+                <a16:creationId xmlns:a16="http://schemas.microsoft.com/office/drawing/2014/main" id="{64D635F3-7A13-4500-BD37-25E5BAFD6772}"/>
+              </a:ext>
+            </a:extLst>
+          </p:cNvPr>
+          <p:cNvCxnSpPr/>
+          <p:nvPr/>
+        </p:nvCxnSpPr>
+        <p:spPr>
+          <a:xfrm>
+            <a:off x="3790950" y="2312771"/>
+            <a:ext cx="4800600" cy="678079"/>
+          </a:xfrm>
+          <a:prstGeom prst="straightConnector1">
+            <a:avLst/>
+          </a:prstGeom>
+          <a:ln>
+            <a:tailEnd type="triangle"/>
+          </a:ln>
+        </p:spPr>
+        <p:style>
+          <a:lnRef idx="2">
+            <a:schemeClr val="accent2"/>
+          </a:lnRef>
+          <a:fillRef idx="0">
+            <a:schemeClr val="accent2"/>
+          </a:fillRef>
+          <a:effectRef idx="1">
+            <a:schemeClr val="accent2"/>
+          </a:effectRef>
+          <a:fontRef idx="minor">
+            <a:schemeClr val="tx1"/>
+          </a:fontRef>
+        </p:style>
+      </p:cxnSp>
+      <p:cxnSp>
+        <p:nvCxnSpPr>
+          <p:cNvPr id="14" name="Straight Arrow Connector 13">
+            <a:extLst>
+              <a:ext uri="{FF2B5EF4-FFF2-40B4-BE49-F238E27FC236}">
+                <a16:creationId xmlns:a16="http://schemas.microsoft.com/office/drawing/2014/main" id="{154583D1-3A0C-44DF-9D99-9658F41AE149}"/>
+              </a:ext>
+            </a:extLst>
+          </p:cNvPr>
+          <p:cNvCxnSpPr>
+            <a:cxnSpLocks/>
+          </p:cNvCxnSpPr>
+          <p:nvPr/>
+        </p:nvCxnSpPr>
+        <p:spPr>
+          <a:xfrm>
+            <a:off x="3797241" y="2003576"/>
+            <a:ext cx="4794309" cy="930271"/>
+          </a:xfrm>
+          <a:prstGeom prst="straightConnector1">
+            <a:avLst/>
+          </a:prstGeom>
+          <a:ln>
+            <a:tailEnd type="triangle"/>
+          </a:ln>
+        </p:spPr>
+        <p:style>
+          <a:lnRef idx="1">
+            <a:schemeClr val="accent1"/>
+          </a:lnRef>
+          <a:fillRef idx="0">
+            <a:schemeClr val="accent1"/>
+          </a:fillRef>
+          <a:effectRef idx="0">
+            <a:schemeClr val="accent1"/>
+          </a:effectRef>
+          <a:fontRef idx="minor">
+            <a:schemeClr val="tx1"/>
+          </a:fontRef>
+        </p:style>
+      </p:cxnSp>
+      <p:cxnSp>
+        <p:nvCxnSpPr>
+          <p:cNvPr id="15" name="Straight Arrow Connector 14">
+            <a:extLst>
+              <a:ext uri="{FF2B5EF4-FFF2-40B4-BE49-F238E27FC236}">
+                <a16:creationId xmlns:a16="http://schemas.microsoft.com/office/drawing/2014/main" id="{0E0CAAD4-ABAD-4554-B70E-44CA1A7A4CFF}"/>
+              </a:ext>
+            </a:extLst>
+          </p:cNvPr>
+          <p:cNvCxnSpPr>
+            <a:cxnSpLocks/>
+          </p:cNvCxnSpPr>
+          <p:nvPr/>
+        </p:nvCxnSpPr>
+        <p:spPr>
+          <a:xfrm flipV="1">
+            <a:off x="3876675" y="3125454"/>
+            <a:ext cx="4714875" cy="1214680"/>
+          </a:xfrm>
+          <a:prstGeom prst="straightConnector1">
+            <a:avLst/>
+          </a:prstGeom>
+          <a:ln>
+            <a:tailEnd type="triangle"/>
+          </a:ln>
+        </p:spPr>
+        <p:style>
+          <a:lnRef idx="1">
+            <a:schemeClr val="accent1"/>
+          </a:lnRef>
+          <a:fillRef idx="0">
+            <a:schemeClr val="accent1"/>
+          </a:fillRef>
+          <a:effectRef idx="0">
+            <a:schemeClr val="accent1"/>
+          </a:effectRef>
+          <a:fontRef idx="minor">
+            <a:schemeClr val="tx1"/>
+          </a:fontRef>
+        </p:style>
+      </p:cxnSp>
+      <p:cxnSp>
+        <p:nvCxnSpPr>
+          <p:cNvPr id="18" name="Straight Arrow Connector 17">
+            <a:extLst>
+              <a:ext uri="{FF2B5EF4-FFF2-40B4-BE49-F238E27FC236}">
+                <a16:creationId xmlns:a16="http://schemas.microsoft.com/office/drawing/2014/main" id="{07345F28-68D1-43C8-BC13-852BF3F5443B}"/>
+              </a:ext>
+            </a:extLst>
+          </p:cNvPr>
+          <p:cNvCxnSpPr>
+            <a:cxnSpLocks/>
+          </p:cNvCxnSpPr>
+          <p:nvPr/>
+        </p:nvCxnSpPr>
+        <p:spPr>
+          <a:xfrm flipV="1">
+            <a:off x="3828183" y="3214988"/>
+            <a:ext cx="4763367" cy="1509558"/>
+          </a:xfrm>
+          <a:prstGeom prst="straightConnector1">
+            <a:avLst/>
+          </a:prstGeom>
+          <a:ln>
+            <a:tailEnd type="triangle"/>
+          </a:ln>
+        </p:spPr>
+        <p:style>
+          <a:lnRef idx="1">
+            <a:schemeClr val="accent1"/>
+          </a:lnRef>
+          <a:fillRef idx="0">
+            <a:schemeClr val="accent1"/>
+          </a:fillRef>
+          <a:effectRef idx="0">
+            <a:schemeClr val="accent1"/>
+          </a:effectRef>
+          <a:fontRef idx="minor">
+            <a:schemeClr val="tx1"/>
+          </a:fontRef>
+        </p:style>
+      </p:cxnSp>
+      <p:sp>
+        <p:nvSpPr>
+          <p:cNvPr id="17" name="Arrow: Right 16">
+            <a:extLst>
+              <a:ext uri="{FF2B5EF4-FFF2-40B4-BE49-F238E27FC236}">
+                <a16:creationId xmlns:a16="http://schemas.microsoft.com/office/drawing/2014/main" id="{05D80FA1-040D-4B17-96DB-4ACF0D65A3C9}"/>
+              </a:ext>
+            </a:extLst>
+          </p:cNvPr>
+          <p:cNvSpPr/>
+          <p:nvPr/>
+        </p:nvSpPr>
+        <p:spPr>
+          <a:xfrm rot="634674">
+            <a:off x="3162919" y="2057095"/>
+            <a:ext cx="600075" cy="394397"/>
+          </a:xfrm>
+          <a:prstGeom prst="rightArrow">
+            <a:avLst/>
+          </a:prstGeom>
+        </p:spPr>
+        <p:style>
+          <a:lnRef idx="2">
+            <a:schemeClr val="accent1">
+              <a:shade val="50000"/>
+            </a:schemeClr>
+          </a:lnRef>
+          <a:fillRef idx="1">
+            <a:schemeClr val="accent1"/>
+          </a:fillRef>
+          <a:effectRef idx="0">
+            <a:schemeClr val="accent1"/>
+          </a:effectRef>
+          <a:fontRef idx="minor">
+            <a:schemeClr val="lt1"/>
+          </a:fontRef>
+        </p:style>
+        <p:txBody>
+          <a:bodyPr rtlCol="0" anchor="ctr"/>
+          <a:lstStyle/>
+          <a:p>
+            <a:pPr algn="ctr"/>
+            <a:endParaRPr lang="en-US"/>
+          </a:p>
+        </p:txBody>
+      </p:sp>
+      <p:sp>
+        <p:nvSpPr>
+          <p:cNvPr id="21" name="TextBox 20">
+            <a:extLst>
+              <a:ext uri="{FF2B5EF4-FFF2-40B4-BE49-F238E27FC236}">
+                <a16:creationId xmlns:a16="http://schemas.microsoft.com/office/drawing/2014/main" id="{BF497885-701E-494C-B476-BF30C29D9931}"/>
+              </a:ext>
+            </a:extLst>
+          </p:cNvPr>
+          <p:cNvSpPr txBox="1"/>
+          <p:nvPr/>
+        </p:nvSpPr>
+        <p:spPr>
+          <a:xfrm>
+            <a:off x="1573225" y="1866371"/>
+            <a:ext cx="1931658" cy="369332"/>
+          </a:xfrm>
+          <a:prstGeom prst="rect">
+            <a:avLst/>
+          </a:prstGeom>
+          <a:noFill/>
+        </p:spPr>
+        <p:txBody>
+          <a:bodyPr wrap="square" rtlCol="0">
+            <a:spAutoFit/>
+          </a:bodyPr>
+          <a:lstStyle/>
+          <a:p>
+            <a:r>
+              <a:rPr lang="en-US" dirty="0"/>
+              <a:t>Nearest Position</a:t>
+            </a:r>
+          </a:p>
+        </p:txBody>
+      </p:sp>
+    </p:spTree>
+    <p:extLst>
+      <p:ext uri="{BB962C8B-B14F-4D97-AF65-F5344CB8AC3E}">
+        <p14:creationId xmlns:p14="http://schemas.microsoft.com/office/powerpoint/2010/main" val="3424340066"/>
+      </p:ext>
+    </p:extLst>
+  </p:cSld>
+  <p:clrMapOvr>
+    <a:masterClrMapping/>
+  </p:clrMapOvr>
+</p:sld>
+</file>
+
+<file path=ppt/slides/slide5.xml><?xml version="1.0" encoding="utf-8"?>
+<p:sld xmlns:a="http://schemas.openxmlformats.org/drawingml/2006/main" xmlns:r="http://schemas.openxmlformats.org/officeDocument/2006/relationships" xmlns:p="http://schemas.openxmlformats.org/presentationml/2006/main">
+  <p:cSld>
+    <p:spTree>
+      <p:nvGrpSpPr>
+        <p:cNvPr id="1" name=""/>
+        <p:cNvGrpSpPr/>
+        <p:nvPr/>
+      </p:nvGrpSpPr>
+      <p:grpSpPr>
+        <a:xfrm>
+          <a:off x="0" y="0"/>
+          <a:ext cx="0" cy="0"/>
+          <a:chOff x="0" y="0"/>
+          <a:chExt cx="0" cy="0"/>
+        </a:xfrm>
+      </p:grpSpPr>
+      <p:cxnSp>
+        <p:nvCxnSpPr>
+          <p:cNvPr id="4" name="Straight Arrow Connector 3">
+            <a:extLst>
+              <a:ext uri="{FF2B5EF4-FFF2-40B4-BE49-F238E27FC236}">
+                <a16:creationId xmlns:a16="http://schemas.microsoft.com/office/drawing/2014/main" id="{AD165434-6416-4694-B879-BA8830E82EF0}"/>
+              </a:ext>
+            </a:extLst>
+          </p:cNvPr>
+          <p:cNvCxnSpPr/>
+          <p:nvPr/>
+        </p:nvCxnSpPr>
+        <p:spPr>
+          <a:xfrm>
+            <a:off x="4629150" y="3257550"/>
+            <a:ext cx="3686175" cy="0"/>
+          </a:xfrm>
+          <a:prstGeom prst="straightConnector1">
+            <a:avLst/>
+          </a:prstGeom>
+          <a:ln>
+            <a:tailEnd type="triangle"/>
+          </a:ln>
+        </p:spPr>
+        <p:style>
+          <a:lnRef idx="1">
+            <a:schemeClr val="accent1"/>
+          </a:lnRef>
+          <a:fillRef idx="0">
+            <a:schemeClr val="accent1"/>
+          </a:fillRef>
+          <a:effectRef idx="0">
+            <a:schemeClr val="accent1"/>
+          </a:effectRef>
+          <a:fontRef idx="minor">
+            <a:schemeClr val="tx1"/>
+          </a:fontRef>
+        </p:style>
+      </p:cxnSp>
+      <p:cxnSp>
+        <p:nvCxnSpPr>
+          <p:cNvPr id="6" name="Straight Arrow Connector 5">
+            <a:extLst>
+              <a:ext uri="{FF2B5EF4-FFF2-40B4-BE49-F238E27FC236}">
+                <a16:creationId xmlns:a16="http://schemas.microsoft.com/office/drawing/2014/main" id="{8DB3A35E-0510-4AD9-A532-58C81751CC67}"/>
+              </a:ext>
+            </a:extLst>
+          </p:cNvPr>
+          <p:cNvCxnSpPr/>
+          <p:nvPr/>
+        </p:nvCxnSpPr>
+        <p:spPr>
+          <a:xfrm flipV="1">
+            <a:off x="6372225" y="1381125"/>
+            <a:ext cx="0" cy="3305175"/>
+          </a:xfrm>
+          <a:prstGeom prst="straightConnector1">
+            <a:avLst/>
+          </a:prstGeom>
+          <a:ln>
+            <a:tailEnd type="triangle"/>
+          </a:ln>
+        </p:spPr>
+        <p:style>
+          <a:lnRef idx="1">
+            <a:schemeClr val="accent1"/>
+          </a:lnRef>
+          <a:fillRef idx="0">
+            <a:schemeClr val="accent1"/>
+          </a:fillRef>
+          <a:effectRef idx="0">
+            <a:schemeClr val="accent1"/>
+          </a:effectRef>
+          <a:fontRef idx="minor">
+            <a:schemeClr val="tx1"/>
+          </a:fontRef>
+        </p:style>
+      </p:cxnSp>
+      <p:sp>
+        <p:nvSpPr>
+          <p:cNvPr id="16" name="Arrow: Curved Right 15">
+            <a:extLst>
+              <a:ext uri="{FF2B5EF4-FFF2-40B4-BE49-F238E27FC236}">
+                <a16:creationId xmlns:a16="http://schemas.microsoft.com/office/drawing/2014/main" id="{4A17EEA6-BF04-4DFA-B385-E5681DC28472}"/>
+              </a:ext>
+            </a:extLst>
+          </p:cNvPr>
+          <p:cNvSpPr/>
+          <p:nvPr/>
+        </p:nvSpPr>
+        <p:spPr>
+          <a:xfrm rot="5400000">
+            <a:off x="5865018" y="1754984"/>
+            <a:ext cx="871538" cy="1876419"/>
+          </a:xfrm>
+          <a:prstGeom prst="curvedRightArrow">
+            <a:avLst/>
+          </a:prstGeom>
+        </p:spPr>
+        <p:style>
+          <a:lnRef idx="2">
+            <a:schemeClr val="accent1">
+              <a:shade val="50000"/>
+            </a:schemeClr>
+          </a:lnRef>
+          <a:fillRef idx="1">
+            <a:schemeClr val="accent1"/>
+          </a:fillRef>
+          <a:effectRef idx="0">
+            <a:schemeClr val="accent1"/>
+          </a:effectRef>
+          <a:fontRef idx="minor">
+            <a:schemeClr val="lt1"/>
+          </a:fontRef>
+        </p:style>
+        <p:txBody>
+          <a:bodyPr rtlCol="0" anchor="ctr"/>
+          <a:lstStyle/>
+          <a:p>
+            <a:pPr algn="ctr"/>
+            <a:endParaRPr lang="en-US">
+              <a:solidFill>
+                <a:schemeClr val="tx1"/>
+              </a:solidFill>
+            </a:endParaRPr>
+          </a:p>
+        </p:txBody>
+      </p:sp>
+      <p:sp>
+        <p:nvSpPr>
+          <p:cNvPr id="19" name="Arrow: Curved Left 18">
+            <a:extLst>
+              <a:ext uri="{FF2B5EF4-FFF2-40B4-BE49-F238E27FC236}">
+                <a16:creationId xmlns:a16="http://schemas.microsoft.com/office/drawing/2014/main" id="{A57129BB-45CE-4D4E-BC98-C80B8C9138AC}"/>
+              </a:ext>
+            </a:extLst>
+          </p:cNvPr>
+          <p:cNvSpPr/>
+          <p:nvPr/>
+        </p:nvSpPr>
+        <p:spPr>
+          <a:xfrm rot="5400000">
+            <a:off x="5891216" y="2900361"/>
+            <a:ext cx="819142" cy="1876420"/>
+          </a:xfrm>
+          <a:prstGeom prst="curvedLeftArrow">
+            <a:avLst/>
+          </a:prstGeom>
+        </p:spPr>
+        <p:style>
+          <a:lnRef idx="2">
+            <a:schemeClr val="accent1">
+              <a:shade val="50000"/>
+            </a:schemeClr>
+          </a:lnRef>
+          <a:fillRef idx="1">
+            <a:schemeClr val="accent1"/>
+          </a:fillRef>
+          <a:effectRef idx="0">
+            <a:schemeClr val="accent1"/>
+          </a:effectRef>
+          <a:fontRef idx="minor">
+            <a:schemeClr val="lt1"/>
+          </a:fontRef>
+        </p:style>
+        <p:txBody>
+          <a:bodyPr rtlCol="0" anchor="ctr"/>
+          <a:lstStyle/>
+          <a:p>
+            <a:pPr algn="ctr"/>
+            <a:endParaRPr lang="en-US">
+              <a:solidFill>
+                <a:schemeClr val="tx1"/>
+              </a:solidFill>
+            </a:endParaRPr>
+          </a:p>
+        </p:txBody>
+      </p:sp>
+      <p:sp>
+        <p:nvSpPr>
+          <p:cNvPr id="20" name="TextBox 19">
+            <a:extLst>
+              <a:ext uri="{FF2B5EF4-FFF2-40B4-BE49-F238E27FC236}">
+                <a16:creationId xmlns:a16="http://schemas.microsoft.com/office/drawing/2014/main" id="{678E024E-703F-4195-B536-6A12D0ADEDBA}"/>
+              </a:ext>
+            </a:extLst>
+          </p:cNvPr>
+          <p:cNvSpPr txBox="1"/>
+          <p:nvPr/>
+        </p:nvSpPr>
+        <p:spPr>
+          <a:xfrm>
+            <a:off x="8639175" y="3038475"/>
+            <a:ext cx="1019174" cy="369332"/>
+          </a:xfrm>
+          <a:prstGeom prst="rect">
+            <a:avLst/>
+          </a:prstGeom>
+          <a:noFill/>
+        </p:spPr>
+        <p:txBody>
+          <a:bodyPr wrap="square" rtlCol="0">
+            <a:spAutoFit/>
+          </a:bodyPr>
+          <a:lstStyle/>
+          <a:p>
+            <a:r>
+              <a:rPr lang="en-US" dirty="0"/>
+              <a:t>X axis</a:t>
+            </a:r>
+          </a:p>
+        </p:txBody>
+      </p:sp>
+      <p:sp>
+        <p:nvSpPr>
+          <p:cNvPr id="24" name="TextBox 23">
+            <a:extLst>
+              <a:ext uri="{FF2B5EF4-FFF2-40B4-BE49-F238E27FC236}">
+                <a16:creationId xmlns:a16="http://schemas.microsoft.com/office/drawing/2014/main" id="{A79607A7-D8AF-4E35-ADC1-5BABA406F3D5}"/>
+              </a:ext>
+            </a:extLst>
+          </p:cNvPr>
+          <p:cNvSpPr txBox="1"/>
+          <p:nvPr/>
+        </p:nvSpPr>
+        <p:spPr>
+          <a:xfrm>
+            <a:off x="5962650" y="1011793"/>
+            <a:ext cx="1019174" cy="369332"/>
+          </a:xfrm>
+          <a:prstGeom prst="rect">
+            <a:avLst/>
+          </a:prstGeom>
+          <a:noFill/>
+        </p:spPr>
+        <p:txBody>
+          <a:bodyPr wrap="square" rtlCol="0">
+            <a:spAutoFit/>
+          </a:bodyPr>
+          <a:lstStyle/>
+          <a:p>
+            <a:r>
+              <a:rPr lang="en-US" dirty="0"/>
+              <a:t>Y axis</a:t>
+            </a:r>
+          </a:p>
+        </p:txBody>
+      </p:sp>
+      <p:sp>
+        <p:nvSpPr>
+          <p:cNvPr id="25" name="TextBox 24">
+            <a:extLst>
+              <a:ext uri="{FF2B5EF4-FFF2-40B4-BE49-F238E27FC236}">
+                <a16:creationId xmlns:a16="http://schemas.microsoft.com/office/drawing/2014/main" id="{5E3A5B4A-F8F6-4DD2-8B89-B699FD4F9CD2}"/>
+              </a:ext>
+            </a:extLst>
+          </p:cNvPr>
+          <p:cNvSpPr txBox="1"/>
+          <p:nvPr/>
+        </p:nvSpPr>
+        <p:spPr>
+          <a:xfrm>
+            <a:off x="4591050" y="1944171"/>
+            <a:ext cx="2200274" cy="369332"/>
+          </a:xfrm>
+          <a:prstGeom prst="rect">
+            <a:avLst/>
+          </a:prstGeom>
+          <a:noFill/>
+        </p:spPr>
+        <p:txBody>
+          <a:bodyPr wrap="square" rtlCol="0">
+            <a:spAutoFit/>
+          </a:bodyPr>
+          <a:lstStyle/>
+          <a:p>
+            <a:r>
+              <a:rPr lang="en-US" dirty="0"/>
+              <a:t>Positive theta</a:t>
+            </a:r>
+          </a:p>
+        </p:txBody>
+      </p:sp>
+      <p:sp>
+        <p:nvSpPr>
+          <p:cNvPr id="28" name="TextBox 27">
+            <a:extLst>
+              <a:ext uri="{FF2B5EF4-FFF2-40B4-BE49-F238E27FC236}">
+                <a16:creationId xmlns:a16="http://schemas.microsoft.com/office/drawing/2014/main" id="{C7CD3E9A-9F3C-4AC6-8DC4-226F2323358E}"/>
+              </a:ext>
+            </a:extLst>
+          </p:cNvPr>
+          <p:cNvSpPr txBox="1"/>
+          <p:nvPr/>
+        </p:nvSpPr>
+        <p:spPr>
+          <a:xfrm>
+            <a:off x="4629150" y="4175166"/>
+            <a:ext cx="2200274" cy="369332"/>
+          </a:xfrm>
+          <a:prstGeom prst="rect">
+            <a:avLst/>
+          </a:prstGeom>
+          <a:noFill/>
+        </p:spPr>
+        <p:txBody>
+          <a:bodyPr wrap="square" rtlCol="0">
+            <a:spAutoFit/>
+          </a:bodyPr>
+          <a:lstStyle/>
+          <a:p>
+            <a:r>
+              <a:rPr lang="en-US" dirty="0"/>
+              <a:t>Negative theta</a:t>
+            </a:r>
+          </a:p>
+        </p:txBody>
+      </p:sp>
+      <p:sp>
+        <p:nvSpPr>
+          <p:cNvPr id="29" name="TextBox 28">
+            <a:extLst>
+              <a:ext uri="{FF2B5EF4-FFF2-40B4-BE49-F238E27FC236}">
+                <a16:creationId xmlns:a16="http://schemas.microsoft.com/office/drawing/2014/main" id="{2AC4BE25-61C1-41E3-BBB4-BB2C1A93CC0B}"/>
+              </a:ext>
+            </a:extLst>
+          </p:cNvPr>
+          <p:cNvSpPr txBox="1"/>
+          <p:nvPr/>
+        </p:nvSpPr>
+        <p:spPr>
+          <a:xfrm>
+            <a:off x="7334240" y="3072884"/>
+            <a:ext cx="352426" cy="369332"/>
+          </a:xfrm>
+          <a:prstGeom prst="rect">
+            <a:avLst/>
+          </a:prstGeom>
+          <a:noFill/>
+        </p:spPr>
+        <p:txBody>
+          <a:bodyPr wrap="square" rtlCol="0">
+            <a:spAutoFit/>
+          </a:bodyPr>
+          <a:lstStyle/>
+          <a:p>
+            <a:r>
+              <a:rPr lang="en-US" dirty="0"/>
+              <a:t>0</a:t>
+            </a:r>
+          </a:p>
+        </p:txBody>
+      </p:sp>
+      <p:sp>
+        <p:nvSpPr>
+          <p:cNvPr id="30" name="TextBox 29">
+            <a:extLst>
+              <a:ext uri="{FF2B5EF4-FFF2-40B4-BE49-F238E27FC236}">
+                <a16:creationId xmlns:a16="http://schemas.microsoft.com/office/drawing/2014/main" id="{7E487F0D-8D19-48C3-B156-D9EA0A476772}"/>
+              </a:ext>
+            </a:extLst>
+          </p:cNvPr>
+          <p:cNvSpPr txBox="1"/>
+          <p:nvPr/>
+        </p:nvSpPr>
+        <p:spPr>
+          <a:xfrm>
+            <a:off x="4752979" y="3386138"/>
+            <a:ext cx="571496" cy="369332"/>
+          </a:xfrm>
+          <a:prstGeom prst="rect">
+            <a:avLst/>
+          </a:prstGeom>
+          <a:noFill/>
+        </p:spPr>
+        <p:txBody>
+          <a:bodyPr wrap="square" rtlCol="0">
+            <a:spAutoFit/>
+          </a:bodyPr>
+          <a:lstStyle/>
+          <a:p>
+            <a:r>
+              <a:rPr lang="en-US" dirty="0"/>
+              <a:t>-pi</a:t>
+            </a:r>
+          </a:p>
+        </p:txBody>
+      </p:sp>
+      <p:sp>
+        <p:nvSpPr>
+          <p:cNvPr id="31" name="TextBox 30">
+            <a:extLst>
+              <a:ext uri="{FF2B5EF4-FFF2-40B4-BE49-F238E27FC236}">
+                <a16:creationId xmlns:a16="http://schemas.microsoft.com/office/drawing/2014/main" id="{2AD404DC-53C7-4CF3-A56F-75E67EF31C1E}"/>
+              </a:ext>
+            </a:extLst>
+          </p:cNvPr>
+          <p:cNvSpPr txBox="1"/>
+          <p:nvPr/>
+        </p:nvSpPr>
+        <p:spPr>
+          <a:xfrm>
+            <a:off x="4814892" y="2678370"/>
+            <a:ext cx="571496" cy="369332"/>
+          </a:xfrm>
+          <a:prstGeom prst="rect">
+            <a:avLst/>
+          </a:prstGeom>
+          <a:noFill/>
+        </p:spPr>
+        <p:txBody>
+          <a:bodyPr wrap="square" rtlCol="0">
+            <a:spAutoFit/>
+          </a:bodyPr>
+          <a:lstStyle/>
+          <a:p>
+            <a:r>
+              <a:rPr lang="en-US" dirty="0"/>
+              <a:t>pi</a:t>
+            </a:r>
+          </a:p>
+        </p:txBody>
+      </p:sp>
+    </p:spTree>
+    <p:extLst>
+      <p:ext uri="{BB962C8B-B14F-4D97-AF65-F5344CB8AC3E}">
+        <p14:creationId xmlns:p14="http://schemas.microsoft.com/office/powerpoint/2010/main" val="378448901"/>
+      </p:ext>
+    </p:extLst>
+  </p:cSld>
+  <p:clrMapOvr>
+    <a:masterClrMapping/>
+  </p:clrMapOvr>
+</p:sld>
+</file>
+
 <file path=ppt/theme/theme1.xml><?xml version="1.0" encoding="utf-8"?>
 <a:theme xmlns:a="http://schemas.openxmlformats.org/drawingml/2006/main" name="Office Theme">
   <a:themeElements>

--- a/Figures.pptx
+++ b/Figures.pptx
@@ -8,8 +8,13 @@
     <p:sldId id="256" r:id="rId2"/>
     <p:sldId id="257" r:id="rId3"/>
     <p:sldId id="258" r:id="rId4"/>
-    <p:sldId id="259" r:id="rId5"/>
-    <p:sldId id="260" r:id="rId6"/>
+    <p:sldId id="263" r:id="rId5"/>
+    <p:sldId id="264" r:id="rId6"/>
+    <p:sldId id="259" r:id="rId7"/>
+    <p:sldId id="260" r:id="rId8"/>
+    <p:sldId id="261" r:id="rId9"/>
+    <p:sldId id="262" r:id="rId10"/>
+    <p:sldId id="265" r:id="rId11"/>
   </p:sldIdLst>
   <p:sldSz cx="12192000" cy="6858000"/>
   <p:notesSz cx="6858000" cy="9144000"/>
@@ -119,7 +124,7 @@
 <file path=ppt/revisionInfo.xml><?xml version="1.0" encoding="utf-8"?>
 <p1510:revInfo xmlns:a="http://schemas.openxmlformats.org/drawingml/2006/main" xmlns:r="http://schemas.openxmlformats.org/officeDocument/2006/relationships" xmlns:p1510="http://schemas.microsoft.com/office/powerpoint/2015/10/main">
   <p1510:revLst>
-    <p1510:client id="{9B244931-A4C9-49A3-B2E0-DF895F953819}" v="28" dt="2022-04-18T16:00:24.191"/>
+    <p1510:client id="{9B244931-A4C9-49A3-B2E0-DF895F953819}" v="62" dt="2022-04-26T18:08:57.781"/>
   </p1510:revLst>
 </p1510:revInfo>
 </file>
@@ -128,8 +133,8 @@
 <pc:chgInfo xmlns:a="http://schemas.openxmlformats.org/drawingml/2006/main" xmlns:r="http://schemas.openxmlformats.org/officeDocument/2006/relationships" xmlns:ac="http://schemas.microsoft.com/office/drawing/2013/main/command" xmlns:pc="http://schemas.microsoft.com/office/powerpoint/2013/main/command">
   <pc:docChgLst>
     <pc:chgData name="Qiaomeng Qin" userId="328cb899-176e-43ad-bb77-b05867026c3b" providerId="ADAL" clId="{9B244931-A4C9-49A3-B2E0-DF895F953819}"/>
-    <pc:docChg chg="undo custSel addSld modSld">
-      <pc:chgData name="Qiaomeng Qin" userId="328cb899-176e-43ad-bb77-b05867026c3b" providerId="ADAL" clId="{9B244931-A4C9-49A3-B2E0-DF895F953819}" dt="2022-04-18T16:00:36.572" v="305" actId="1076"/>
+    <pc:docChg chg="undo redo custSel addSld delSld modSld">
+      <pc:chgData name="Qiaomeng Qin" userId="328cb899-176e-43ad-bb77-b05867026c3b" providerId="ADAL" clId="{9B244931-A4C9-49A3-B2E0-DF895F953819}" dt="2022-04-26T18:08:58.900" v="1255" actId="20577"/>
       <pc:docMkLst>
         <pc:docMk/>
       </pc:docMkLst>
@@ -678,6 +683,983 @@
             <pc:docMk/>
             <pc:sldMk cId="378448901" sldId="260"/>
             <ac:cxnSpMk id="18" creationId="{07345F28-68D1-43C8-BC13-852BF3F5443B}"/>
+          </ac:cxnSpMkLst>
+        </pc:cxnChg>
+      </pc:sldChg>
+      <pc:sldChg chg="addSp delSp modSp add mod">
+        <pc:chgData name="Qiaomeng Qin" userId="328cb899-176e-43ad-bb77-b05867026c3b" providerId="ADAL" clId="{9B244931-A4C9-49A3-B2E0-DF895F953819}" dt="2022-04-26T15:45:03.226" v="1185" actId="14100"/>
+        <pc:sldMkLst>
+          <pc:docMk/>
+          <pc:sldMk cId="878081281" sldId="261"/>
+        </pc:sldMkLst>
+        <pc:spChg chg="add del mod">
+          <ac:chgData name="Qiaomeng Qin" userId="328cb899-176e-43ad-bb77-b05867026c3b" providerId="ADAL" clId="{9B244931-A4C9-49A3-B2E0-DF895F953819}" dt="2022-04-25T20:51:14.577" v="310" actId="478"/>
+          <ac:spMkLst>
+            <pc:docMk/>
+            <pc:sldMk cId="878081281" sldId="261"/>
+            <ac:spMk id="2" creationId="{D51CC854-2741-4C47-97AA-485742044D37}"/>
+          </ac:spMkLst>
+        </pc:spChg>
+        <pc:spChg chg="add mod">
+          <ac:chgData name="Qiaomeng Qin" userId="328cb899-176e-43ad-bb77-b05867026c3b" providerId="ADAL" clId="{9B244931-A4C9-49A3-B2E0-DF895F953819}" dt="2022-04-25T20:55:45.899" v="409" actId="1076"/>
+          <ac:spMkLst>
+            <pc:docMk/>
+            <pc:sldMk cId="878081281" sldId="261"/>
+            <ac:spMk id="3" creationId="{F15A2B2F-B8D3-41E6-B34D-C5DBCFE8D0F1}"/>
+          </ac:spMkLst>
+        </pc:spChg>
+        <pc:spChg chg="add mod">
+          <ac:chgData name="Qiaomeng Qin" userId="328cb899-176e-43ad-bb77-b05867026c3b" providerId="ADAL" clId="{9B244931-A4C9-49A3-B2E0-DF895F953819}" dt="2022-04-25T20:57:54.528" v="468" actId="20577"/>
+          <ac:spMkLst>
+            <pc:docMk/>
+            <pc:sldMk cId="878081281" sldId="261"/>
+            <ac:spMk id="5" creationId="{8E09BCD2-D26B-48F9-A64F-70DF6AD9108E}"/>
+          </ac:spMkLst>
+        </pc:spChg>
+        <pc:spChg chg="del">
+          <ac:chgData name="Qiaomeng Qin" userId="328cb899-176e-43ad-bb77-b05867026c3b" providerId="ADAL" clId="{9B244931-A4C9-49A3-B2E0-DF895F953819}" dt="2022-04-25T20:47:49.657" v="307" actId="478"/>
+          <ac:spMkLst>
+            <pc:docMk/>
+            <pc:sldMk cId="878081281" sldId="261"/>
+            <ac:spMk id="16" creationId="{4A17EEA6-BF04-4DFA-B385-E5681DC28472}"/>
+          </ac:spMkLst>
+        </pc:spChg>
+        <pc:spChg chg="add mod">
+          <ac:chgData name="Qiaomeng Qin" userId="328cb899-176e-43ad-bb77-b05867026c3b" providerId="ADAL" clId="{9B244931-A4C9-49A3-B2E0-DF895F953819}" dt="2022-04-25T20:56:28.672" v="423" actId="20577"/>
+          <ac:spMkLst>
+            <pc:docMk/>
+            <pc:sldMk cId="878081281" sldId="261"/>
+            <ac:spMk id="17" creationId="{92926D6A-90AE-4F22-926F-B96B06C8A8AA}"/>
+          </ac:spMkLst>
+        </pc:spChg>
+        <pc:spChg chg="add mod">
+          <ac:chgData name="Qiaomeng Qin" userId="328cb899-176e-43ad-bb77-b05867026c3b" providerId="ADAL" clId="{9B244931-A4C9-49A3-B2E0-DF895F953819}" dt="2022-04-25T21:08:43.976" v="511" actId="1076"/>
+          <ac:spMkLst>
+            <pc:docMk/>
+            <pc:sldMk cId="878081281" sldId="261"/>
+            <ac:spMk id="18" creationId="{D68108F0-5DF3-4515-8B05-EA33C43F96DD}"/>
+          </ac:spMkLst>
+        </pc:spChg>
+        <pc:spChg chg="del">
+          <ac:chgData name="Qiaomeng Qin" userId="328cb899-176e-43ad-bb77-b05867026c3b" providerId="ADAL" clId="{9B244931-A4C9-49A3-B2E0-DF895F953819}" dt="2022-04-25T20:47:49.657" v="307" actId="478"/>
+          <ac:spMkLst>
+            <pc:docMk/>
+            <pc:sldMk cId="878081281" sldId="261"/>
+            <ac:spMk id="19" creationId="{A57129BB-45CE-4D4E-BC98-C80B8C9138AC}"/>
+          </ac:spMkLst>
+        </pc:spChg>
+        <pc:spChg chg="del">
+          <ac:chgData name="Qiaomeng Qin" userId="328cb899-176e-43ad-bb77-b05867026c3b" providerId="ADAL" clId="{9B244931-A4C9-49A3-B2E0-DF895F953819}" dt="2022-04-25T20:47:49.657" v="307" actId="478"/>
+          <ac:spMkLst>
+            <pc:docMk/>
+            <pc:sldMk cId="878081281" sldId="261"/>
+            <ac:spMk id="20" creationId="{678E024E-703F-4195-B536-6A12D0ADEDBA}"/>
+          </ac:spMkLst>
+        </pc:spChg>
+        <pc:spChg chg="add mod">
+          <ac:chgData name="Qiaomeng Qin" userId="328cb899-176e-43ad-bb77-b05867026c3b" providerId="ADAL" clId="{9B244931-A4C9-49A3-B2E0-DF895F953819}" dt="2022-04-26T15:45:03.226" v="1185" actId="14100"/>
+          <ac:spMkLst>
+            <pc:docMk/>
+            <pc:sldMk cId="878081281" sldId="261"/>
+            <ac:spMk id="21" creationId="{90436025-D5FE-468E-AD13-D9E0B45E2428}"/>
+          </ac:spMkLst>
+        </pc:spChg>
+        <pc:spChg chg="add mod">
+          <ac:chgData name="Qiaomeng Qin" userId="328cb899-176e-43ad-bb77-b05867026c3b" providerId="ADAL" clId="{9B244931-A4C9-49A3-B2E0-DF895F953819}" dt="2022-04-25T21:27:27.865" v="838" actId="1076"/>
+          <ac:spMkLst>
+            <pc:docMk/>
+            <pc:sldMk cId="878081281" sldId="261"/>
+            <ac:spMk id="22" creationId="{E1671549-247D-4DE7-A58E-E7EE1EFA6CD4}"/>
+          </ac:spMkLst>
+        </pc:spChg>
+        <pc:spChg chg="add mod">
+          <ac:chgData name="Qiaomeng Qin" userId="328cb899-176e-43ad-bb77-b05867026c3b" providerId="ADAL" clId="{9B244931-A4C9-49A3-B2E0-DF895F953819}" dt="2022-04-25T21:27:27.865" v="838" actId="1076"/>
+          <ac:spMkLst>
+            <pc:docMk/>
+            <pc:sldMk cId="878081281" sldId="261"/>
+            <ac:spMk id="23" creationId="{7B905D9E-00B1-4A19-A205-C37C0E9DE129}"/>
+          </ac:spMkLst>
+        </pc:spChg>
+        <pc:spChg chg="del">
+          <ac:chgData name="Qiaomeng Qin" userId="328cb899-176e-43ad-bb77-b05867026c3b" providerId="ADAL" clId="{9B244931-A4C9-49A3-B2E0-DF895F953819}" dt="2022-04-25T20:47:49.657" v="307" actId="478"/>
+          <ac:spMkLst>
+            <pc:docMk/>
+            <pc:sldMk cId="878081281" sldId="261"/>
+            <ac:spMk id="24" creationId="{A79607A7-D8AF-4E35-ADC1-5BABA406F3D5}"/>
+          </ac:spMkLst>
+        </pc:spChg>
+        <pc:spChg chg="del">
+          <ac:chgData name="Qiaomeng Qin" userId="328cb899-176e-43ad-bb77-b05867026c3b" providerId="ADAL" clId="{9B244931-A4C9-49A3-B2E0-DF895F953819}" dt="2022-04-25T20:47:49.657" v="307" actId="478"/>
+          <ac:spMkLst>
+            <pc:docMk/>
+            <pc:sldMk cId="878081281" sldId="261"/>
+            <ac:spMk id="25" creationId="{5E3A5B4A-F8F6-4DD2-8B89-B699FD4F9CD2}"/>
+          </ac:spMkLst>
+        </pc:spChg>
+        <pc:spChg chg="add mod">
+          <ac:chgData name="Qiaomeng Qin" userId="328cb899-176e-43ad-bb77-b05867026c3b" providerId="ADAL" clId="{9B244931-A4C9-49A3-B2E0-DF895F953819}" dt="2022-04-25T21:27:27.865" v="838" actId="1076"/>
+          <ac:spMkLst>
+            <pc:docMk/>
+            <pc:sldMk cId="878081281" sldId="261"/>
+            <ac:spMk id="26" creationId="{B675821A-3715-41E0-B39B-3963F8279B78}"/>
+          </ac:spMkLst>
+        </pc:spChg>
+        <pc:spChg chg="add mod">
+          <ac:chgData name="Qiaomeng Qin" userId="328cb899-176e-43ad-bb77-b05867026c3b" providerId="ADAL" clId="{9B244931-A4C9-49A3-B2E0-DF895F953819}" dt="2022-04-25T21:33:09.458" v="859" actId="1076"/>
+          <ac:spMkLst>
+            <pc:docMk/>
+            <pc:sldMk cId="878081281" sldId="261"/>
+            <ac:spMk id="27" creationId="{2A186410-EFFD-4AD4-87E7-83743CF8C45A}"/>
+          </ac:spMkLst>
+        </pc:spChg>
+        <pc:spChg chg="del">
+          <ac:chgData name="Qiaomeng Qin" userId="328cb899-176e-43ad-bb77-b05867026c3b" providerId="ADAL" clId="{9B244931-A4C9-49A3-B2E0-DF895F953819}" dt="2022-04-25T20:47:49.657" v="307" actId="478"/>
+          <ac:spMkLst>
+            <pc:docMk/>
+            <pc:sldMk cId="878081281" sldId="261"/>
+            <ac:spMk id="28" creationId="{C7CD3E9A-9F3C-4AC6-8DC4-226F2323358E}"/>
+          </ac:spMkLst>
+        </pc:spChg>
+        <pc:spChg chg="del">
+          <ac:chgData name="Qiaomeng Qin" userId="328cb899-176e-43ad-bb77-b05867026c3b" providerId="ADAL" clId="{9B244931-A4C9-49A3-B2E0-DF895F953819}" dt="2022-04-25T20:47:49.657" v="307" actId="478"/>
+          <ac:spMkLst>
+            <pc:docMk/>
+            <pc:sldMk cId="878081281" sldId="261"/>
+            <ac:spMk id="29" creationId="{2AC4BE25-61C1-41E3-BBB4-BB2C1A93CC0B}"/>
+          </ac:spMkLst>
+        </pc:spChg>
+        <pc:spChg chg="del">
+          <ac:chgData name="Qiaomeng Qin" userId="328cb899-176e-43ad-bb77-b05867026c3b" providerId="ADAL" clId="{9B244931-A4C9-49A3-B2E0-DF895F953819}" dt="2022-04-25T20:47:49.657" v="307" actId="478"/>
+          <ac:spMkLst>
+            <pc:docMk/>
+            <pc:sldMk cId="878081281" sldId="261"/>
+            <ac:spMk id="30" creationId="{7E487F0D-8D19-48C3-B156-D9EA0A476772}"/>
+          </ac:spMkLst>
+        </pc:spChg>
+        <pc:spChg chg="del">
+          <ac:chgData name="Qiaomeng Qin" userId="328cb899-176e-43ad-bb77-b05867026c3b" providerId="ADAL" clId="{9B244931-A4C9-49A3-B2E0-DF895F953819}" dt="2022-04-25T20:47:49.657" v="307" actId="478"/>
+          <ac:spMkLst>
+            <pc:docMk/>
+            <pc:sldMk cId="878081281" sldId="261"/>
+            <ac:spMk id="31" creationId="{2AD404DC-53C7-4CF3-A56F-75E67EF31C1E}"/>
+          </ac:spMkLst>
+        </pc:spChg>
+        <pc:spChg chg="add mod">
+          <ac:chgData name="Qiaomeng Qin" userId="328cb899-176e-43ad-bb77-b05867026c3b" providerId="ADAL" clId="{9B244931-A4C9-49A3-B2E0-DF895F953819}" dt="2022-04-25T21:32:52.833" v="857" actId="207"/>
+          <ac:spMkLst>
+            <pc:docMk/>
+            <pc:sldMk cId="878081281" sldId="261"/>
+            <ac:spMk id="32" creationId="{57452871-381B-47BA-9C8A-79B32DFBB3CE}"/>
+          </ac:spMkLst>
+        </pc:spChg>
+        <pc:spChg chg="add mod">
+          <ac:chgData name="Qiaomeng Qin" userId="328cb899-176e-43ad-bb77-b05867026c3b" providerId="ADAL" clId="{9B244931-A4C9-49A3-B2E0-DF895F953819}" dt="2022-04-25T21:27:42.285" v="841" actId="1076"/>
+          <ac:spMkLst>
+            <pc:docMk/>
+            <pc:sldMk cId="878081281" sldId="261"/>
+            <ac:spMk id="33" creationId="{CA8881E7-B19C-41CB-B55F-1C13A05C3A7D}"/>
+          </ac:spMkLst>
+        </pc:spChg>
+        <pc:cxnChg chg="del">
+          <ac:chgData name="Qiaomeng Qin" userId="328cb899-176e-43ad-bb77-b05867026c3b" providerId="ADAL" clId="{9B244931-A4C9-49A3-B2E0-DF895F953819}" dt="2022-04-25T20:47:49.657" v="307" actId="478"/>
+          <ac:cxnSpMkLst>
+            <pc:docMk/>
+            <pc:sldMk cId="878081281" sldId="261"/>
+            <ac:cxnSpMk id="4" creationId="{AD165434-6416-4694-B879-BA8830E82EF0}"/>
+          </ac:cxnSpMkLst>
+        </pc:cxnChg>
+        <pc:cxnChg chg="del">
+          <ac:chgData name="Qiaomeng Qin" userId="328cb899-176e-43ad-bb77-b05867026c3b" providerId="ADAL" clId="{9B244931-A4C9-49A3-B2E0-DF895F953819}" dt="2022-04-25T20:47:49.657" v="307" actId="478"/>
+          <ac:cxnSpMkLst>
+            <pc:docMk/>
+            <pc:sldMk cId="878081281" sldId="261"/>
+            <ac:cxnSpMk id="6" creationId="{8DB3A35E-0510-4AD9-A532-58C81751CC67}"/>
+          </ac:cxnSpMkLst>
+        </pc:cxnChg>
+        <pc:cxnChg chg="add">
+          <ac:chgData name="Qiaomeng Qin" userId="328cb899-176e-43ad-bb77-b05867026c3b" providerId="ADAL" clId="{9B244931-A4C9-49A3-B2E0-DF895F953819}" dt="2022-04-25T21:28:09.437" v="845" actId="11529"/>
+          <ac:cxnSpMkLst>
+            <pc:docMk/>
+            <pc:sldMk cId="878081281" sldId="261"/>
+            <ac:cxnSpMk id="8" creationId="{4E6A8D82-E9D2-4E04-9293-2A17E98026DE}"/>
+          </ac:cxnSpMkLst>
+        </pc:cxnChg>
+        <pc:cxnChg chg="add">
+          <ac:chgData name="Qiaomeng Qin" userId="328cb899-176e-43ad-bb77-b05867026c3b" providerId="ADAL" clId="{9B244931-A4C9-49A3-B2E0-DF895F953819}" dt="2022-04-25T21:28:21.567" v="846" actId="11529"/>
+          <ac:cxnSpMkLst>
+            <pc:docMk/>
+            <pc:sldMk cId="878081281" sldId="261"/>
+            <ac:cxnSpMk id="10" creationId="{20179110-48DA-4526-8E88-6613F24E3FEE}"/>
+          </ac:cxnSpMkLst>
+        </pc:cxnChg>
+        <pc:cxnChg chg="add">
+          <ac:chgData name="Qiaomeng Qin" userId="328cb899-176e-43ad-bb77-b05867026c3b" providerId="ADAL" clId="{9B244931-A4C9-49A3-B2E0-DF895F953819}" dt="2022-04-25T21:28:27.195" v="847" actId="11529"/>
+          <ac:cxnSpMkLst>
+            <pc:docMk/>
+            <pc:sldMk cId="878081281" sldId="261"/>
+            <ac:cxnSpMk id="12" creationId="{04EB9C7C-1E94-4D9E-9D1D-336D7C0C6B5F}"/>
+          </ac:cxnSpMkLst>
+        </pc:cxnChg>
+        <pc:cxnChg chg="add mod">
+          <ac:chgData name="Qiaomeng Qin" userId="328cb899-176e-43ad-bb77-b05867026c3b" providerId="ADAL" clId="{9B244931-A4C9-49A3-B2E0-DF895F953819}" dt="2022-04-26T15:45:03.226" v="1185" actId="14100"/>
+          <ac:cxnSpMkLst>
+            <pc:docMk/>
+            <pc:sldMk cId="878081281" sldId="261"/>
+            <ac:cxnSpMk id="14" creationId="{E4CBEA0D-B2DC-4D6E-A37A-E18E99153AB4}"/>
+          </ac:cxnSpMkLst>
+        </pc:cxnChg>
+        <pc:cxnChg chg="add mod">
+          <ac:chgData name="Qiaomeng Qin" userId="328cb899-176e-43ad-bb77-b05867026c3b" providerId="ADAL" clId="{9B244931-A4C9-49A3-B2E0-DF895F953819}" dt="2022-04-26T15:45:03.226" v="1185" actId="14100"/>
+          <ac:cxnSpMkLst>
+            <pc:docMk/>
+            <pc:sldMk cId="878081281" sldId="261"/>
+            <ac:cxnSpMk id="34" creationId="{5C051368-532E-4972-AC96-1CED79973F39}"/>
+          </ac:cxnSpMkLst>
+        </pc:cxnChg>
+        <pc:cxnChg chg="add">
+          <ac:chgData name="Qiaomeng Qin" userId="328cb899-176e-43ad-bb77-b05867026c3b" providerId="ADAL" clId="{9B244931-A4C9-49A3-B2E0-DF895F953819}" dt="2022-04-25T21:28:39.674" v="850" actId="11529"/>
+          <ac:cxnSpMkLst>
+            <pc:docMk/>
+            <pc:sldMk cId="878081281" sldId="261"/>
+            <ac:cxnSpMk id="36" creationId="{F8854150-3587-479B-B4FA-29639C083873}"/>
+          </ac:cxnSpMkLst>
+        </pc:cxnChg>
+        <pc:cxnChg chg="add">
+          <ac:chgData name="Qiaomeng Qin" userId="328cb899-176e-43ad-bb77-b05867026c3b" providerId="ADAL" clId="{9B244931-A4C9-49A3-B2E0-DF895F953819}" dt="2022-04-25T21:28:43.442" v="851" actId="11529"/>
+          <ac:cxnSpMkLst>
+            <pc:docMk/>
+            <pc:sldMk cId="878081281" sldId="261"/>
+            <ac:cxnSpMk id="38" creationId="{87ED1AF0-8495-4342-B509-6667DF0B55DF}"/>
+          </ac:cxnSpMkLst>
+        </pc:cxnChg>
+        <pc:cxnChg chg="add mod">
+          <ac:chgData name="Qiaomeng Qin" userId="328cb899-176e-43ad-bb77-b05867026c3b" providerId="ADAL" clId="{9B244931-A4C9-49A3-B2E0-DF895F953819}" dt="2022-04-25T21:33:09.458" v="859" actId="1076"/>
+          <ac:cxnSpMkLst>
+            <pc:docMk/>
+            <pc:sldMk cId="878081281" sldId="261"/>
+            <ac:cxnSpMk id="40" creationId="{A467F44F-A2CE-456A-87F9-9018F29627D6}"/>
+          </ac:cxnSpMkLst>
+        </pc:cxnChg>
+        <pc:cxnChg chg="add mod">
+          <ac:chgData name="Qiaomeng Qin" userId="328cb899-176e-43ad-bb77-b05867026c3b" providerId="ADAL" clId="{9B244931-A4C9-49A3-B2E0-DF895F953819}" dt="2022-04-25T21:33:09.458" v="859" actId="1076"/>
+          <ac:cxnSpMkLst>
+            <pc:docMk/>
+            <pc:sldMk cId="878081281" sldId="261"/>
+            <ac:cxnSpMk id="42" creationId="{A6FBB3D6-24F5-42CF-93C5-2C60933D6189}"/>
+          </ac:cxnSpMkLst>
+        </pc:cxnChg>
+        <pc:cxnChg chg="add mod">
+          <ac:chgData name="Qiaomeng Qin" userId="328cb899-176e-43ad-bb77-b05867026c3b" providerId="ADAL" clId="{9B244931-A4C9-49A3-B2E0-DF895F953819}" dt="2022-04-25T21:29:02.658" v="855" actId="14100"/>
+          <ac:cxnSpMkLst>
+            <pc:docMk/>
+            <pc:sldMk cId="878081281" sldId="261"/>
+            <ac:cxnSpMk id="44" creationId="{94984936-CC69-4A94-B059-C9DC5D8A487D}"/>
+          </ac:cxnSpMkLst>
+        </pc:cxnChg>
+      </pc:sldChg>
+      <pc:sldChg chg="addSp delSp modSp add del mod">
+        <pc:chgData name="Qiaomeng Qin" userId="328cb899-176e-43ad-bb77-b05867026c3b" providerId="ADAL" clId="{9B244931-A4C9-49A3-B2E0-DF895F953819}" dt="2022-04-26T00:18:06.125" v="1161" actId="47"/>
+        <pc:sldMkLst>
+          <pc:docMk/>
+          <pc:sldMk cId="2557608554" sldId="262"/>
+        </pc:sldMkLst>
+        <pc:spChg chg="mod">
+          <ac:chgData name="Qiaomeng Qin" userId="328cb899-176e-43ad-bb77-b05867026c3b" providerId="ADAL" clId="{9B244931-A4C9-49A3-B2E0-DF895F953819}" dt="2022-04-26T00:05:52.925" v="1054" actId="404"/>
+          <ac:spMkLst>
+            <pc:docMk/>
+            <pc:sldMk cId="2557608554" sldId="262"/>
+            <ac:spMk id="3" creationId="{F15A2B2F-B8D3-41E6-B34D-C5DBCFE8D0F1}"/>
+          </ac:spMkLst>
+        </pc:spChg>
+        <pc:spChg chg="del mod">
+          <ac:chgData name="Qiaomeng Qin" userId="328cb899-176e-43ad-bb77-b05867026c3b" providerId="ADAL" clId="{9B244931-A4C9-49A3-B2E0-DF895F953819}" dt="2022-04-25T21:58:47.017" v="885" actId="478"/>
+          <ac:spMkLst>
+            <pc:docMk/>
+            <pc:sldMk cId="2557608554" sldId="262"/>
+            <ac:spMk id="5" creationId="{8E09BCD2-D26B-48F9-A64F-70DF6AD9108E}"/>
+          </ac:spMkLst>
+        </pc:spChg>
+        <pc:spChg chg="add mod">
+          <ac:chgData name="Qiaomeng Qin" userId="328cb899-176e-43ad-bb77-b05867026c3b" providerId="ADAL" clId="{9B244931-A4C9-49A3-B2E0-DF895F953819}" dt="2022-04-26T00:06:46.106" v="1066" actId="1076"/>
+          <ac:spMkLst>
+            <pc:docMk/>
+            <pc:sldMk cId="2557608554" sldId="262"/>
+            <ac:spMk id="6" creationId="{0A71295F-C52F-42B0-B4BA-859B4C04A6E8}"/>
+          </ac:spMkLst>
+        </pc:spChg>
+        <pc:spChg chg="add del mod">
+          <ac:chgData name="Qiaomeng Qin" userId="328cb899-176e-43ad-bb77-b05867026c3b" providerId="ADAL" clId="{9B244931-A4C9-49A3-B2E0-DF895F953819}" dt="2022-04-26T00:09:08.262" v="1141" actId="478"/>
+          <ac:spMkLst>
+            <pc:docMk/>
+            <pc:sldMk cId="2557608554" sldId="262"/>
+            <ac:spMk id="7" creationId="{06D5E204-AD13-46D5-8356-31854CA31E43}"/>
+          </ac:spMkLst>
+        </pc:spChg>
+        <pc:spChg chg="del mod">
+          <ac:chgData name="Qiaomeng Qin" userId="328cb899-176e-43ad-bb77-b05867026c3b" providerId="ADAL" clId="{9B244931-A4C9-49A3-B2E0-DF895F953819}" dt="2022-04-25T21:59:37.560" v="927" actId="478"/>
+          <ac:spMkLst>
+            <pc:docMk/>
+            <pc:sldMk cId="2557608554" sldId="262"/>
+            <ac:spMk id="17" creationId="{92926D6A-90AE-4F22-926F-B96B06C8A8AA}"/>
+          </ac:spMkLst>
+        </pc:spChg>
+        <pc:spChg chg="del">
+          <ac:chgData name="Qiaomeng Qin" userId="328cb899-176e-43ad-bb77-b05867026c3b" providerId="ADAL" clId="{9B244931-A4C9-49A3-B2E0-DF895F953819}" dt="2022-04-25T22:00:10.424" v="930" actId="478"/>
+          <ac:spMkLst>
+            <pc:docMk/>
+            <pc:sldMk cId="2557608554" sldId="262"/>
+            <ac:spMk id="18" creationId="{D68108F0-5DF3-4515-8B05-EA33C43F96DD}"/>
+          </ac:spMkLst>
+        </pc:spChg>
+        <pc:spChg chg="del">
+          <ac:chgData name="Qiaomeng Qin" userId="328cb899-176e-43ad-bb77-b05867026c3b" providerId="ADAL" clId="{9B244931-A4C9-49A3-B2E0-DF895F953819}" dt="2022-04-25T21:34:04.607" v="861" actId="478"/>
+          <ac:spMkLst>
+            <pc:docMk/>
+            <pc:sldMk cId="2557608554" sldId="262"/>
+            <ac:spMk id="21" creationId="{90436025-D5FE-468E-AD13-D9E0B45E2428}"/>
+          </ac:spMkLst>
+        </pc:spChg>
+        <pc:spChg chg="del">
+          <ac:chgData name="Qiaomeng Qin" userId="328cb899-176e-43ad-bb77-b05867026c3b" providerId="ADAL" clId="{9B244931-A4C9-49A3-B2E0-DF895F953819}" dt="2022-04-25T21:34:04.607" v="861" actId="478"/>
+          <ac:spMkLst>
+            <pc:docMk/>
+            <pc:sldMk cId="2557608554" sldId="262"/>
+            <ac:spMk id="22" creationId="{E1671549-247D-4DE7-A58E-E7EE1EFA6CD4}"/>
+          </ac:spMkLst>
+        </pc:spChg>
+        <pc:spChg chg="del">
+          <ac:chgData name="Qiaomeng Qin" userId="328cb899-176e-43ad-bb77-b05867026c3b" providerId="ADAL" clId="{9B244931-A4C9-49A3-B2E0-DF895F953819}" dt="2022-04-25T21:34:04.607" v="861" actId="478"/>
+          <ac:spMkLst>
+            <pc:docMk/>
+            <pc:sldMk cId="2557608554" sldId="262"/>
+            <ac:spMk id="23" creationId="{7B905D9E-00B1-4A19-A205-C37C0E9DE129}"/>
+          </ac:spMkLst>
+        </pc:spChg>
+        <pc:spChg chg="add mod">
+          <ac:chgData name="Qiaomeng Qin" userId="328cb899-176e-43ad-bb77-b05867026c3b" providerId="ADAL" clId="{9B244931-A4C9-49A3-B2E0-DF895F953819}" dt="2022-04-26T00:06:43.251" v="1065" actId="1076"/>
+          <ac:spMkLst>
+            <pc:docMk/>
+            <pc:sldMk cId="2557608554" sldId="262"/>
+            <ac:spMk id="25" creationId="{570B8FCF-CCD5-4701-867E-9370CA3DABAB}"/>
+          </ac:spMkLst>
+        </pc:spChg>
+        <pc:spChg chg="del">
+          <ac:chgData name="Qiaomeng Qin" userId="328cb899-176e-43ad-bb77-b05867026c3b" providerId="ADAL" clId="{9B244931-A4C9-49A3-B2E0-DF895F953819}" dt="2022-04-25T21:34:04.607" v="861" actId="478"/>
+          <ac:spMkLst>
+            <pc:docMk/>
+            <pc:sldMk cId="2557608554" sldId="262"/>
+            <ac:spMk id="26" creationId="{B675821A-3715-41E0-B39B-3963F8279B78}"/>
+          </ac:spMkLst>
+        </pc:spChg>
+        <pc:spChg chg="del">
+          <ac:chgData name="Qiaomeng Qin" userId="328cb899-176e-43ad-bb77-b05867026c3b" providerId="ADAL" clId="{9B244931-A4C9-49A3-B2E0-DF895F953819}" dt="2022-04-25T21:34:04.607" v="861" actId="478"/>
+          <ac:spMkLst>
+            <pc:docMk/>
+            <pc:sldMk cId="2557608554" sldId="262"/>
+            <ac:spMk id="27" creationId="{2A186410-EFFD-4AD4-87E7-83743CF8C45A}"/>
+          </ac:spMkLst>
+        </pc:spChg>
+        <pc:spChg chg="add mod">
+          <ac:chgData name="Qiaomeng Qin" userId="328cb899-176e-43ad-bb77-b05867026c3b" providerId="ADAL" clId="{9B244931-A4C9-49A3-B2E0-DF895F953819}" dt="2022-04-26T00:06:47.890" v="1067" actId="1076"/>
+          <ac:spMkLst>
+            <pc:docMk/>
+            <pc:sldMk cId="2557608554" sldId="262"/>
+            <ac:spMk id="28" creationId="{31912943-2926-4DEF-976E-B39F26FE2EA4}"/>
+          </ac:spMkLst>
+        </pc:spChg>
+        <pc:spChg chg="del">
+          <ac:chgData name="Qiaomeng Qin" userId="328cb899-176e-43ad-bb77-b05867026c3b" providerId="ADAL" clId="{9B244931-A4C9-49A3-B2E0-DF895F953819}" dt="2022-04-25T21:34:04.607" v="861" actId="478"/>
+          <ac:spMkLst>
+            <pc:docMk/>
+            <pc:sldMk cId="2557608554" sldId="262"/>
+            <ac:spMk id="32" creationId="{57452871-381B-47BA-9C8A-79B32DFBB3CE}"/>
+          </ac:spMkLst>
+        </pc:spChg>
+        <pc:spChg chg="mod">
+          <ac:chgData name="Qiaomeng Qin" userId="328cb899-176e-43ad-bb77-b05867026c3b" providerId="ADAL" clId="{9B244931-A4C9-49A3-B2E0-DF895F953819}" dt="2022-04-26T00:09:11.730" v="1142" actId="1076"/>
+          <ac:spMkLst>
+            <pc:docMk/>
+            <pc:sldMk cId="2557608554" sldId="262"/>
+            <ac:spMk id="33" creationId="{CA8881E7-B19C-41CB-B55F-1C13A05C3A7D}"/>
+          </ac:spMkLst>
+        </pc:spChg>
+        <pc:spChg chg="add del mod">
+          <ac:chgData name="Qiaomeng Qin" userId="328cb899-176e-43ad-bb77-b05867026c3b" providerId="ADAL" clId="{9B244931-A4C9-49A3-B2E0-DF895F953819}" dt="2022-04-26T00:05:08.567" v="1049" actId="478"/>
+          <ac:spMkLst>
+            <pc:docMk/>
+            <pc:sldMk cId="2557608554" sldId="262"/>
+            <ac:spMk id="35" creationId="{496C45A3-1CF2-4094-88B1-C557F6D6A1ED}"/>
+          </ac:spMkLst>
+        </pc:spChg>
+        <pc:spChg chg="add del mod">
+          <ac:chgData name="Qiaomeng Qin" userId="328cb899-176e-43ad-bb77-b05867026c3b" providerId="ADAL" clId="{9B244931-A4C9-49A3-B2E0-DF895F953819}" dt="2022-04-26T00:09:32.486" v="1149" actId="478"/>
+          <ac:spMkLst>
+            <pc:docMk/>
+            <pc:sldMk cId="2557608554" sldId="262"/>
+            <ac:spMk id="37" creationId="{170CFF48-802F-4FF2-A037-FD237568AA4F}"/>
+          </ac:spMkLst>
+        </pc:spChg>
+        <pc:spChg chg="add mod">
+          <ac:chgData name="Qiaomeng Qin" userId="328cb899-176e-43ad-bb77-b05867026c3b" providerId="ADAL" clId="{9B244931-A4C9-49A3-B2E0-DF895F953819}" dt="2022-04-26T00:10:02.565" v="1160" actId="14100"/>
+          <ac:spMkLst>
+            <pc:docMk/>
+            <pc:sldMk cId="2557608554" sldId="262"/>
+            <ac:spMk id="48" creationId="{6DCA3EE0-CD92-4DFB-A1C7-B2DF51B13ED9}"/>
+          </ac:spMkLst>
+        </pc:spChg>
+        <pc:spChg chg="add del">
+          <ac:chgData name="Qiaomeng Qin" userId="328cb899-176e-43ad-bb77-b05867026c3b" providerId="ADAL" clId="{9B244931-A4C9-49A3-B2E0-DF895F953819}" dt="2022-04-26T00:09:05.638" v="1139" actId="478"/>
+          <ac:spMkLst>
+            <pc:docMk/>
+            <pc:sldMk cId="2557608554" sldId="262"/>
+            <ac:spMk id="57" creationId="{98701902-3013-487A-A83C-FEDB84C40170}"/>
+          </ac:spMkLst>
+        </pc:spChg>
+        <pc:spChg chg="add mod">
+          <ac:chgData name="Qiaomeng Qin" userId="328cb899-176e-43ad-bb77-b05867026c3b" providerId="ADAL" clId="{9B244931-A4C9-49A3-B2E0-DF895F953819}" dt="2022-04-26T00:09:58.407" v="1159" actId="20577"/>
+          <ac:spMkLst>
+            <pc:docMk/>
+            <pc:sldMk cId="2557608554" sldId="262"/>
+            <ac:spMk id="58" creationId="{93A46DB8-167F-48B7-B09D-31D723758782}"/>
+          </ac:spMkLst>
+        </pc:spChg>
+        <pc:cxnChg chg="mod">
+          <ac:chgData name="Qiaomeng Qin" userId="328cb899-176e-43ad-bb77-b05867026c3b" providerId="ADAL" clId="{9B244931-A4C9-49A3-B2E0-DF895F953819}" dt="2022-04-26T00:06:43.251" v="1065" actId="1076"/>
+          <ac:cxnSpMkLst>
+            <pc:docMk/>
+            <pc:sldMk cId="2557608554" sldId="262"/>
+            <ac:cxnSpMk id="8" creationId="{4E6A8D82-E9D2-4E04-9293-2A17E98026DE}"/>
+          </ac:cxnSpMkLst>
+        </pc:cxnChg>
+        <pc:cxnChg chg="del mod">
+          <ac:chgData name="Qiaomeng Qin" userId="328cb899-176e-43ad-bb77-b05867026c3b" providerId="ADAL" clId="{9B244931-A4C9-49A3-B2E0-DF895F953819}" dt="2022-04-26T00:06:10.693" v="1059" actId="478"/>
+          <ac:cxnSpMkLst>
+            <pc:docMk/>
+            <pc:sldMk cId="2557608554" sldId="262"/>
+            <ac:cxnSpMk id="10" creationId="{20179110-48DA-4526-8E88-6613F24E3FEE}"/>
+          </ac:cxnSpMkLst>
+        </pc:cxnChg>
+        <pc:cxnChg chg="add mod">
+          <ac:chgData name="Qiaomeng Qin" userId="328cb899-176e-43ad-bb77-b05867026c3b" providerId="ADAL" clId="{9B244931-A4C9-49A3-B2E0-DF895F953819}" dt="2022-04-26T00:06:47.890" v="1067" actId="1076"/>
+          <ac:cxnSpMkLst>
+            <pc:docMk/>
+            <pc:sldMk cId="2557608554" sldId="262"/>
+            <ac:cxnSpMk id="11" creationId="{C479371D-5FF2-4318-BE55-1A5C2DE98186}"/>
+          </ac:cxnSpMkLst>
+        </pc:cxnChg>
+        <pc:cxnChg chg="del mod">
+          <ac:chgData name="Qiaomeng Qin" userId="328cb899-176e-43ad-bb77-b05867026c3b" providerId="ADAL" clId="{9B244931-A4C9-49A3-B2E0-DF895F953819}" dt="2022-04-25T22:00:10.424" v="930" actId="478"/>
+          <ac:cxnSpMkLst>
+            <pc:docMk/>
+            <pc:sldMk cId="2557608554" sldId="262"/>
+            <ac:cxnSpMk id="12" creationId="{04EB9C7C-1E94-4D9E-9D1D-336D7C0C6B5F}"/>
+          </ac:cxnSpMkLst>
+        </pc:cxnChg>
+        <pc:cxnChg chg="del mod">
+          <ac:chgData name="Qiaomeng Qin" userId="328cb899-176e-43ad-bb77-b05867026c3b" providerId="ADAL" clId="{9B244931-A4C9-49A3-B2E0-DF895F953819}" dt="2022-04-25T21:34:04.607" v="861" actId="478"/>
+          <ac:cxnSpMkLst>
+            <pc:docMk/>
+            <pc:sldMk cId="2557608554" sldId="262"/>
+            <ac:cxnSpMk id="14" creationId="{E4CBEA0D-B2DC-4D6E-A37A-E18E99153AB4}"/>
+          </ac:cxnSpMkLst>
+        </pc:cxnChg>
+        <pc:cxnChg chg="del mod">
+          <ac:chgData name="Qiaomeng Qin" userId="328cb899-176e-43ad-bb77-b05867026c3b" providerId="ADAL" clId="{9B244931-A4C9-49A3-B2E0-DF895F953819}" dt="2022-04-25T21:34:04.607" v="861" actId="478"/>
+          <ac:cxnSpMkLst>
+            <pc:docMk/>
+            <pc:sldMk cId="2557608554" sldId="262"/>
+            <ac:cxnSpMk id="34" creationId="{5C051368-532E-4972-AC96-1CED79973F39}"/>
+          </ac:cxnSpMkLst>
+        </pc:cxnChg>
+        <pc:cxnChg chg="del mod">
+          <ac:chgData name="Qiaomeng Qin" userId="328cb899-176e-43ad-bb77-b05867026c3b" providerId="ADAL" clId="{9B244931-A4C9-49A3-B2E0-DF895F953819}" dt="2022-04-25T21:34:04.607" v="861" actId="478"/>
+          <ac:cxnSpMkLst>
+            <pc:docMk/>
+            <pc:sldMk cId="2557608554" sldId="262"/>
+            <ac:cxnSpMk id="36" creationId="{F8854150-3587-479B-B4FA-29639C083873}"/>
+          </ac:cxnSpMkLst>
+        </pc:cxnChg>
+        <pc:cxnChg chg="del mod">
+          <ac:chgData name="Qiaomeng Qin" userId="328cb899-176e-43ad-bb77-b05867026c3b" providerId="ADAL" clId="{9B244931-A4C9-49A3-B2E0-DF895F953819}" dt="2022-04-25T21:34:04.607" v="861" actId="478"/>
+          <ac:cxnSpMkLst>
+            <pc:docMk/>
+            <pc:sldMk cId="2557608554" sldId="262"/>
+            <ac:cxnSpMk id="38" creationId="{87ED1AF0-8495-4342-B509-6667DF0B55DF}"/>
+          </ac:cxnSpMkLst>
+        </pc:cxnChg>
+        <pc:cxnChg chg="del mod">
+          <ac:chgData name="Qiaomeng Qin" userId="328cb899-176e-43ad-bb77-b05867026c3b" providerId="ADAL" clId="{9B244931-A4C9-49A3-B2E0-DF895F953819}" dt="2022-04-25T21:34:04.607" v="861" actId="478"/>
+          <ac:cxnSpMkLst>
+            <pc:docMk/>
+            <pc:sldMk cId="2557608554" sldId="262"/>
+            <ac:cxnSpMk id="40" creationId="{A467F44F-A2CE-456A-87F9-9018F29627D6}"/>
+          </ac:cxnSpMkLst>
+        </pc:cxnChg>
+        <pc:cxnChg chg="del mod">
+          <ac:chgData name="Qiaomeng Qin" userId="328cb899-176e-43ad-bb77-b05867026c3b" providerId="ADAL" clId="{9B244931-A4C9-49A3-B2E0-DF895F953819}" dt="2022-04-25T21:34:04.607" v="861" actId="478"/>
+          <ac:cxnSpMkLst>
+            <pc:docMk/>
+            <pc:sldMk cId="2557608554" sldId="262"/>
+            <ac:cxnSpMk id="42" creationId="{A6FBB3D6-24F5-42CF-93C5-2C60933D6189}"/>
+          </ac:cxnSpMkLst>
+        </pc:cxnChg>
+        <pc:cxnChg chg="del mod">
+          <ac:chgData name="Qiaomeng Qin" userId="328cb899-176e-43ad-bb77-b05867026c3b" providerId="ADAL" clId="{9B244931-A4C9-49A3-B2E0-DF895F953819}" dt="2022-04-25T21:34:04.607" v="861" actId="478"/>
+          <ac:cxnSpMkLst>
+            <pc:docMk/>
+            <pc:sldMk cId="2557608554" sldId="262"/>
+            <ac:cxnSpMk id="44" creationId="{94984936-CC69-4A94-B059-C9DC5D8A487D}"/>
+          </ac:cxnSpMkLst>
+        </pc:cxnChg>
+        <pc:cxnChg chg="add">
+          <ac:chgData name="Qiaomeng Qin" userId="328cb899-176e-43ad-bb77-b05867026c3b" providerId="ADAL" clId="{9B244931-A4C9-49A3-B2E0-DF895F953819}" dt="2022-04-26T00:06:51.771" v="1068" actId="11529"/>
+          <ac:cxnSpMkLst>
+            <pc:docMk/>
+            <pc:sldMk cId="2557608554" sldId="262"/>
+            <ac:cxnSpMk id="47" creationId="{7DED4BCA-AF94-415E-9328-A2F9774FC5C9}"/>
+          </ac:cxnSpMkLst>
+        </pc:cxnChg>
+        <pc:cxnChg chg="add del mod">
+          <ac:chgData name="Qiaomeng Qin" userId="328cb899-176e-43ad-bb77-b05867026c3b" providerId="ADAL" clId="{9B244931-A4C9-49A3-B2E0-DF895F953819}" dt="2022-04-26T00:10:02.565" v="1160" actId="14100"/>
+          <ac:cxnSpMkLst>
+            <pc:docMk/>
+            <pc:sldMk cId="2557608554" sldId="262"/>
+            <ac:cxnSpMk id="50" creationId="{1353C268-7409-44A3-AE0E-3F30C078D449}"/>
+          </ac:cxnSpMkLst>
+        </pc:cxnChg>
+        <pc:cxnChg chg="add mod">
+          <ac:chgData name="Qiaomeng Qin" userId="328cb899-176e-43ad-bb77-b05867026c3b" providerId="ADAL" clId="{9B244931-A4C9-49A3-B2E0-DF895F953819}" dt="2022-04-26T00:09:08.262" v="1141" actId="478"/>
+          <ac:cxnSpMkLst>
+            <pc:docMk/>
+            <pc:sldMk cId="2557608554" sldId="262"/>
+            <ac:cxnSpMk id="54" creationId="{3743879C-54A0-4A6F-8CCD-37EB9F84597F}"/>
+          </ac:cxnSpMkLst>
+        </pc:cxnChg>
+        <pc:cxnChg chg="add mod">
+          <ac:chgData name="Qiaomeng Qin" userId="328cb899-176e-43ad-bb77-b05867026c3b" providerId="ADAL" clId="{9B244931-A4C9-49A3-B2E0-DF895F953819}" dt="2022-04-26T00:09:32.486" v="1149" actId="478"/>
+          <ac:cxnSpMkLst>
+            <pc:docMk/>
+            <pc:sldMk cId="2557608554" sldId="262"/>
+            <ac:cxnSpMk id="56" creationId="{D9D2C732-8C6C-443E-9E70-C2DC2F777DE9}"/>
+          </ac:cxnSpMkLst>
+        </pc:cxnChg>
+      </pc:sldChg>
+      <pc:sldChg chg="addSp delSp modSp add mod">
+        <pc:chgData name="Qiaomeng Qin" userId="328cb899-176e-43ad-bb77-b05867026c3b" providerId="ADAL" clId="{9B244931-A4C9-49A3-B2E0-DF895F953819}" dt="2022-04-26T01:23:33.856" v="1174" actId="1076"/>
+        <pc:sldMkLst>
+          <pc:docMk/>
+          <pc:sldMk cId="2604732055" sldId="262"/>
+        </pc:sldMkLst>
+        <pc:spChg chg="del">
+          <ac:chgData name="Qiaomeng Qin" userId="328cb899-176e-43ad-bb77-b05867026c3b" providerId="ADAL" clId="{9B244931-A4C9-49A3-B2E0-DF895F953819}" dt="2022-04-26T01:22:12.057" v="1163" actId="478"/>
+          <ac:spMkLst>
+            <pc:docMk/>
+            <pc:sldMk cId="2604732055" sldId="262"/>
+            <ac:spMk id="3" creationId="{F15A2B2F-B8D3-41E6-B34D-C5DBCFE8D0F1}"/>
+          </ac:spMkLst>
+        </pc:spChg>
+        <pc:spChg chg="del">
+          <ac:chgData name="Qiaomeng Qin" userId="328cb899-176e-43ad-bb77-b05867026c3b" providerId="ADAL" clId="{9B244931-A4C9-49A3-B2E0-DF895F953819}" dt="2022-04-26T01:22:12.057" v="1163" actId="478"/>
+          <ac:spMkLst>
+            <pc:docMk/>
+            <pc:sldMk cId="2604732055" sldId="262"/>
+            <ac:spMk id="5" creationId="{8E09BCD2-D26B-48F9-A64F-70DF6AD9108E}"/>
+          </ac:spMkLst>
+        </pc:spChg>
+        <pc:spChg chg="add mod">
+          <ac:chgData name="Qiaomeng Qin" userId="328cb899-176e-43ad-bb77-b05867026c3b" providerId="ADAL" clId="{9B244931-A4C9-49A3-B2E0-DF895F953819}" dt="2022-04-26T01:23:33.856" v="1174" actId="1076"/>
+          <ac:spMkLst>
+            <pc:docMk/>
+            <pc:sldMk cId="2604732055" sldId="262"/>
+            <ac:spMk id="11" creationId="{CB82F89D-55BC-405B-B78B-57AA5BA11B93}"/>
+          </ac:spMkLst>
+        </pc:spChg>
+        <pc:spChg chg="del">
+          <ac:chgData name="Qiaomeng Qin" userId="328cb899-176e-43ad-bb77-b05867026c3b" providerId="ADAL" clId="{9B244931-A4C9-49A3-B2E0-DF895F953819}" dt="2022-04-26T01:22:12.057" v="1163" actId="478"/>
+          <ac:spMkLst>
+            <pc:docMk/>
+            <pc:sldMk cId="2604732055" sldId="262"/>
+            <ac:spMk id="17" creationId="{92926D6A-90AE-4F22-926F-B96B06C8A8AA}"/>
+          </ac:spMkLst>
+        </pc:spChg>
+        <pc:spChg chg="del">
+          <ac:chgData name="Qiaomeng Qin" userId="328cb899-176e-43ad-bb77-b05867026c3b" providerId="ADAL" clId="{9B244931-A4C9-49A3-B2E0-DF895F953819}" dt="2022-04-26T01:22:12.057" v="1163" actId="478"/>
+          <ac:spMkLst>
+            <pc:docMk/>
+            <pc:sldMk cId="2604732055" sldId="262"/>
+            <ac:spMk id="18" creationId="{D68108F0-5DF3-4515-8B05-EA33C43F96DD}"/>
+          </ac:spMkLst>
+        </pc:spChg>
+        <pc:spChg chg="del">
+          <ac:chgData name="Qiaomeng Qin" userId="328cb899-176e-43ad-bb77-b05867026c3b" providerId="ADAL" clId="{9B244931-A4C9-49A3-B2E0-DF895F953819}" dt="2022-04-26T01:22:12.057" v="1163" actId="478"/>
+          <ac:spMkLst>
+            <pc:docMk/>
+            <pc:sldMk cId="2604732055" sldId="262"/>
+            <ac:spMk id="21" creationId="{90436025-D5FE-468E-AD13-D9E0B45E2428}"/>
+          </ac:spMkLst>
+        </pc:spChg>
+        <pc:spChg chg="del">
+          <ac:chgData name="Qiaomeng Qin" userId="328cb899-176e-43ad-bb77-b05867026c3b" providerId="ADAL" clId="{9B244931-A4C9-49A3-B2E0-DF895F953819}" dt="2022-04-26T01:22:12.057" v="1163" actId="478"/>
+          <ac:spMkLst>
+            <pc:docMk/>
+            <pc:sldMk cId="2604732055" sldId="262"/>
+            <ac:spMk id="22" creationId="{E1671549-247D-4DE7-A58E-E7EE1EFA6CD4}"/>
+          </ac:spMkLst>
+        </pc:spChg>
+        <pc:spChg chg="del">
+          <ac:chgData name="Qiaomeng Qin" userId="328cb899-176e-43ad-bb77-b05867026c3b" providerId="ADAL" clId="{9B244931-A4C9-49A3-B2E0-DF895F953819}" dt="2022-04-26T01:22:12.057" v="1163" actId="478"/>
+          <ac:spMkLst>
+            <pc:docMk/>
+            <pc:sldMk cId="2604732055" sldId="262"/>
+            <ac:spMk id="23" creationId="{7B905D9E-00B1-4A19-A205-C37C0E9DE129}"/>
+          </ac:spMkLst>
+        </pc:spChg>
+        <pc:spChg chg="del">
+          <ac:chgData name="Qiaomeng Qin" userId="328cb899-176e-43ad-bb77-b05867026c3b" providerId="ADAL" clId="{9B244931-A4C9-49A3-B2E0-DF895F953819}" dt="2022-04-26T01:22:12.057" v="1163" actId="478"/>
+          <ac:spMkLst>
+            <pc:docMk/>
+            <pc:sldMk cId="2604732055" sldId="262"/>
+            <ac:spMk id="26" creationId="{B675821A-3715-41E0-B39B-3963F8279B78}"/>
+          </ac:spMkLst>
+        </pc:spChg>
+        <pc:spChg chg="del">
+          <ac:chgData name="Qiaomeng Qin" userId="328cb899-176e-43ad-bb77-b05867026c3b" providerId="ADAL" clId="{9B244931-A4C9-49A3-B2E0-DF895F953819}" dt="2022-04-26T01:22:12.057" v="1163" actId="478"/>
+          <ac:spMkLst>
+            <pc:docMk/>
+            <pc:sldMk cId="2604732055" sldId="262"/>
+            <ac:spMk id="27" creationId="{2A186410-EFFD-4AD4-87E7-83743CF8C45A}"/>
+          </ac:spMkLst>
+        </pc:spChg>
+        <pc:spChg chg="del">
+          <ac:chgData name="Qiaomeng Qin" userId="328cb899-176e-43ad-bb77-b05867026c3b" providerId="ADAL" clId="{9B244931-A4C9-49A3-B2E0-DF895F953819}" dt="2022-04-26T01:22:12.057" v="1163" actId="478"/>
+          <ac:spMkLst>
+            <pc:docMk/>
+            <pc:sldMk cId="2604732055" sldId="262"/>
+            <ac:spMk id="32" creationId="{57452871-381B-47BA-9C8A-79B32DFBB3CE}"/>
+          </ac:spMkLst>
+        </pc:spChg>
+        <pc:spChg chg="del">
+          <ac:chgData name="Qiaomeng Qin" userId="328cb899-176e-43ad-bb77-b05867026c3b" providerId="ADAL" clId="{9B244931-A4C9-49A3-B2E0-DF895F953819}" dt="2022-04-26T01:22:12.057" v="1163" actId="478"/>
+          <ac:spMkLst>
+            <pc:docMk/>
+            <pc:sldMk cId="2604732055" sldId="262"/>
+            <ac:spMk id="33" creationId="{CA8881E7-B19C-41CB-B55F-1C13A05C3A7D}"/>
+          </ac:spMkLst>
+        </pc:spChg>
+        <pc:picChg chg="add mod">
+          <ac:chgData name="Qiaomeng Qin" userId="328cb899-176e-43ad-bb77-b05867026c3b" providerId="ADAL" clId="{9B244931-A4C9-49A3-B2E0-DF895F953819}" dt="2022-04-26T01:22:29.174" v="1168" actId="14100"/>
+          <ac:picMkLst>
+            <pc:docMk/>
+            <pc:sldMk cId="2604732055" sldId="262"/>
+            <ac:picMk id="24" creationId="{8CB07976-DA13-430F-9545-BA4F339D08FC}"/>
+          </ac:picMkLst>
+        </pc:picChg>
+        <pc:cxnChg chg="add mod">
+          <ac:chgData name="Qiaomeng Qin" userId="328cb899-176e-43ad-bb77-b05867026c3b" providerId="ADAL" clId="{9B244931-A4C9-49A3-B2E0-DF895F953819}" dt="2022-04-26T01:23:11.790" v="1170" actId="14100"/>
+          <ac:cxnSpMkLst>
+            <pc:docMk/>
+            <pc:sldMk cId="2604732055" sldId="262"/>
+            <ac:cxnSpMk id="4" creationId="{B8A4C3CC-7C99-4A11-8E93-F82668E151EC}"/>
+          </ac:cxnSpMkLst>
+        </pc:cxnChg>
+        <pc:cxnChg chg="del mod">
+          <ac:chgData name="Qiaomeng Qin" userId="328cb899-176e-43ad-bb77-b05867026c3b" providerId="ADAL" clId="{9B244931-A4C9-49A3-B2E0-DF895F953819}" dt="2022-04-26T01:22:12.057" v="1163" actId="478"/>
+          <ac:cxnSpMkLst>
+            <pc:docMk/>
+            <pc:sldMk cId="2604732055" sldId="262"/>
+            <ac:cxnSpMk id="8" creationId="{4E6A8D82-E9D2-4E04-9293-2A17E98026DE}"/>
+          </ac:cxnSpMkLst>
+        </pc:cxnChg>
+        <pc:cxnChg chg="add">
+          <ac:chgData name="Qiaomeng Qin" userId="328cb899-176e-43ad-bb77-b05867026c3b" providerId="ADAL" clId="{9B244931-A4C9-49A3-B2E0-DF895F953819}" dt="2022-04-26T01:23:20.426" v="1171" actId="11529"/>
+          <ac:cxnSpMkLst>
+            <pc:docMk/>
+            <pc:sldMk cId="2604732055" sldId="262"/>
+            <ac:cxnSpMk id="9" creationId="{5B92A6D2-8351-4AC8-9941-E4289E689B94}"/>
+          </ac:cxnSpMkLst>
+        </pc:cxnChg>
+        <pc:cxnChg chg="del mod">
+          <ac:chgData name="Qiaomeng Qin" userId="328cb899-176e-43ad-bb77-b05867026c3b" providerId="ADAL" clId="{9B244931-A4C9-49A3-B2E0-DF895F953819}" dt="2022-04-26T01:22:12.057" v="1163" actId="478"/>
+          <ac:cxnSpMkLst>
+            <pc:docMk/>
+            <pc:sldMk cId="2604732055" sldId="262"/>
+            <ac:cxnSpMk id="10" creationId="{20179110-48DA-4526-8E88-6613F24E3FEE}"/>
+          </ac:cxnSpMkLst>
+        </pc:cxnChg>
+        <pc:cxnChg chg="del mod">
+          <ac:chgData name="Qiaomeng Qin" userId="328cb899-176e-43ad-bb77-b05867026c3b" providerId="ADAL" clId="{9B244931-A4C9-49A3-B2E0-DF895F953819}" dt="2022-04-26T01:22:12.057" v="1163" actId="478"/>
+          <ac:cxnSpMkLst>
+            <pc:docMk/>
+            <pc:sldMk cId="2604732055" sldId="262"/>
+            <ac:cxnSpMk id="12" creationId="{04EB9C7C-1E94-4D9E-9D1D-336D7C0C6B5F}"/>
+          </ac:cxnSpMkLst>
+        </pc:cxnChg>
+        <pc:cxnChg chg="del mod">
+          <ac:chgData name="Qiaomeng Qin" userId="328cb899-176e-43ad-bb77-b05867026c3b" providerId="ADAL" clId="{9B244931-A4C9-49A3-B2E0-DF895F953819}" dt="2022-04-26T01:22:12.057" v="1163" actId="478"/>
+          <ac:cxnSpMkLst>
+            <pc:docMk/>
+            <pc:sldMk cId="2604732055" sldId="262"/>
+            <ac:cxnSpMk id="14" creationId="{E4CBEA0D-B2DC-4D6E-A37A-E18E99153AB4}"/>
+          </ac:cxnSpMkLst>
+        </pc:cxnChg>
+        <pc:cxnChg chg="del mod">
+          <ac:chgData name="Qiaomeng Qin" userId="328cb899-176e-43ad-bb77-b05867026c3b" providerId="ADAL" clId="{9B244931-A4C9-49A3-B2E0-DF895F953819}" dt="2022-04-26T01:22:12.057" v="1163" actId="478"/>
+          <ac:cxnSpMkLst>
+            <pc:docMk/>
+            <pc:sldMk cId="2604732055" sldId="262"/>
+            <ac:cxnSpMk id="34" creationId="{5C051368-532E-4972-AC96-1CED79973F39}"/>
+          </ac:cxnSpMkLst>
+        </pc:cxnChg>
+        <pc:cxnChg chg="del mod">
+          <ac:chgData name="Qiaomeng Qin" userId="328cb899-176e-43ad-bb77-b05867026c3b" providerId="ADAL" clId="{9B244931-A4C9-49A3-B2E0-DF895F953819}" dt="2022-04-26T01:22:12.057" v="1163" actId="478"/>
+          <ac:cxnSpMkLst>
+            <pc:docMk/>
+            <pc:sldMk cId="2604732055" sldId="262"/>
+            <ac:cxnSpMk id="36" creationId="{F8854150-3587-479B-B4FA-29639C083873}"/>
+          </ac:cxnSpMkLst>
+        </pc:cxnChg>
+        <pc:cxnChg chg="del mod">
+          <ac:chgData name="Qiaomeng Qin" userId="328cb899-176e-43ad-bb77-b05867026c3b" providerId="ADAL" clId="{9B244931-A4C9-49A3-B2E0-DF895F953819}" dt="2022-04-26T01:22:12.057" v="1163" actId="478"/>
+          <ac:cxnSpMkLst>
+            <pc:docMk/>
+            <pc:sldMk cId="2604732055" sldId="262"/>
+            <ac:cxnSpMk id="38" creationId="{87ED1AF0-8495-4342-B509-6667DF0B55DF}"/>
+          </ac:cxnSpMkLst>
+        </pc:cxnChg>
+        <pc:cxnChg chg="del mod">
+          <ac:chgData name="Qiaomeng Qin" userId="328cb899-176e-43ad-bb77-b05867026c3b" providerId="ADAL" clId="{9B244931-A4C9-49A3-B2E0-DF895F953819}" dt="2022-04-26T01:22:12.057" v="1163" actId="478"/>
+          <ac:cxnSpMkLst>
+            <pc:docMk/>
+            <pc:sldMk cId="2604732055" sldId="262"/>
+            <ac:cxnSpMk id="40" creationId="{A467F44F-A2CE-456A-87F9-9018F29627D6}"/>
+          </ac:cxnSpMkLst>
+        </pc:cxnChg>
+        <pc:cxnChg chg="del mod">
+          <ac:chgData name="Qiaomeng Qin" userId="328cb899-176e-43ad-bb77-b05867026c3b" providerId="ADAL" clId="{9B244931-A4C9-49A3-B2E0-DF895F953819}" dt="2022-04-26T01:22:12.057" v="1163" actId="478"/>
+          <ac:cxnSpMkLst>
+            <pc:docMk/>
+            <pc:sldMk cId="2604732055" sldId="262"/>
+            <ac:cxnSpMk id="42" creationId="{A6FBB3D6-24F5-42CF-93C5-2C60933D6189}"/>
+          </ac:cxnSpMkLst>
+        </pc:cxnChg>
+        <pc:cxnChg chg="del mod">
+          <ac:chgData name="Qiaomeng Qin" userId="328cb899-176e-43ad-bb77-b05867026c3b" providerId="ADAL" clId="{9B244931-A4C9-49A3-B2E0-DF895F953819}" dt="2022-04-26T01:22:12.057" v="1163" actId="478"/>
+          <ac:cxnSpMkLst>
+            <pc:docMk/>
+            <pc:sldMk cId="2604732055" sldId="262"/>
+            <ac:cxnSpMk id="44" creationId="{94984936-CC69-4A94-B059-C9DC5D8A487D}"/>
+          </ac:cxnSpMkLst>
+        </pc:cxnChg>
+      </pc:sldChg>
+      <pc:sldChg chg="add del">
+        <pc:chgData name="Qiaomeng Qin" userId="328cb899-176e-43ad-bb77-b05867026c3b" providerId="ADAL" clId="{9B244931-A4C9-49A3-B2E0-DF895F953819}" dt="2022-04-26T01:22:14.532" v="1165"/>
+        <pc:sldMkLst>
+          <pc:docMk/>
+          <pc:sldMk cId="68423962" sldId="263"/>
+        </pc:sldMkLst>
+      </pc:sldChg>
+      <pc:sldChg chg="addSp delSp modSp add mod">
+        <pc:chgData name="Qiaomeng Qin" userId="328cb899-176e-43ad-bb77-b05867026c3b" providerId="ADAL" clId="{9B244931-A4C9-49A3-B2E0-DF895F953819}" dt="2022-04-26T17:33:57.094" v="1234" actId="29295"/>
+        <pc:sldMkLst>
+          <pc:docMk/>
+          <pc:sldMk cId="2683392758" sldId="263"/>
+        </pc:sldMkLst>
+        <pc:spChg chg="add mod">
+          <ac:chgData name="Qiaomeng Qin" userId="328cb899-176e-43ad-bb77-b05867026c3b" providerId="ADAL" clId="{9B244931-A4C9-49A3-B2E0-DF895F953819}" dt="2022-04-26T17:31:23.309" v="1219" actId="1076"/>
+          <ac:spMkLst>
+            <pc:docMk/>
+            <pc:sldMk cId="2683392758" sldId="263"/>
+            <ac:spMk id="2" creationId="{4F13E25E-EAB1-4AB0-80EF-6873BDA9E3FE}"/>
+          </ac:spMkLst>
+        </pc:spChg>
+        <pc:spChg chg="add mod">
+          <ac:chgData name="Qiaomeng Qin" userId="328cb899-176e-43ad-bb77-b05867026c3b" providerId="ADAL" clId="{9B244931-A4C9-49A3-B2E0-DF895F953819}" dt="2022-04-26T17:31:27.768" v="1220" actId="1076"/>
+          <ac:spMkLst>
+            <pc:docMk/>
+            <pc:sldMk cId="2683392758" sldId="263"/>
+            <ac:spMk id="4" creationId="{DF4D063D-7EFF-4AB8-940B-64D64DCAABED}"/>
+          </ac:spMkLst>
+        </pc:spChg>
+        <pc:spChg chg="add mod">
+          <ac:chgData name="Qiaomeng Qin" userId="328cb899-176e-43ad-bb77-b05867026c3b" providerId="ADAL" clId="{9B244931-A4C9-49A3-B2E0-DF895F953819}" dt="2022-04-26T17:32:16.410" v="1230" actId="688"/>
+          <ac:spMkLst>
+            <pc:docMk/>
+            <pc:sldMk cId="2683392758" sldId="263"/>
+            <ac:spMk id="12" creationId="{1FA3AC01-EF45-4BB7-B947-0577F17A76D8}"/>
+          </ac:spMkLst>
+        </pc:spChg>
+        <pc:spChg chg="add del mod">
+          <ac:chgData name="Qiaomeng Qin" userId="328cb899-176e-43ad-bb77-b05867026c3b" providerId="ADAL" clId="{9B244931-A4C9-49A3-B2E0-DF895F953819}" dt="2022-04-26T17:32:08.345" v="1227"/>
+          <ac:spMkLst>
+            <pc:docMk/>
+            <pc:sldMk cId="2683392758" sldId="263"/>
+            <ac:spMk id="14" creationId="{5AA25CDD-729C-4F4B-BBE0-AF24AEF1F0DA}"/>
+          </ac:spMkLst>
+        </pc:spChg>
+        <pc:picChg chg="mod">
+          <ac:chgData name="Qiaomeng Qin" userId="328cb899-176e-43ad-bb77-b05867026c3b" providerId="ADAL" clId="{9B244931-A4C9-49A3-B2E0-DF895F953819}" dt="2022-04-26T17:31:31.824" v="1221" actId="1076"/>
+          <ac:picMkLst>
+            <pc:docMk/>
+            <pc:sldMk cId="2683392758" sldId="263"/>
+            <ac:picMk id="3" creationId="{234392E9-1242-486E-B450-AD4678884D77}"/>
+          </ac:picMkLst>
+        </pc:picChg>
+        <pc:picChg chg="add mod ord">
+          <ac:chgData name="Qiaomeng Qin" userId="328cb899-176e-43ad-bb77-b05867026c3b" providerId="ADAL" clId="{9B244931-A4C9-49A3-B2E0-DF895F953819}" dt="2022-04-26T17:33:18.474" v="1232" actId="688"/>
+          <ac:picMkLst>
+            <pc:docMk/>
+            <pc:sldMk cId="2683392758" sldId="263"/>
+            <ac:picMk id="9" creationId="{3B77A2F2-267E-4268-8441-D8CCA66DE8FB}"/>
+          </ac:picMkLst>
+        </pc:picChg>
+        <pc:picChg chg="mod">
+          <ac:chgData name="Qiaomeng Qin" userId="328cb899-176e-43ad-bb77-b05867026c3b" providerId="ADAL" clId="{9B244931-A4C9-49A3-B2E0-DF895F953819}" dt="2022-04-26T17:29:37.993" v="1208" actId="1076"/>
+          <ac:picMkLst>
+            <pc:docMk/>
+            <pc:sldMk cId="2683392758" sldId="263"/>
+            <ac:picMk id="11" creationId="{2A8C0943-1F6F-4360-BE10-A3A8FEAA82D1}"/>
+          </ac:picMkLst>
+        </pc:picChg>
+        <pc:picChg chg="mod ord">
+          <ac:chgData name="Qiaomeng Qin" userId="328cb899-176e-43ad-bb77-b05867026c3b" providerId="ADAL" clId="{9B244931-A4C9-49A3-B2E0-DF895F953819}" dt="2022-04-26T17:33:57.094" v="1234" actId="29295"/>
+          <ac:picMkLst>
+            <pc:docMk/>
+            <pc:sldMk cId="2683392758" sldId="263"/>
+            <ac:picMk id="13" creationId="{5FA99A35-60E8-4580-9D95-4953C21589B4}"/>
+          </ac:picMkLst>
+        </pc:picChg>
+        <pc:cxnChg chg="del">
+          <ac:chgData name="Qiaomeng Qin" userId="328cb899-176e-43ad-bb77-b05867026c3b" providerId="ADAL" clId="{9B244931-A4C9-49A3-B2E0-DF895F953819}" dt="2022-04-26T17:28:19.329" v="1187" actId="478"/>
+          <ac:cxnSpMkLst>
+            <pc:docMk/>
+            <pc:sldMk cId="2683392758" sldId="263"/>
+            <ac:cxnSpMk id="8" creationId="{F5C6A179-5D48-405A-ABAA-8293FA36DC90}"/>
+          </ac:cxnSpMkLst>
+        </pc:cxnChg>
+      </pc:sldChg>
+      <pc:sldChg chg="delSp modSp add mod">
+        <pc:chgData name="Qiaomeng Qin" userId="328cb899-176e-43ad-bb77-b05867026c3b" providerId="ADAL" clId="{9B244931-A4C9-49A3-B2E0-DF895F953819}" dt="2022-04-26T17:37:13.005" v="1241" actId="1076"/>
+        <pc:sldMkLst>
+          <pc:docMk/>
+          <pc:sldMk cId="3579796908" sldId="264"/>
+        </pc:sldMkLst>
+        <pc:spChg chg="del">
+          <ac:chgData name="Qiaomeng Qin" userId="328cb899-176e-43ad-bb77-b05867026c3b" providerId="ADAL" clId="{9B244931-A4C9-49A3-B2E0-DF895F953819}" dt="2022-04-26T17:34:29.304" v="1238" actId="478"/>
+          <ac:spMkLst>
+            <pc:docMk/>
+            <pc:sldMk cId="3579796908" sldId="264"/>
+            <ac:spMk id="2" creationId="{4F13E25E-EAB1-4AB0-80EF-6873BDA9E3FE}"/>
+          </ac:spMkLst>
+        </pc:spChg>
+        <pc:spChg chg="mod">
+          <ac:chgData name="Qiaomeng Qin" userId="328cb899-176e-43ad-bb77-b05867026c3b" providerId="ADAL" clId="{9B244931-A4C9-49A3-B2E0-DF895F953819}" dt="2022-04-26T17:34:31.122" v="1239" actId="1076"/>
+          <ac:spMkLst>
+            <pc:docMk/>
+            <pc:sldMk cId="3579796908" sldId="264"/>
+            <ac:spMk id="4" creationId="{DF4D063D-7EFF-4AB8-940B-64D64DCAABED}"/>
+          </ac:spMkLst>
+        </pc:spChg>
+        <pc:spChg chg="mod">
+          <ac:chgData name="Qiaomeng Qin" userId="328cb899-176e-43ad-bb77-b05867026c3b" providerId="ADAL" clId="{9B244931-A4C9-49A3-B2E0-DF895F953819}" dt="2022-04-26T17:37:13.005" v="1241" actId="1076"/>
+          <ac:spMkLst>
+            <pc:docMk/>
+            <pc:sldMk cId="3579796908" sldId="264"/>
+            <ac:spMk id="26" creationId="{D00019D4-773A-4761-96FB-F63CF0621765}"/>
+          </ac:spMkLst>
+        </pc:spChg>
+        <pc:picChg chg="mod">
+          <ac:chgData name="Qiaomeng Qin" userId="328cb899-176e-43ad-bb77-b05867026c3b" providerId="ADAL" clId="{9B244931-A4C9-49A3-B2E0-DF895F953819}" dt="2022-04-26T17:34:27.634" v="1237" actId="29295"/>
+          <ac:picMkLst>
+            <pc:docMk/>
+            <pc:sldMk cId="3579796908" sldId="264"/>
+            <ac:picMk id="9" creationId="{3B77A2F2-267E-4268-8441-D8CCA66DE8FB}"/>
+          </ac:picMkLst>
+        </pc:picChg>
+        <pc:picChg chg="mod">
+          <ac:chgData name="Qiaomeng Qin" userId="328cb899-176e-43ad-bb77-b05867026c3b" providerId="ADAL" clId="{9B244931-A4C9-49A3-B2E0-DF895F953819}" dt="2022-04-26T17:34:33.790" v="1240" actId="1076"/>
+          <ac:picMkLst>
+            <pc:docMk/>
+            <pc:sldMk cId="3579796908" sldId="264"/>
+            <ac:picMk id="11" creationId="{2A8C0943-1F6F-4360-BE10-A3A8FEAA82D1}"/>
+          </ac:picMkLst>
+        </pc:picChg>
+        <pc:picChg chg="del">
+          <ac:chgData name="Qiaomeng Qin" userId="328cb899-176e-43ad-bb77-b05867026c3b" providerId="ADAL" clId="{9B244931-A4C9-49A3-B2E0-DF895F953819}" dt="2022-04-26T17:34:23.208" v="1236" actId="478"/>
+          <ac:picMkLst>
+            <pc:docMk/>
+            <pc:sldMk cId="3579796908" sldId="264"/>
+            <ac:picMk id="13" creationId="{5FA99A35-60E8-4580-9D95-4953C21589B4}"/>
+          </ac:picMkLst>
+        </pc:picChg>
+      </pc:sldChg>
+      <pc:sldChg chg="addSp delSp modSp add mod">
+        <pc:chgData name="Qiaomeng Qin" userId="328cb899-176e-43ad-bb77-b05867026c3b" providerId="ADAL" clId="{9B244931-A4C9-49A3-B2E0-DF895F953819}" dt="2022-04-26T18:08:58.900" v="1255" actId="20577"/>
+        <pc:sldMkLst>
+          <pc:docMk/>
+          <pc:sldMk cId="3991481422" sldId="265"/>
+        </pc:sldMkLst>
+        <pc:spChg chg="add mod">
+          <ac:chgData name="Qiaomeng Qin" userId="328cb899-176e-43ad-bb77-b05867026c3b" providerId="ADAL" clId="{9B244931-A4C9-49A3-B2E0-DF895F953819}" dt="2022-04-26T18:08:36.979" v="1249" actId="20577"/>
+          <ac:spMkLst>
+            <pc:docMk/>
+            <pc:sldMk cId="3991481422" sldId="265"/>
+            <ac:spMk id="5" creationId="{56F828FD-DD0F-4756-BAFE-EDD66D7FBBEC}"/>
+          </ac:spMkLst>
+        </pc:spChg>
+        <pc:spChg chg="add mod">
+          <ac:chgData name="Qiaomeng Qin" userId="328cb899-176e-43ad-bb77-b05867026c3b" providerId="ADAL" clId="{9B244931-A4C9-49A3-B2E0-DF895F953819}" dt="2022-04-26T18:08:44.403" v="1251" actId="20577"/>
+          <ac:spMkLst>
+            <pc:docMk/>
+            <pc:sldMk cId="3991481422" sldId="265"/>
+            <ac:spMk id="6" creationId="{30E0B7EF-68DD-4E7F-8981-B9FFE557A9EE}"/>
+          </ac:spMkLst>
+        </pc:spChg>
+        <pc:spChg chg="add mod">
+          <ac:chgData name="Qiaomeng Qin" userId="328cb899-176e-43ad-bb77-b05867026c3b" providerId="ADAL" clId="{9B244931-A4C9-49A3-B2E0-DF895F953819}" dt="2022-04-26T18:08:51.763" v="1253" actId="20577"/>
+          <ac:spMkLst>
+            <pc:docMk/>
+            <pc:sldMk cId="3991481422" sldId="265"/>
+            <ac:spMk id="7" creationId="{E6322717-83D5-4597-8C81-8F90BA56A5B8}"/>
+          </ac:spMkLst>
+        </pc:spChg>
+        <pc:spChg chg="add mod">
+          <ac:chgData name="Qiaomeng Qin" userId="328cb899-176e-43ad-bb77-b05867026c3b" providerId="ADAL" clId="{9B244931-A4C9-49A3-B2E0-DF895F953819}" dt="2022-04-26T18:08:58.900" v="1255" actId="20577"/>
+          <ac:spMkLst>
+            <pc:docMk/>
+            <pc:sldMk cId="3991481422" sldId="265"/>
+            <ac:spMk id="8" creationId="{2F64E187-1A55-440B-88F0-F322859BF9CC}"/>
+          </ac:spMkLst>
+        </pc:spChg>
+        <pc:spChg chg="mod">
+          <ac:chgData name="Qiaomeng Qin" userId="328cb899-176e-43ad-bb77-b05867026c3b" providerId="ADAL" clId="{9B244931-A4C9-49A3-B2E0-DF895F953819}" dt="2022-04-26T18:08:20.117" v="1247" actId="688"/>
+          <ac:spMkLst>
+            <pc:docMk/>
+            <pc:sldMk cId="3991481422" sldId="265"/>
+            <ac:spMk id="11" creationId="{CB82F89D-55BC-405B-B78B-57AA5BA11B93}"/>
+          </ac:spMkLst>
+        </pc:spChg>
+        <pc:picChg chg="del mod">
+          <ac:chgData name="Qiaomeng Qin" userId="328cb899-176e-43ad-bb77-b05867026c3b" providerId="ADAL" clId="{9B244931-A4C9-49A3-B2E0-DF895F953819}" dt="2022-04-26T18:08:10.754" v="1244" actId="478"/>
+          <ac:picMkLst>
+            <pc:docMk/>
+            <pc:sldMk cId="3991481422" sldId="265"/>
+            <ac:picMk id="24" creationId="{8CB07976-DA13-430F-9545-BA4F339D08FC}"/>
+          </ac:picMkLst>
+        </pc:picChg>
+        <pc:cxnChg chg="mod">
+          <ac:chgData name="Qiaomeng Qin" userId="328cb899-176e-43ad-bb77-b05867026c3b" providerId="ADAL" clId="{9B244931-A4C9-49A3-B2E0-DF895F953819}" dt="2022-04-26T18:08:20.117" v="1247" actId="688"/>
+          <ac:cxnSpMkLst>
+            <pc:docMk/>
+            <pc:sldMk cId="3991481422" sldId="265"/>
+            <ac:cxnSpMk id="4" creationId="{B8A4C3CC-7C99-4A11-8E93-F82668E151EC}"/>
+          </ac:cxnSpMkLst>
+        </pc:cxnChg>
+        <pc:cxnChg chg="mod">
+          <ac:chgData name="Qiaomeng Qin" userId="328cb899-176e-43ad-bb77-b05867026c3b" providerId="ADAL" clId="{9B244931-A4C9-49A3-B2E0-DF895F953819}" dt="2022-04-26T18:08:20.117" v="1247" actId="688"/>
+          <ac:cxnSpMkLst>
+            <pc:docMk/>
+            <pc:sldMk cId="3991481422" sldId="265"/>
+            <ac:cxnSpMk id="9" creationId="{5B92A6D2-8351-4AC8-9941-E4289E689B94}"/>
           </ac:cxnSpMkLst>
         </pc:cxnChg>
       </pc:sldChg>
@@ -1209,7 +2191,7 @@
           <a:p>
             <a:fld id="{15C0F0F9-1500-4F85-90EA-D7F00D29E5E6}" type="datetimeFigureOut">
               <a:rPr lang="en-US" smtClean="0"/>
-              <a:t>4/18/2022</a:t>
+              <a:t>4/26/2022</a:t>
             </a:fld>
             <a:endParaRPr lang="en-US"/>
           </a:p>
@@ -1407,7 +2389,7 @@
           <a:p>
             <a:fld id="{15C0F0F9-1500-4F85-90EA-D7F00D29E5E6}" type="datetimeFigureOut">
               <a:rPr lang="en-US" smtClean="0"/>
-              <a:t>4/18/2022</a:t>
+              <a:t>4/26/2022</a:t>
             </a:fld>
             <a:endParaRPr lang="en-US"/>
           </a:p>
@@ -1615,7 +2597,7 @@
           <a:p>
             <a:fld id="{15C0F0F9-1500-4F85-90EA-D7F00D29E5E6}" type="datetimeFigureOut">
               <a:rPr lang="en-US" smtClean="0"/>
-              <a:t>4/18/2022</a:t>
+              <a:t>4/26/2022</a:t>
             </a:fld>
             <a:endParaRPr lang="en-US"/>
           </a:p>
@@ -1813,7 +2795,7 @@
           <a:p>
             <a:fld id="{15C0F0F9-1500-4F85-90EA-D7F00D29E5E6}" type="datetimeFigureOut">
               <a:rPr lang="en-US" smtClean="0"/>
-              <a:t>4/18/2022</a:t>
+              <a:t>4/26/2022</a:t>
             </a:fld>
             <a:endParaRPr lang="en-US"/>
           </a:p>
@@ -2088,7 +3070,7 @@
           <a:p>
             <a:fld id="{15C0F0F9-1500-4F85-90EA-D7F00D29E5E6}" type="datetimeFigureOut">
               <a:rPr lang="en-US" smtClean="0"/>
-              <a:t>4/18/2022</a:t>
+              <a:t>4/26/2022</a:t>
             </a:fld>
             <a:endParaRPr lang="en-US"/>
           </a:p>
@@ -2353,7 +3335,7 @@
           <a:p>
             <a:fld id="{15C0F0F9-1500-4F85-90EA-D7F00D29E5E6}" type="datetimeFigureOut">
               <a:rPr lang="en-US" smtClean="0"/>
-              <a:t>4/18/2022</a:t>
+              <a:t>4/26/2022</a:t>
             </a:fld>
             <a:endParaRPr lang="en-US"/>
           </a:p>
@@ -2765,7 +3747,7 @@
           <a:p>
             <a:fld id="{15C0F0F9-1500-4F85-90EA-D7F00D29E5E6}" type="datetimeFigureOut">
               <a:rPr lang="en-US" smtClean="0"/>
-              <a:t>4/18/2022</a:t>
+              <a:t>4/26/2022</a:t>
             </a:fld>
             <a:endParaRPr lang="en-US"/>
           </a:p>
@@ -2906,7 +3888,7 @@
           <a:p>
             <a:fld id="{15C0F0F9-1500-4F85-90EA-D7F00D29E5E6}" type="datetimeFigureOut">
               <a:rPr lang="en-US" smtClean="0"/>
-              <a:t>4/18/2022</a:t>
+              <a:t>4/26/2022</a:t>
             </a:fld>
             <a:endParaRPr lang="en-US"/>
           </a:p>
@@ -3019,7 +4001,7 @@
           <a:p>
             <a:fld id="{15C0F0F9-1500-4F85-90EA-D7F00D29E5E6}" type="datetimeFigureOut">
               <a:rPr lang="en-US" smtClean="0"/>
-              <a:t>4/18/2022</a:t>
+              <a:t>4/26/2022</a:t>
             </a:fld>
             <a:endParaRPr lang="en-US"/>
           </a:p>
@@ -3330,7 +4312,7 @@
           <a:p>
             <a:fld id="{15C0F0F9-1500-4F85-90EA-D7F00D29E5E6}" type="datetimeFigureOut">
               <a:rPr lang="en-US" smtClean="0"/>
-              <a:t>4/18/2022</a:t>
+              <a:t>4/26/2022</a:t>
             </a:fld>
             <a:endParaRPr lang="en-US"/>
           </a:p>
@@ -3618,7 +4600,7 @@
           <a:p>
             <a:fld id="{15C0F0F9-1500-4F85-90EA-D7F00D29E5E6}" type="datetimeFigureOut">
               <a:rPr lang="en-US" smtClean="0"/>
-              <a:t>4/18/2022</a:t>
+              <a:t>4/26/2022</a:t>
             </a:fld>
             <a:endParaRPr lang="en-US"/>
           </a:p>
@@ -3859,7 +4841,7 @@
           <a:p>
             <a:fld id="{15C0F0F9-1500-4F85-90EA-D7F00D29E5E6}" type="datetimeFigureOut">
               <a:rPr lang="en-US" smtClean="0"/>
-              <a:t>4/18/2022</a:t>
+              <a:t>4/26/2022</a:t>
             </a:fld>
             <a:endParaRPr lang="en-US"/>
           </a:p>
@@ -6556,6 +7538,298 @@
 </p:sld>
 </file>
 
+<file path=ppt/slides/slide10.xml><?xml version="1.0" encoding="utf-8"?>
+<p:sld xmlns:a="http://schemas.openxmlformats.org/drawingml/2006/main" xmlns:r="http://schemas.openxmlformats.org/officeDocument/2006/relationships" xmlns:p="http://schemas.openxmlformats.org/presentationml/2006/main">
+  <p:cSld>
+    <p:spTree>
+      <p:nvGrpSpPr>
+        <p:cNvPr id="1" name=""/>
+        <p:cNvGrpSpPr/>
+        <p:nvPr/>
+      </p:nvGrpSpPr>
+      <p:grpSpPr>
+        <a:xfrm>
+          <a:off x="0" y="0"/>
+          <a:ext cx="0" cy="0"/>
+          <a:chOff x="0" y="0"/>
+          <a:chExt cx="0" cy="0"/>
+        </a:xfrm>
+      </p:grpSpPr>
+      <p:cxnSp>
+        <p:nvCxnSpPr>
+          <p:cNvPr id="4" name="Straight Connector 3">
+            <a:extLst>
+              <a:ext uri="{FF2B5EF4-FFF2-40B4-BE49-F238E27FC236}">
+                <a16:creationId xmlns:a16="http://schemas.microsoft.com/office/drawing/2014/main" id="{B8A4C3CC-7C99-4A11-8E93-F82668E151EC}"/>
+              </a:ext>
+            </a:extLst>
+          </p:cNvPr>
+          <p:cNvCxnSpPr>
+            <a:cxnSpLocks/>
+          </p:cNvCxnSpPr>
+          <p:nvPr/>
+        </p:nvCxnSpPr>
+        <p:spPr>
+          <a:xfrm>
+            <a:off x="4247535" y="3156154"/>
+            <a:ext cx="4876800" cy="1641987"/>
+          </a:xfrm>
+          <a:prstGeom prst="line">
+            <a:avLst/>
+          </a:prstGeom>
+        </p:spPr>
+        <p:style>
+          <a:lnRef idx="1">
+            <a:schemeClr val="accent1"/>
+          </a:lnRef>
+          <a:fillRef idx="0">
+            <a:schemeClr val="accent1"/>
+          </a:fillRef>
+          <a:effectRef idx="0">
+            <a:schemeClr val="accent1"/>
+          </a:effectRef>
+          <a:fontRef idx="minor">
+            <a:schemeClr val="tx1"/>
+          </a:fontRef>
+        </p:style>
+      </p:cxnSp>
+      <p:cxnSp>
+        <p:nvCxnSpPr>
+          <p:cNvPr id="9" name="Straight Connector 8">
+            <a:extLst>
+              <a:ext uri="{FF2B5EF4-FFF2-40B4-BE49-F238E27FC236}">
+                <a16:creationId xmlns:a16="http://schemas.microsoft.com/office/drawing/2014/main" id="{5B92A6D2-8351-4AC8-9941-E4289E689B94}"/>
+              </a:ext>
+            </a:extLst>
+          </p:cNvPr>
+          <p:cNvCxnSpPr>
+            <a:cxnSpLocks/>
+          </p:cNvCxnSpPr>
+          <p:nvPr/>
+        </p:nvCxnSpPr>
+        <p:spPr>
+          <a:xfrm flipV="1">
+            <a:off x="5378245" y="2487561"/>
+            <a:ext cx="344129" cy="961103"/>
+          </a:xfrm>
+          <a:prstGeom prst="line">
+            <a:avLst/>
+          </a:prstGeom>
+        </p:spPr>
+        <p:style>
+          <a:lnRef idx="1">
+            <a:schemeClr val="accent1"/>
+          </a:lnRef>
+          <a:fillRef idx="0">
+            <a:schemeClr val="accent1"/>
+          </a:fillRef>
+          <a:effectRef idx="0">
+            <a:schemeClr val="accent1"/>
+          </a:effectRef>
+          <a:fontRef idx="minor">
+            <a:schemeClr val="tx1"/>
+          </a:fontRef>
+        </p:style>
+      </p:cxnSp>
+      <p:sp>
+        <p:nvSpPr>
+          <p:cNvPr id="11" name="Rectangle 10">
+            <a:extLst>
+              <a:ext uri="{FF2B5EF4-FFF2-40B4-BE49-F238E27FC236}">
+                <a16:creationId xmlns:a16="http://schemas.microsoft.com/office/drawing/2014/main" id="{CB82F89D-55BC-405B-B78B-57AA5BA11B93}"/>
+              </a:ext>
+            </a:extLst>
+          </p:cNvPr>
+          <p:cNvSpPr/>
+          <p:nvPr/>
+        </p:nvSpPr>
+        <p:spPr>
+          <a:xfrm rot="1189142">
+            <a:off x="5378245" y="3419564"/>
+            <a:ext cx="157316" cy="140110"/>
+          </a:xfrm>
+          <a:prstGeom prst="rect">
+            <a:avLst/>
+          </a:prstGeom>
+        </p:spPr>
+        <p:style>
+          <a:lnRef idx="2">
+            <a:schemeClr val="accent1">
+              <a:shade val="50000"/>
+            </a:schemeClr>
+          </a:lnRef>
+          <a:fillRef idx="1">
+            <a:schemeClr val="accent1"/>
+          </a:fillRef>
+          <a:effectRef idx="0">
+            <a:schemeClr val="accent1"/>
+          </a:effectRef>
+          <a:fontRef idx="minor">
+            <a:schemeClr val="lt1"/>
+          </a:fontRef>
+        </p:style>
+        <p:txBody>
+          <a:bodyPr rtlCol="0" anchor="ctr"/>
+          <a:lstStyle/>
+          <a:p>
+            <a:pPr algn="ctr"/>
+            <a:endParaRPr lang="en-US"/>
+          </a:p>
+        </p:txBody>
+      </p:sp>
+      <p:sp>
+        <p:nvSpPr>
+          <p:cNvPr id="5" name="TextBox 4">
+            <a:extLst>
+              <a:ext uri="{FF2B5EF4-FFF2-40B4-BE49-F238E27FC236}">
+                <a16:creationId xmlns:a16="http://schemas.microsoft.com/office/drawing/2014/main" id="{56F828FD-DD0F-4756-BAFE-EDD66D7FBBEC}"/>
+              </a:ext>
+            </a:extLst>
+          </p:cNvPr>
+          <p:cNvSpPr txBox="1"/>
+          <p:nvPr/>
+        </p:nvSpPr>
+        <p:spPr>
+          <a:xfrm>
+            <a:off x="6902245" y="3824748"/>
+            <a:ext cx="294968" cy="369332"/>
+          </a:xfrm>
+          <a:prstGeom prst="rect">
+            <a:avLst/>
+          </a:prstGeom>
+          <a:noFill/>
+        </p:spPr>
+        <p:txBody>
+          <a:bodyPr wrap="square" rtlCol="0">
+            <a:spAutoFit/>
+          </a:bodyPr>
+          <a:lstStyle/>
+          <a:p>
+            <a:r>
+              <a:rPr lang="en-US" dirty="0"/>
+              <a:t>A</a:t>
+            </a:r>
+          </a:p>
+        </p:txBody>
+      </p:sp>
+      <p:sp>
+        <p:nvSpPr>
+          <p:cNvPr id="6" name="TextBox 5">
+            <a:extLst>
+              <a:ext uri="{FF2B5EF4-FFF2-40B4-BE49-F238E27FC236}">
+                <a16:creationId xmlns:a16="http://schemas.microsoft.com/office/drawing/2014/main" id="{30E0B7EF-68DD-4E7F-8981-B9FFE557A9EE}"/>
+              </a:ext>
+            </a:extLst>
+          </p:cNvPr>
+          <p:cNvSpPr txBox="1"/>
+          <p:nvPr/>
+        </p:nvSpPr>
+        <p:spPr>
+          <a:xfrm>
+            <a:off x="8996516" y="4630994"/>
+            <a:ext cx="265471" cy="369332"/>
+          </a:xfrm>
+          <a:prstGeom prst="rect">
+            <a:avLst/>
+          </a:prstGeom>
+          <a:noFill/>
+        </p:spPr>
+        <p:txBody>
+          <a:bodyPr wrap="square" rtlCol="0">
+            <a:spAutoFit/>
+          </a:bodyPr>
+          <a:lstStyle/>
+          <a:p>
+            <a:r>
+              <a:rPr lang="en-US" dirty="0"/>
+              <a:t>B</a:t>
+            </a:r>
+          </a:p>
+        </p:txBody>
+      </p:sp>
+      <p:sp>
+        <p:nvSpPr>
+          <p:cNvPr id="7" name="TextBox 6">
+            <a:extLst>
+              <a:ext uri="{FF2B5EF4-FFF2-40B4-BE49-F238E27FC236}">
+                <a16:creationId xmlns:a16="http://schemas.microsoft.com/office/drawing/2014/main" id="{E6322717-83D5-4597-8C81-8F90BA56A5B8}"/>
+              </a:ext>
+            </a:extLst>
+          </p:cNvPr>
+          <p:cNvSpPr txBox="1"/>
+          <p:nvPr/>
+        </p:nvSpPr>
+        <p:spPr>
+          <a:xfrm>
+            <a:off x="5722374" y="2212258"/>
+            <a:ext cx="226142" cy="369332"/>
+          </a:xfrm>
+          <a:prstGeom prst="rect">
+            <a:avLst/>
+          </a:prstGeom>
+          <a:noFill/>
+        </p:spPr>
+        <p:txBody>
+          <a:bodyPr wrap="square" rtlCol="0">
+            <a:spAutoFit/>
+          </a:bodyPr>
+          <a:lstStyle/>
+          <a:p>
+            <a:r>
+              <a:rPr lang="en-US" dirty="0"/>
+              <a:t>C</a:t>
+            </a:r>
+          </a:p>
+        </p:txBody>
+      </p:sp>
+      <p:sp>
+        <p:nvSpPr>
+          <p:cNvPr id="8" name="TextBox 7">
+            <a:extLst>
+              <a:ext uri="{FF2B5EF4-FFF2-40B4-BE49-F238E27FC236}">
+                <a16:creationId xmlns:a16="http://schemas.microsoft.com/office/drawing/2014/main" id="{2F64E187-1A55-440B-88F0-F322859BF9CC}"/>
+              </a:ext>
+            </a:extLst>
+          </p:cNvPr>
+          <p:cNvSpPr txBox="1"/>
+          <p:nvPr/>
+        </p:nvSpPr>
+        <p:spPr>
+          <a:xfrm>
+            <a:off x="5171768" y="3582194"/>
+            <a:ext cx="206477" cy="369332"/>
+          </a:xfrm>
+          <a:prstGeom prst="rect">
+            <a:avLst/>
+          </a:prstGeom>
+          <a:noFill/>
+        </p:spPr>
+        <p:txBody>
+          <a:bodyPr wrap="square" rtlCol="0">
+            <a:spAutoFit/>
+          </a:bodyPr>
+          <a:lstStyle/>
+          <a:p>
+            <a:r>
+              <a:rPr lang="en-US" dirty="0"/>
+              <a:t>O</a:t>
+            </a:r>
+          </a:p>
+        </p:txBody>
+      </p:sp>
+    </p:spTree>
+    <p:extLst>
+      <p:ext uri="{BB962C8B-B14F-4D97-AF65-F5344CB8AC3E}">
+        <p14:creationId xmlns:p14="http://schemas.microsoft.com/office/powerpoint/2010/main" val="3991481422"/>
+      </p:ext>
+    </p:extLst>
+  </p:cSld>
+  <p:clrMapOvr>
+    <a:masterClrMapping/>
+  </p:clrMapOvr>
+</p:sld>
+</file>
+
 <file path=ppt/slides/slide2.xml><?xml version="1.0" encoding="utf-8"?>
 <p:sld xmlns:a="http://schemas.openxmlformats.org/drawingml/2006/main" xmlns:r="http://schemas.openxmlformats.org/officeDocument/2006/relationships" xmlns:p="http://schemas.openxmlformats.org/presentationml/2006/main">
   <p:cSld>
@@ -7318,10 +8592,10 @@
       </p:grpSpPr>
       <p:pic>
         <p:nvPicPr>
-          <p:cNvPr id="11" name="Picture 10" descr="A picture containing music&#10;&#10;Description automatically generated">
-            <a:extLst>
-              <a:ext uri="{FF2B5EF4-FFF2-40B4-BE49-F238E27FC236}">
-                <a16:creationId xmlns:a16="http://schemas.microsoft.com/office/drawing/2014/main" id="{2A8C0943-1F6F-4360-BE10-A3A8FEAA82D1}"/>
+          <p:cNvPr id="13" name="Picture 12" descr="Icon&#10;&#10;Description automatically generated">
+            <a:extLst>
+              <a:ext uri="{FF2B5EF4-FFF2-40B4-BE49-F238E27FC236}">
+                <a16:creationId xmlns:a16="http://schemas.microsoft.com/office/drawing/2014/main" id="{5FA99A35-60E8-4580-9D95-4953C21589B4}"/>
               </a:ext>
             </a:extLst>
           </p:cNvPr>
@@ -7332,6 +8606,7 @@
         </p:nvPicPr>
         <p:blipFill>
           <a:blip r:embed="rId2">
+            <a:alphaModFix amt="35000"/>
             <a:extLst>
               <a:ext uri="{28A0092B-C50C-407E-A947-70E740481C1C}">
                 <a14:useLocalDpi xmlns:a14="http://schemas.microsoft.com/office/drawing/2010/main" val="0"/>
@@ -7343,9 +8618,9 @@
           </a:stretch>
         </p:blipFill>
         <p:spPr>
-          <a:xfrm>
-            <a:off x="5588063" y="2681655"/>
-            <a:ext cx="1015873" cy="1066667"/>
+          <a:xfrm rot="4142899">
+            <a:off x="2898320" y="2162855"/>
+            <a:ext cx="2133333" cy="2361905"/>
           </a:xfrm>
           <a:prstGeom prst="rect">
             <a:avLst/>
@@ -7354,10 +8629,47 @@
       </p:pic>
       <p:pic>
         <p:nvPicPr>
-          <p:cNvPr id="13" name="Picture 12" descr="Icon&#10;&#10;Description automatically generated">
-            <a:extLst>
-              <a:ext uri="{FF2B5EF4-FFF2-40B4-BE49-F238E27FC236}">
-                <a16:creationId xmlns:a16="http://schemas.microsoft.com/office/drawing/2014/main" id="{5FA99A35-60E8-4580-9D95-4953C21589B4}"/>
+          <p:cNvPr id="9" name="Picture 8" descr="Icon&#10;&#10;Description automatically generated">
+            <a:extLst>
+              <a:ext uri="{FF2B5EF4-FFF2-40B4-BE49-F238E27FC236}">
+                <a16:creationId xmlns:a16="http://schemas.microsoft.com/office/drawing/2014/main" id="{3B77A2F2-267E-4268-8441-D8CCA66DE8FB}"/>
+              </a:ext>
+            </a:extLst>
+          </p:cNvPr>
+          <p:cNvPicPr>
+            <a:picLocks noChangeAspect="1"/>
+          </p:cNvPicPr>
+          <p:nvPr/>
+        </p:nvPicPr>
+        <p:blipFill>
+          <a:blip r:embed="rId2">
+            <a:alphaModFix amt="35000"/>
+            <a:extLst>
+              <a:ext uri="{28A0092B-C50C-407E-A947-70E740481C1C}">
+                <a14:useLocalDpi xmlns:a14="http://schemas.microsoft.com/office/drawing/2010/main" val="0"/>
+              </a:ext>
+            </a:extLst>
+          </a:blip>
+          <a:stretch>
+            <a:fillRect/>
+          </a:stretch>
+        </p:blipFill>
+        <p:spPr>
+          <a:xfrm rot="7201653">
+            <a:off x="2898318" y="1775472"/>
+            <a:ext cx="2133333" cy="2361905"/>
+          </a:xfrm>
+          <a:prstGeom prst="rect">
+            <a:avLst/>
+          </a:prstGeom>
+        </p:spPr>
+      </p:pic>
+      <p:pic>
+        <p:nvPicPr>
+          <p:cNvPr id="11" name="Picture 10" descr="A picture containing music&#10;&#10;Description automatically generated">
+            <a:extLst>
+              <a:ext uri="{FF2B5EF4-FFF2-40B4-BE49-F238E27FC236}">
+                <a16:creationId xmlns:a16="http://schemas.microsoft.com/office/drawing/2014/main" id="{2A8C0943-1F6F-4360-BE10-A3A8FEAA82D1}"/>
               </a:ext>
             </a:extLst>
           </p:cNvPr>
@@ -7379,9 +8691,9 @@
           </a:stretch>
         </p:blipFill>
         <p:spPr>
-          <a:xfrm rot="5400000">
-            <a:off x="2081852" y="2034038"/>
-            <a:ext cx="2133333" cy="2361905"/>
+          <a:xfrm>
+            <a:off x="5588063" y="2681655"/>
+            <a:ext cx="1015873" cy="1066667"/>
           </a:xfrm>
           <a:prstGeom prst="rect">
             <a:avLst/>
@@ -7402,7 +8714,7 @@
         </p:nvSpPr>
         <p:spPr>
           <a:xfrm>
-            <a:off x="1967566" y="2443083"/>
+            <a:off x="2421654" y="2195183"/>
             <a:ext cx="1931658" cy="369332"/>
           </a:xfrm>
           <a:prstGeom prst="rect">
@@ -7418,7 +8730,7 @@
           <a:p>
             <a:r>
               <a:rPr lang="en-US" dirty="0"/>
-              <a:t>Self Robot</a:t>
+              <a:t>Enemy Robot</a:t>
             </a:r>
           </a:p>
         </p:txBody>
@@ -7453,7 +8765,7 @@
           <a:p>
             <a:r>
               <a:rPr lang="en-US" dirty="0"/>
-              <a:t>Enemy Robot</a:t>
+              <a:t>Self Robot</a:t>
             </a:r>
           </a:p>
         </p:txBody>
@@ -7485,8 +8797,8 @@
           </a:stretch>
         </p:blipFill>
         <p:spPr>
-          <a:xfrm>
-            <a:off x="8041770" y="2564515"/>
+          <a:xfrm rot="18465972">
+            <a:off x="7155220" y="2086659"/>
             <a:ext cx="2011213" cy="2011213"/>
           </a:xfrm>
           <a:prstGeom prst="rect">
@@ -7494,174 +8806,12 @@
           </a:prstGeom>
         </p:spPr>
       </p:pic>
-      <p:cxnSp>
-        <p:nvCxnSpPr>
-          <p:cNvPr id="7" name="Straight Arrow Connector 6">
-            <a:extLst>
-              <a:ext uri="{FF2B5EF4-FFF2-40B4-BE49-F238E27FC236}">
-                <a16:creationId xmlns:a16="http://schemas.microsoft.com/office/drawing/2014/main" id="{64D635F3-7A13-4500-BD37-25E5BAFD6772}"/>
-              </a:ext>
-            </a:extLst>
-          </p:cNvPr>
-          <p:cNvCxnSpPr/>
-          <p:nvPr/>
-        </p:nvCxnSpPr>
-        <p:spPr>
-          <a:xfrm>
-            <a:off x="3790950" y="2312771"/>
-            <a:ext cx="4800600" cy="678079"/>
-          </a:xfrm>
-          <a:prstGeom prst="straightConnector1">
-            <a:avLst/>
-          </a:prstGeom>
-          <a:ln>
-            <a:tailEnd type="triangle"/>
-          </a:ln>
-        </p:spPr>
-        <p:style>
-          <a:lnRef idx="2">
-            <a:schemeClr val="accent2"/>
-          </a:lnRef>
-          <a:fillRef idx="0">
-            <a:schemeClr val="accent2"/>
-          </a:fillRef>
-          <a:effectRef idx="1">
-            <a:schemeClr val="accent2"/>
-          </a:effectRef>
-          <a:fontRef idx="minor">
-            <a:schemeClr val="tx1"/>
-          </a:fontRef>
-        </p:style>
-      </p:cxnSp>
-      <p:cxnSp>
-        <p:nvCxnSpPr>
-          <p:cNvPr id="14" name="Straight Arrow Connector 13">
-            <a:extLst>
-              <a:ext uri="{FF2B5EF4-FFF2-40B4-BE49-F238E27FC236}">
-                <a16:creationId xmlns:a16="http://schemas.microsoft.com/office/drawing/2014/main" id="{154583D1-3A0C-44DF-9D99-9658F41AE149}"/>
-              </a:ext>
-            </a:extLst>
-          </p:cNvPr>
-          <p:cNvCxnSpPr>
-            <a:cxnSpLocks/>
-          </p:cNvCxnSpPr>
-          <p:nvPr/>
-        </p:nvCxnSpPr>
-        <p:spPr>
-          <a:xfrm>
-            <a:off x="3797241" y="2003576"/>
-            <a:ext cx="4794309" cy="930271"/>
-          </a:xfrm>
-          <a:prstGeom prst="straightConnector1">
-            <a:avLst/>
-          </a:prstGeom>
-          <a:ln>
-            <a:tailEnd type="triangle"/>
-          </a:ln>
-        </p:spPr>
-        <p:style>
-          <a:lnRef idx="1">
-            <a:schemeClr val="accent1"/>
-          </a:lnRef>
-          <a:fillRef idx="0">
-            <a:schemeClr val="accent1"/>
-          </a:fillRef>
-          <a:effectRef idx="0">
-            <a:schemeClr val="accent1"/>
-          </a:effectRef>
-          <a:fontRef idx="minor">
-            <a:schemeClr val="tx1"/>
-          </a:fontRef>
-        </p:style>
-      </p:cxnSp>
-      <p:cxnSp>
-        <p:nvCxnSpPr>
-          <p:cNvPr id="15" name="Straight Arrow Connector 14">
-            <a:extLst>
-              <a:ext uri="{FF2B5EF4-FFF2-40B4-BE49-F238E27FC236}">
-                <a16:creationId xmlns:a16="http://schemas.microsoft.com/office/drawing/2014/main" id="{0E0CAAD4-ABAD-4554-B70E-44CA1A7A4CFF}"/>
-              </a:ext>
-            </a:extLst>
-          </p:cNvPr>
-          <p:cNvCxnSpPr>
-            <a:cxnSpLocks/>
-          </p:cNvCxnSpPr>
-          <p:nvPr/>
-        </p:nvCxnSpPr>
-        <p:spPr>
-          <a:xfrm flipV="1">
-            <a:off x="3876675" y="3125454"/>
-            <a:ext cx="4714875" cy="1214680"/>
-          </a:xfrm>
-          <a:prstGeom prst="straightConnector1">
-            <a:avLst/>
-          </a:prstGeom>
-          <a:ln>
-            <a:tailEnd type="triangle"/>
-          </a:ln>
-        </p:spPr>
-        <p:style>
-          <a:lnRef idx="1">
-            <a:schemeClr val="accent1"/>
-          </a:lnRef>
-          <a:fillRef idx="0">
-            <a:schemeClr val="accent1"/>
-          </a:fillRef>
-          <a:effectRef idx="0">
-            <a:schemeClr val="accent1"/>
-          </a:effectRef>
-          <a:fontRef idx="minor">
-            <a:schemeClr val="tx1"/>
-          </a:fontRef>
-        </p:style>
-      </p:cxnSp>
-      <p:cxnSp>
-        <p:nvCxnSpPr>
-          <p:cNvPr id="18" name="Straight Arrow Connector 17">
-            <a:extLst>
-              <a:ext uri="{FF2B5EF4-FFF2-40B4-BE49-F238E27FC236}">
-                <a16:creationId xmlns:a16="http://schemas.microsoft.com/office/drawing/2014/main" id="{07345F28-68D1-43C8-BC13-852BF3F5443B}"/>
-              </a:ext>
-            </a:extLst>
-          </p:cNvPr>
-          <p:cNvCxnSpPr>
-            <a:cxnSpLocks/>
-          </p:cNvCxnSpPr>
-          <p:nvPr/>
-        </p:nvCxnSpPr>
-        <p:spPr>
-          <a:xfrm flipV="1">
-            <a:off x="3828183" y="3214988"/>
-            <a:ext cx="4763367" cy="1509558"/>
-          </a:xfrm>
-          <a:prstGeom prst="straightConnector1">
-            <a:avLst/>
-          </a:prstGeom>
-          <a:ln>
-            <a:tailEnd type="triangle"/>
-          </a:ln>
-        </p:spPr>
-        <p:style>
-          <a:lnRef idx="1">
-            <a:schemeClr val="accent1"/>
-          </a:lnRef>
-          <a:fillRef idx="0">
-            <a:schemeClr val="accent1"/>
-          </a:fillRef>
-          <a:effectRef idx="0">
-            <a:schemeClr val="accent1"/>
-          </a:effectRef>
-          <a:fontRef idx="minor">
-            <a:schemeClr val="tx1"/>
-          </a:fontRef>
-        </p:style>
-      </p:cxnSp>
-      <p:sp>
-        <p:nvSpPr>
-          <p:cNvPr id="17" name="Arrow: Right 16">
-            <a:extLst>
-              <a:ext uri="{FF2B5EF4-FFF2-40B4-BE49-F238E27FC236}">
-                <a16:creationId xmlns:a16="http://schemas.microsoft.com/office/drawing/2014/main" id="{05D80FA1-040D-4B17-96DB-4ACF0D65A3C9}"/>
+      <p:sp>
+        <p:nvSpPr>
+          <p:cNvPr id="2" name="Arrow: Curved Down 1">
+            <a:extLst>
+              <a:ext uri="{FF2B5EF4-FFF2-40B4-BE49-F238E27FC236}">
+                <a16:creationId xmlns:a16="http://schemas.microsoft.com/office/drawing/2014/main" id="{4F13E25E-EAB1-4AB0-80EF-6873BDA9E3FE}"/>
               </a:ext>
             </a:extLst>
           </p:cNvPr>
@@ -7669,11 +8819,11 @@
           <p:nvPr/>
         </p:nvSpPr>
         <p:spPr>
-          <a:xfrm rot="634674">
-            <a:off x="3162919" y="2057095"/>
-            <a:ext cx="600075" cy="394397"/>
-          </a:xfrm>
-          <a:prstGeom prst="rightArrow">
+          <a:xfrm rot="5400000">
+            <a:off x="4627492" y="2911116"/>
+            <a:ext cx="1055502" cy="362301"/>
+          </a:xfrm>
+          <a:prstGeom prst="curvedDownArrow">
             <a:avLst/>
           </a:prstGeom>
         </p:spPr>
@@ -7698,49 +8848,110 @@
           <a:lstStyle/>
           <a:p>
             <a:pPr algn="ctr"/>
+            <a:endParaRPr lang="en-US">
+              <a:solidFill>
+                <a:schemeClr val="tx1"/>
+              </a:solidFill>
+            </a:endParaRPr>
+          </a:p>
+        </p:txBody>
+      </p:sp>
+      <p:sp>
+        <p:nvSpPr>
+          <p:cNvPr id="4" name="Arrow: Notched Right 3">
+            <a:extLst>
+              <a:ext uri="{FF2B5EF4-FFF2-40B4-BE49-F238E27FC236}">
+                <a16:creationId xmlns:a16="http://schemas.microsoft.com/office/drawing/2014/main" id="{DF4D063D-7EFF-4AB8-940B-64D64DCAABED}"/>
+              </a:ext>
+            </a:extLst>
+          </p:cNvPr>
+          <p:cNvSpPr/>
+          <p:nvPr/>
+        </p:nvSpPr>
+        <p:spPr>
+          <a:xfrm rot="1552969">
+            <a:off x="5139388" y="3734740"/>
+            <a:ext cx="795447" cy="285135"/>
+          </a:xfrm>
+          <a:prstGeom prst="notchedRightArrow">
+            <a:avLst/>
+          </a:prstGeom>
+        </p:spPr>
+        <p:style>
+          <a:lnRef idx="2">
+            <a:schemeClr val="accent1">
+              <a:shade val="50000"/>
+            </a:schemeClr>
+          </a:lnRef>
+          <a:fillRef idx="1">
+            <a:schemeClr val="accent1"/>
+          </a:fillRef>
+          <a:effectRef idx="0">
+            <a:schemeClr val="accent1"/>
+          </a:effectRef>
+          <a:fontRef idx="minor">
+            <a:schemeClr val="lt1"/>
+          </a:fontRef>
+        </p:style>
+        <p:txBody>
+          <a:bodyPr rtlCol="0" anchor="ctr"/>
+          <a:lstStyle/>
+          <a:p>
+            <a:pPr algn="ctr"/>
             <a:endParaRPr lang="en-US"/>
           </a:p>
         </p:txBody>
       </p:sp>
       <p:sp>
         <p:nvSpPr>
-          <p:cNvPr id="21" name="TextBox 20">
-            <a:extLst>
-              <a:ext uri="{FF2B5EF4-FFF2-40B4-BE49-F238E27FC236}">
-                <a16:creationId xmlns:a16="http://schemas.microsoft.com/office/drawing/2014/main" id="{BF497885-701E-494C-B476-BF30C29D9931}"/>
-              </a:ext>
-            </a:extLst>
-          </p:cNvPr>
-          <p:cNvSpPr txBox="1"/>
+          <p:cNvPr id="12" name="Arrow: Notched Right 11">
+            <a:extLst>
+              <a:ext uri="{FF2B5EF4-FFF2-40B4-BE49-F238E27FC236}">
+                <a16:creationId xmlns:a16="http://schemas.microsoft.com/office/drawing/2014/main" id="{1FA3AC01-EF45-4BB7-B947-0577F17A76D8}"/>
+              </a:ext>
+            </a:extLst>
+          </p:cNvPr>
+          <p:cNvSpPr/>
           <p:nvPr/>
         </p:nvSpPr>
         <p:spPr>
-          <a:xfrm>
-            <a:off x="1573225" y="1866371"/>
-            <a:ext cx="1931658" cy="369332"/>
-          </a:xfrm>
-          <a:prstGeom prst="rect">
+          <a:xfrm rot="12836215">
+            <a:off x="6706402" y="2239811"/>
+            <a:ext cx="795447" cy="285135"/>
+          </a:xfrm>
+          <a:prstGeom prst="notchedRightArrow">
             <a:avLst/>
           </a:prstGeom>
-          <a:noFill/>
-        </p:spPr>
-        <p:txBody>
-          <a:bodyPr wrap="square" rtlCol="0">
-            <a:spAutoFit/>
-          </a:bodyPr>
+        </p:spPr>
+        <p:style>
+          <a:lnRef idx="2">
+            <a:schemeClr val="accent1">
+              <a:shade val="50000"/>
+            </a:schemeClr>
+          </a:lnRef>
+          <a:fillRef idx="1">
+            <a:schemeClr val="accent1"/>
+          </a:fillRef>
+          <a:effectRef idx="0">
+            <a:schemeClr val="accent1"/>
+          </a:effectRef>
+          <a:fontRef idx="minor">
+            <a:schemeClr val="lt1"/>
+          </a:fontRef>
+        </p:style>
+        <p:txBody>
+          <a:bodyPr rtlCol="0" anchor="ctr"/>
           <a:lstStyle/>
           <a:p>
-            <a:r>
-              <a:rPr lang="en-US" dirty="0"/>
-              <a:t>Nearest Position</a:t>
-            </a:r>
+            <a:pPr algn="ctr"/>
+            <a:endParaRPr lang="en-US"/>
           </a:p>
         </p:txBody>
       </p:sp>
     </p:spTree>
     <p:extLst>
       <p:ext uri="{BB962C8B-B14F-4D97-AF65-F5344CB8AC3E}">
-        <p14:creationId xmlns:p14="http://schemas.microsoft.com/office/powerpoint/2010/main" val="3424340066"/>
+        <p14:creationId xmlns:p14="http://schemas.microsoft.com/office/powerpoint/2010/main" val="2683392758"/>
       </p:ext>
     </p:extLst>
   </p:cSld>
@@ -7767,6 +8978,758 @@
           <a:chExt cx="0" cy="0"/>
         </a:xfrm>
       </p:grpSpPr>
+      <p:pic>
+        <p:nvPicPr>
+          <p:cNvPr id="9" name="Picture 8" descr="Icon&#10;&#10;Description automatically generated">
+            <a:extLst>
+              <a:ext uri="{FF2B5EF4-FFF2-40B4-BE49-F238E27FC236}">
+                <a16:creationId xmlns:a16="http://schemas.microsoft.com/office/drawing/2014/main" id="{3B77A2F2-267E-4268-8441-D8CCA66DE8FB}"/>
+              </a:ext>
+            </a:extLst>
+          </p:cNvPr>
+          <p:cNvPicPr>
+            <a:picLocks noChangeAspect="1"/>
+          </p:cNvPicPr>
+          <p:nvPr/>
+        </p:nvPicPr>
+        <p:blipFill>
+          <a:blip r:embed="rId2">
+            <a:alphaModFix/>
+            <a:extLst>
+              <a:ext uri="{28A0092B-C50C-407E-A947-70E740481C1C}">
+                <a14:useLocalDpi xmlns:a14="http://schemas.microsoft.com/office/drawing/2010/main" val="0"/>
+              </a:ext>
+            </a:extLst>
+          </a:blip>
+          <a:stretch>
+            <a:fillRect/>
+          </a:stretch>
+        </p:blipFill>
+        <p:spPr>
+          <a:xfrm rot="7201653">
+            <a:off x="2898318" y="1775472"/>
+            <a:ext cx="2133333" cy="2361905"/>
+          </a:xfrm>
+          <a:prstGeom prst="rect">
+            <a:avLst/>
+          </a:prstGeom>
+        </p:spPr>
+      </p:pic>
+      <p:pic>
+        <p:nvPicPr>
+          <p:cNvPr id="11" name="Picture 10" descr="A picture containing music&#10;&#10;Description automatically generated">
+            <a:extLst>
+              <a:ext uri="{FF2B5EF4-FFF2-40B4-BE49-F238E27FC236}">
+                <a16:creationId xmlns:a16="http://schemas.microsoft.com/office/drawing/2014/main" id="{2A8C0943-1F6F-4360-BE10-A3A8FEAA82D1}"/>
+              </a:ext>
+            </a:extLst>
+          </p:cNvPr>
+          <p:cNvPicPr>
+            <a:picLocks noChangeAspect="1"/>
+          </p:cNvPicPr>
+          <p:nvPr/>
+        </p:nvPicPr>
+        <p:blipFill>
+          <a:blip r:embed="rId3">
+            <a:extLst>
+              <a:ext uri="{28A0092B-C50C-407E-A947-70E740481C1C}">
+                <a14:useLocalDpi xmlns:a14="http://schemas.microsoft.com/office/drawing/2010/main" val="0"/>
+              </a:ext>
+            </a:extLst>
+          </a:blip>
+          <a:stretch>
+            <a:fillRect/>
+          </a:stretch>
+        </p:blipFill>
+        <p:spPr>
+          <a:xfrm>
+            <a:off x="5608747" y="2554841"/>
+            <a:ext cx="1015873" cy="1066667"/>
+          </a:xfrm>
+          <a:prstGeom prst="rect">
+            <a:avLst/>
+          </a:prstGeom>
+        </p:spPr>
+      </p:pic>
+      <p:sp>
+        <p:nvSpPr>
+          <p:cNvPr id="26" name="TextBox 25">
+            <a:extLst>
+              <a:ext uri="{FF2B5EF4-FFF2-40B4-BE49-F238E27FC236}">
+                <a16:creationId xmlns:a16="http://schemas.microsoft.com/office/drawing/2014/main" id="{D00019D4-773A-4761-96FB-F63CF0621765}"/>
+              </a:ext>
+            </a:extLst>
+          </p:cNvPr>
+          <p:cNvSpPr txBox="1"/>
+          <p:nvPr/>
+        </p:nvSpPr>
+        <p:spPr>
+          <a:xfrm>
+            <a:off x="2107022" y="1943439"/>
+            <a:ext cx="1931658" cy="369332"/>
+          </a:xfrm>
+          <a:prstGeom prst="rect">
+            <a:avLst/>
+          </a:prstGeom>
+          <a:noFill/>
+        </p:spPr>
+        <p:txBody>
+          <a:bodyPr wrap="square" rtlCol="0">
+            <a:spAutoFit/>
+          </a:bodyPr>
+          <a:lstStyle/>
+          <a:p>
+            <a:r>
+              <a:rPr lang="en-US" dirty="0"/>
+              <a:t>Enemy Robot</a:t>
+            </a:r>
+          </a:p>
+        </p:txBody>
+      </p:sp>
+      <p:sp>
+        <p:nvSpPr>
+          <p:cNvPr id="27" name="TextBox 26">
+            <a:extLst>
+              <a:ext uri="{FF2B5EF4-FFF2-40B4-BE49-F238E27FC236}">
+                <a16:creationId xmlns:a16="http://schemas.microsoft.com/office/drawing/2014/main" id="{BAC599D7-883F-4155-8E82-3092131FFD50}"/>
+              </a:ext>
+            </a:extLst>
+          </p:cNvPr>
+          <p:cNvSpPr txBox="1"/>
+          <p:nvPr/>
+        </p:nvSpPr>
+        <p:spPr>
+          <a:xfrm>
+            <a:off x="8496300" y="2312771"/>
+            <a:ext cx="2361904" cy="369332"/>
+          </a:xfrm>
+          <a:prstGeom prst="rect">
+            <a:avLst/>
+          </a:prstGeom>
+          <a:noFill/>
+        </p:spPr>
+        <p:txBody>
+          <a:bodyPr wrap="square" rtlCol="0">
+            <a:spAutoFit/>
+          </a:bodyPr>
+          <a:lstStyle/>
+          <a:p>
+            <a:r>
+              <a:rPr lang="en-US" dirty="0"/>
+              <a:t>Self Robot</a:t>
+            </a:r>
+          </a:p>
+        </p:txBody>
+      </p:sp>
+      <p:pic>
+        <p:nvPicPr>
+          <p:cNvPr id="3" name="Picture 2" descr="Icon&#10;&#10;Description automatically generated">
+            <a:extLst>
+              <a:ext uri="{FF2B5EF4-FFF2-40B4-BE49-F238E27FC236}">
+                <a16:creationId xmlns:a16="http://schemas.microsoft.com/office/drawing/2014/main" id="{234392E9-1242-486E-B450-AD4678884D77}"/>
+              </a:ext>
+            </a:extLst>
+          </p:cNvPr>
+          <p:cNvPicPr>
+            <a:picLocks noChangeAspect="1"/>
+          </p:cNvPicPr>
+          <p:nvPr/>
+        </p:nvPicPr>
+        <p:blipFill>
+          <a:blip r:embed="rId4">
+            <a:extLst>
+              <a:ext uri="{28A0092B-C50C-407E-A947-70E740481C1C}">
+                <a14:useLocalDpi xmlns:a14="http://schemas.microsoft.com/office/drawing/2010/main" val="0"/>
+              </a:ext>
+            </a:extLst>
+          </a:blip>
+          <a:stretch>
+            <a:fillRect/>
+          </a:stretch>
+        </p:blipFill>
+        <p:spPr>
+          <a:xfrm rot="18465972">
+            <a:off x="7155220" y="2086659"/>
+            <a:ext cx="2011213" cy="2011213"/>
+          </a:xfrm>
+          <a:prstGeom prst="rect">
+            <a:avLst/>
+          </a:prstGeom>
+        </p:spPr>
+      </p:pic>
+      <p:sp>
+        <p:nvSpPr>
+          <p:cNvPr id="4" name="Arrow: Notched Right 3">
+            <a:extLst>
+              <a:ext uri="{FF2B5EF4-FFF2-40B4-BE49-F238E27FC236}">
+                <a16:creationId xmlns:a16="http://schemas.microsoft.com/office/drawing/2014/main" id="{DF4D063D-7EFF-4AB8-940B-64D64DCAABED}"/>
+              </a:ext>
+            </a:extLst>
+          </p:cNvPr>
+          <p:cNvSpPr/>
+          <p:nvPr/>
+        </p:nvSpPr>
+        <p:spPr>
+          <a:xfrm rot="1552969">
+            <a:off x="4776462" y="3449605"/>
+            <a:ext cx="795447" cy="285135"/>
+          </a:xfrm>
+          <a:prstGeom prst="notchedRightArrow">
+            <a:avLst/>
+          </a:prstGeom>
+        </p:spPr>
+        <p:style>
+          <a:lnRef idx="2">
+            <a:schemeClr val="accent1">
+              <a:shade val="50000"/>
+            </a:schemeClr>
+          </a:lnRef>
+          <a:fillRef idx="1">
+            <a:schemeClr val="accent1"/>
+          </a:fillRef>
+          <a:effectRef idx="0">
+            <a:schemeClr val="accent1"/>
+          </a:effectRef>
+          <a:fontRef idx="minor">
+            <a:schemeClr val="lt1"/>
+          </a:fontRef>
+        </p:style>
+        <p:txBody>
+          <a:bodyPr rtlCol="0" anchor="ctr"/>
+          <a:lstStyle/>
+          <a:p>
+            <a:pPr algn="ctr"/>
+            <a:endParaRPr lang="en-US"/>
+          </a:p>
+        </p:txBody>
+      </p:sp>
+      <p:sp>
+        <p:nvSpPr>
+          <p:cNvPr id="12" name="Arrow: Notched Right 11">
+            <a:extLst>
+              <a:ext uri="{FF2B5EF4-FFF2-40B4-BE49-F238E27FC236}">
+                <a16:creationId xmlns:a16="http://schemas.microsoft.com/office/drawing/2014/main" id="{1FA3AC01-EF45-4BB7-B947-0577F17A76D8}"/>
+              </a:ext>
+            </a:extLst>
+          </p:cNvPr>
+          <p:cNvSpPr/>
+          <p:nvPr/>
+        </p:nvSpPr>
+        <p:spPr>
+          <a:xfrm rot="12836215">
+            <a:off x="6706402" y="2239811"/>
+            <a:ext cx="795447" cy="285135"/>
+          </a:xfrm>
+          <a:prstGeom prst="notchedRightArrow">
+            <a:avLst/>
+          </a:prstGeom>
+        </p:spPr>
+        <p:style>
+          <a:lnRef idx="2">
+            <a:schemeClr val="accent1">
+              <a:shade val="50000"/>
+            </a:schemeClr>
+          </a:lnRef>
+          <a:fillRef idx="1">
+            <a:schemeClr val="accent1"/>
+          </a:fillRef>
+          <a:effectRef idx="0">
+            <a:schemeClr val="accent1"/>
+          </a:effectRef>
+          <a:fontRef idx="minor">
+            <a:schemeClr val="lt1"/>
+          </a:fontRef>
+        </p:style>
+        <p:txBody>
+          <a:bodyPr rtlCol="0" anchor="ctr"/>
+          <a:lstStyle/>
+          <a:p>
+            <a:pPr algn="ctr"/>
+            <a:endParaRPr lang="en-US"/>
+          </a:p>
+        </p:txBody>
+      </p:sp>
+    </p:spTree>
+    <p:extLst>
+      <p:ext uri="{BB962C8B-B14F-4D97-AF65-F5344CB8AC3E}">
+        <p14:creationId xmlns:p14="http://schemas.microsoft.com/office/powerpoint/2010/main" val="3579796908"/>
+      </p:ext>
+    </p:extLst>
+  </p:cSld>
+  <p:clrMapOvr>
+    <a:masterClrMapping/>
+  </p:clrMapOvr>
+</p:sld>
+</file>
+
+<file path=ppt/slides/slide6.xml><?xml version="1.0" encoding="utf-8"?>
+<p:sld xmlns:a="http://schemas.openxmlformats.org/drawingml/2006/main" xmlns:r="http://schemas.openxmlformats.org/officeDocument/2006/relationships" xmlns:p="http://schemas.openxmlformats.org/presentationml/2006/main">
+  <p:cSld>
+    <p:spTree>
+      <p:nvGrpSpPr>
+        <p:cNvPr id="1" name=""/>
+        <p:cNvGrpSpPr/>
+        <p:nvPr/>
+      </p:nvGrpSpPr>
+      <p:grpSpPr>
+        <a:xfrm>
+          <a:off x="0" y="0"/>
+          <a:ext cx="0" cy="0"/>
+          <a:chOff x="0" y="0"/>
+          <a:chExt cx="0" cy="0"/>
+        </a:xfrm>
+      </p:grpSpPr>
+      <p:pic>
+        <p:nvPicPr>
+          <p:cNvPr id="11" name="Picture 10" descr="A picture containing music&#10;&#10;Description automatically generated">
+            <a:extLst>
+              <a:ext uri="{FF2B5EF4-FFF2-40B4-BE49-F238E27FC236}">
+                <a16:creationId xmlns:a16="http://schemas.microsoft.com/office/drawing/2014/main" id="{2A8C0943-1F6F-4360-BE10-A3A8FEAA82D1}"/>
+              </a:ext>
+            </a:extLst>
+          </p:cNvPr>
+          <p:cNvPicPr>
+            <a:picLocks noChangeAspect="1"/>
+          </p:cNvPicPr>
+          <p:nvPr/>
+        </p:nvPicPr>
+        <p:blipFill>
+          <a:blip r:embed="rId2">
+            <a:extLst>
+              <a:ext uri="{28A0092B-C50C-407E-A947-70E740481C1C}">
+                <a14:useLocalDpi xmlns:a14="http://schemas.microsoft.com/office/drawing/2010/main" val="0"/>
+              </a:ext>
+            </a:extLst>
+          </a:blip>
+          <a:stretch>
+            <a:fillRect/>
+          </a:stretch>
+        </p:blipFill>
+        <p:spPr>
+          <a:xfrm>
+            <a:off x="5588063" y="2681655"/>
+            <a:ext cx="1015873" cy="1066667"/>
+          </a:xfrm>
+          <a:prstGeom prst="rect">
+            <a:avLst/>
+          </a:prstGeom>
+        </p:spPr>
+      </p:pic>
+      <p:pic>
+        <p:nvPicPr>
+          <p:cNvPr id="13" name="Picture 12" descr="Icon&#10;&#10;Description automatically generated">
+            <a:extLst>
+              <a:ext uri="{FF2B5EF4-FFF2-40B4-BE49-F238E27FC236}">
+                <a16:creationId xmlns:a16="http://schemas.microsoft.com/office/drawing/2014/main" id="{5FA99A35-60E8-4580-9D95-4953C21589B4}"/>
+              </a:ext>
+            </a:extLst>
+          </p:cNvPr>
+          <p:cNvPicPr>
+            <a:picLocks noChangeAspect="1"/>
+          </p:cNvPicPr>
+          <p:nvPr/>
+        </p:nvPicPr>
+        <p:blipFill>
+          <a:blip r:embed="rId3">
+            <a:extLst>
+              <a:ext uri="{28A0092B-C50C-407E-A947-70E740481C1C}">
+                <a14:useLocalDpi xmlns:a14="http://schemas.microsoft.com/office/drawing/2010/main" val="0"/>
+              </a:ext>
+            </a:extLst>
+          </a:blip>
+          <a:stretch>
+            <a:fillRect/>
+          </a:stretch>
+        </p:blipFill>
+        <p:spPr>
+          <a:xfrm rot="5400000">
+            <a:off x="2081852" y="2034038"/>
+            <a:ext cx="2133333" cy="2361905"/>
+          </a:xfrm>
+          <a:prstGeom prst="rect">
+            <a:avLst/>
+          </a:prstGeom>
+        </p:spPr>
+      </p:pic>
+      <p:sp>
+        <p:nvSpPr>
+          <p:cNvPr id="26" name="TextBox 25">
+            <a:extLst>
+              <a:ext uri="{FF2B5EF4-FFF2-40B4-BE49-F238E27FC236}">
+                <a16:creationId xmlns:a16="http://schemas.microsoft.com/office/drawing/2014/main" id="{D00019D4-773A-4761-96FB-F63CF0621765}"/>
+              </a:ext>
+            </a:extLst>
+          </p:cNvPr>
+          <p:cNvSpPr txBox="1"/>
+          <p:nvPr/>
+        </p:nvSpPr>
+        <p:spPr>
+          <a:xfrm>
+            <a:off x="1967566" y="2443083"/>
+            <a:ext cx="1931658" cy="369332"/>
+          </a:xfrm>
+          <a:prstGeom prst="rect">
+            <a:avLst/>
+          </a:prstGeom>
+          <a:noFill/>
+        </p:spPr>
+        <p:txBody>
+          <a:bodyPr wrap="square" rtlCol="0">
+            <a:spAutoFit/>
+          </a:bodyPr>
+          <a:lstStyle/>
+          <a:p>
+            <a:r>
+              <a:rPr lang="en-US" dirty="0"/>
+              <a:t>Self Robot</a:t>
+            </a:r>
+          </a:p>
+        </p:txBody>
+      </p:sp>
+      <p:sp>
+        <p:nvSpPr>
+          <p:cNvPr id="27" name="TextBox 26">
+            <a:extLst>
+              <a:ext uri="{FF2B5EF4-FFF2-40B4-BE49-F238E27FC236}">
+                <a16:creationId xmlns:a16="http://schemas.microsoft.com/office/drawing/2014/main" id="{BAC599D7-883F-4155-8E82-3092131FFD50}"/>
+              </a:ext>
+            </a:extLst>
+          </p:cNvPr>
+          <p:cNvSpPr txBox="1"/>
+          <p:nvPr/>
+        </p:nvSpPr>
+        <p:spPr>
+          <a:xfrm>
+            <a:off x="8496300" y="2312771"/>
+            <a:ext cx="2361904" cy="369332"/>
+          </a:xfrm>
+          <a:prstGeom prst="rect">
+            <a:avLst/>
+          </a:prstGeom>
+          <a:noFill/>
+        </p:spPr>
+        <p:txBody>
+          <a:bodyPr wrap="square" rtlCol="0">
+            <a:spAutoFit/>
+          </a:bodyPr>
+          <a:lstStyle/>
+          <a:p>
+            <a:r>
+              <a:rPr lang="en-US" dirty="0"/>
+              <a:t>Enemy Robot</a:t>
+            </a:r>
+          </a:p>
+        </p:txBody>
+      </p:sp>
+      <p:pic>
+        <p:nvPicPr>
+          <p:cNvPr id="3" name="Picture 2" descr="Icon&#10;&#10;Description automatically generated">
+            <a:extLst>
+              <a:ext uri="{FF2B5EF4-FFF2-40B4-BE49-F238E27FC236}">
+                <a16:creationId xmlns:a16="http://schemas.microsoft.com/office/drawing/2014/main" id="{234392E9-1242-486E-B450-AD4678884D77}"/>
+              </a:ext>
+            </a:extLst>
+          </p:cNvPr>
+          <p:cNvPicPr>
+            <a:picLocks noChangeAspect="1"/>
+          </p:cNvPicPr>
+          <p:nvPr/>
+        </p:nvPicPr>
+        <p:blipFill>
+          <a:blip r:embed="rId4">
+            <a:extLst>
+              <a:ext uri="{28A0092B-C50C-407E-A947-70E740481C1C}">
+                <a14:useLocalDpi xmlns:a14="http://schemas.microsoft.com/office/drawing/2010/main" val="0"/>
+              </a:ext>
+            </a:extLst>
+          </a:blip>
+          <a:stretch>
+            <a:fillRect/>
+          </a:stretch>
+        </p:blipFill>
+        <p:spPr>
+          <a:xfrm>
+            <a:off x="8041770" y="2564515"/>
+            <a:ext cx="2011213" cy="2011213"/>
+          </a:xfrm>
+          <a:prstGeom prst="rect">
+            <a:avLst/>
+          </a:prstGeom>
+        </p:spPr>
+      </p:pic>
+      <p:cxnSp>
+        <p:nvCxnSpPr>
+          <p:cNvPr id="7" name="Straight Arrow Connector 6">
+            <a:extLst>
+              <a:ext uri="{FF2B5EF4-FFF2-40B4-BE49-F238E27FC236}">
+                <a16:creationId xmlns:a16="http://schemas.microsoft.com/office/drawing/2014/main" id="{64D635F3-7A13-4500-BD37-25E5BAFD6772}"/>
+              </a:ext>
+            </a:extLst>
+          </p:cNvPr>
+          <p:cNvCxnSpPr/>
+          <p:nvPr/>
+        </p:nvCxnSpPr>
+        <p:spPr>
+          <a:xfrm>
+            <a:off x="3790950" y="2312771"/>
+            <a:ext cx="4800600" cy="678079"/>
+          </a:xfrm>
+          <a:prstGeom prst="straightConnector1">
+            <a:avLst/>
+          </a:prstGeom>
+          <a:ln>
+            <a:tailEnd type="triangle"/>
+          </a:ln>
+        </p:spPr>
+        <p:style>
+          <a:lnRef idx="2">
+            <a:schemeClr val="accent2"/>
+          </a:lnRef>
+          <a:fillRef idx="0">
+            <a:schemeClr val="accent2"/>
+          </a:fillRef>
+          <a:effectRef idx="1">
+            <a:schemeClr val="accent2"/>
+          </a:effectRef>
+          <a:fontRef idx="minor">
+            <a:schemeClr val="tx1"/>
+          </a:fontRef>
+        </p:style>
+      </p:cxnSp>
+      <p:cxnSp>
+        <p:nvCxnSpPr>
+          <p:cNvPr id="14" name="Straight Arrow Connector 13">
+            <a:extLst>
+              <a:ext uri="{FF2B5EF4-FFF2-40B4-BE49-F238E27FC236}">
+                <a16:creationId xmlns:a16="http://schemas.microsoft.com/office/drawing/2014/main" id="{154583D1-3A0C-44DF-9D99-9658F41AE149}"/>
+              </a:ext>
+            </a:extLst>
+          </p:cNvPr>
+          <p:cNvCxnSpPr>
+            <a:cxnSpLocks/>
+          </p:cNvCxnSpPr>
+          <p:nvPr/>
+        </p:nvCxnSpPr>
+        <p:spPr>
+          <a:xfrm>
+            <a:off x="3797241" y="2003576"/>
+            <a:ext cx="4794309" cy="930271"/>
+          </a:xfrm>
+          <a:prstGeom prst="straightConnector1">
+            <a:avLst/>
+          </a:prstGeom>
+          <a:ln>
+            <a:tailEnd type="triangle"/>
+          </a:ln>
+        </p:spPr>
+        <p:style>
+          <a:lnRef idx="1">
+            <a:schemeClr val="accent1"/>
+          </a:lnRef>
+          <a:fillRef idx="0">
+            <a:schemeClr val="accent1"/>
+          </a:fillRef>
+          <a:effectRef idx="0">
+            <a:schemeClr val="accent1"/>
+          </a:effectRef>
+          <a:fontRef idx="minor">
+            <a:schemeClr val="tx1"/>
+          </a:fontRef>
+        </p:style>
+      </p:cxnSp>
+      <p:cxnSp>
+        <p:nvCxnSpPr>
+          <p:cNvPr id="15" name="Straight Arrow Connector 14">
+            <a:extLst>
+              <a:ext uri="{FF2B5EF4-FFF2-40B4-BE49-F238E27FC236}">
+                <a16:creationId xmlns:a16="http://schemas.microsoft.com/office/drawing/2014/main" id="{0E0CAAD4-ABAD-4554-B70E-44CA1A7A4CFF}"/>
+              </a:ext>
+            </a:extLst>
+          </p:cNvPr>
+          <p:cNvCxnSpPr>
+            <a:cxnSpLocks/>
+          </p:cNvCxnSpPr>
+          <p:nvPr/>
+        </p:nvCxnSpPr>
+        <p:spPr>
+          <a:xfrm flipV="1">
+            <a:off x="3876675" y="3125454"/>
+            <a:ext cx="4714875" cy="1214680"/>
+          </a:xfrm>
+          <a:prstGeom prst="straightConnector1">
+            <a:avLst/>
+          </a:prstGeom>
+          <a:ln>
+            <a:tailEnd type="triangle"/>
+          </a:ln>
+        </p:spPr>
+        <p:style>
+          <a:lnRef idx="1">
+            <a:schemeClr val="accent1"/>
+          </a:lnRef>
+          <a:fillRef idx="0">
+            <a:schemeClr val="accent1"/>
+          </a:fillRef>
+          <a:effectRef idx="0">
+            <a:schemeClr val="accent1"/>
+          </a:effectRef>
+          <a:fontRef idx="minor">
+            <a:schemeClr val="tx1"/>
+          </a:fontRef>
+        </p:style>
+      </p:cxnSp>
+      <p:cxnSp>
+        <p:nvCxnSpPr>
+          <p:cNvPr id="18" name="Straight Arrow Connector 17">
+            <a:extLst>
+              <a:ext uri="{FF2B5EF4-FFF2-40B4-BE49-F238E27FC236}">
+                <a16:creationId xmlns:a16="http://schemas.microsoft.com/office/drawing/2014/main" id="{07345F28-68D1-43C8-BC13-852BF3F5443B}"/>
+              </a:ext>
+            </a:extLst>
+          </p:cNvPr>
+          <p:cNvCxnSpPr>
+            <a:cxnSpLocks/>
+          </p:cNvCxnSpPr>
+          <p:nvPr/>
+        </p:nvCxnSpPr>
+        <p:spPr>
+          <a:xfrm flipV="1">
+            <a:off x="3828183" y="3214988"/>
+            <a:ext cx="4763367" cy="1509558"/>
+          </a:xfrm>
+          <a:prstGeom prst="straightConnector1">
+            <a:avLst/>
+          </a:prstGeom>
+          <a:ln>
+            <a:tailEnd type="triangle"/>
+          </a:ln>
+        </p:spPr>
+        <p:style>
+          <a:lnRef idx="1">
+            <a:schemeClr val="accent1"/>
+          </a:lnRef>
+          <a:fillRef idx="0">
+            <a:schemeClr val="accent1"/>
+          </a:fillRef>
+          <a:effectRef idx="0">
+            <a:schemeClr val="accent1"/>
+          </a:effectRef>
+          <a:fontRef idx="minor">
+            <a:schemeClr val="tx1"/>
+          </a:fontRef>
+        </p:style>
+      </p:cxnSp>
+      <p:sp>
+        <p:nvSpPr>
+          <p:cNvPr id="17" name="Arrow: Right 16">
+            <a:extLst>
+              <a:ext uri="{FF2B5EF4-FFF2-40B4-BE49-F238E27FC236}">
+                <a16:creationId xmlns:a16="http://schemas.microsoft.com/office/drawing/2014/main" id="{05D80FA1-040D-4B17-96DB-4ACF0D65A3C9}"/>
+              </a:ext>
+            </a:extLst>
+          </p:cNvPr>
+          <p:cNvSpPr/>
+          <p:nvPr/>
+        </p:nvSpPr>
+        <p:spPr>
+          <a:xfrm rot="634674">
+            <a:off x="3162919" y="2057095"/>
+            <a:ext cx="600075" cy="394397"/>
+          </a:xfrm>
+          <a:prstGeom prst="rightArrow">
+            <a:avLst/>
+          </a:prstGeom>
+        </p:spPr>
+        <p:style>
+          <a:lnRef idx="2">
+            <a:schemeClr val="accent1">
+              <a:shade val="50000"/>
+            </a:schemeClr>
+          </a:lnRef>
+          <a:fillRef idx="1">
+            <a:schemeClr val="accent1"/>
+          </a:fillRef>
+          <a:effectRef idx="0">
+            <a:schemeClr val="accent1"/>
+          </a:effectRef>
+          <a:fontRef idx="minor">
+            <a:schemeClr val="lt1"/>
+          </a:fontRef>
+        </p:style>
+        <p:txBody>
+          <a:bodyPr rtlCol="0" anchor="ctr"/>
+          <a:lstStyle/>
+          <a:p>
+            <a:pPr algn="ctr"/>
+            <a:endParaRPr lang="en-US"/>
+          </a:p>
+        </p:txBody>
+      </p:sp>
+      <p:sp>
+        <p:nvSpPr>
+          <p:cNvPr id="21" name="TextBox 20">
+            <a:extLst>
+              <a:ext uri="{FF2B5EF4-FFF2-40B4-BE49-F238E27FC236}">
+                <a16:creationId xmlns:a16="http://schemas.microsoft.com/office/drawing/2014/main" id="{BF497885-701E-494C-B476-BF30C29D9931}"/>
+              </a:ext>
+            </a:extLst>
+          </p:cNvPr>
+          <p:cNvSpPr txBox="1"/>
+          <p:nvPr/>
+        </p:nvSpPr>
+        <p:spPr>
+          <a:xfrm>
+            <a:off x="1573225" y="1866371"/>
+            <a:ext cx="1931658" cy="369332"/>
+          </a:xfrm>
+          <a:prstGeom prst="rect">
+            <a:avLst/>
+          </a:prstGeom>
+          <a:noFill/>
+        </p:spPr>
+        <p:txBody>
+          <a:bodyPr wrap="square" rtlCol="0">
+            <a:spAutoFit/>
+          </a:bodyPr>
+          <a:lstStyle/>
+          <a:p>
+            <a:r>
+              <a:rPr lang="en-US" dirty="0"/>
+              <a:t>Nearest Position</a:t>
+            </a:r>
+          </a:p>
+        </p:txBody>
+      </p:sp>
+    </p:spTree>
+    <p:extLst>
+      <p:ext uri="{BB962C8B-B14F-4D97-AF65-F5344CB8AC3E}">
+        <p14:creationId xmlns:p14="http://schemas.microsoft.com/office/powerpoint/2010/main" val="3424340066"/>
+      </p:ext>
+    </p:extLst>
+  </p:cSld>
+  <p:clrMapOvr>
+    <a:masterClrMapping/>
+  </p:clrMapOvr>
+</p:sld>
+</file>
+
+<file path=ppt/slides/slide7.xml><?xml version="1.0" encoding="utf-8"?>
+<p:sld xmlns:a="http://schemas.openxmlformats.org/drawingml/2006/main" xmlns:r="http://schemas.openxmlformats.org/officeDocument/2006/relationships" xmlns:p="http://schemas.openxmlformats.org/presentationml/2006/main">
+  <p:cSld>
+    <p:spTree>
+      <p:nvGrpSpPr>
+        <p:cNvPr id="1" name=""/>
+        <p:cNvGrpSpPr/>
+        <p:nvPr/>
+      </p:nvGrpSpPr>
+      <p:grpSpPr>
+        <a:xfrm>
+          <a:off x="0" y="0"/>
+          <a:ext cx="0" cy="0"/>
+          <a:chOff x="0" y="0"/>
+          <a:chExt cx="0" cy="0"/>
+        </a:xfrm>
+      </p:grpSpPr>
       <p:cxnSp>
         <p:nvCxnSpPr>
           <p:cNvPr id="4" name="Straight Arrow Connector 3">
@@ -8194,6 +10157,1206 @@
     <p:extLst>
       <p:ext uri="{BB962C8B-B14F-4D97-AF65-F5344CB8AC3E}">
         <p14:creationId xmlns:p14="http://schemas.microsoft.com/office/powerpoint/2010/main" val="378448901"/>
+      </p:ext>
+    </p:extLst>
+  </p:cSld>
+  <p:clrMapOvr>
+    <a:masterClrMapping/>
+  </p:clrMapOvr>
+</p:sld>
+</file>
+
+<file path=ppt/slides/slide8.xml><?xml version="1.0" encoding="utf-8"?>
+<p:sld xmlns:a="http://schemas.openxmlformats.org/drawingml/2006/main" xmlns:r="http://schemas.openxmlformats.org/officeDocument/2006/relationships" xmlns:p="http://schemas.openxmlformats.org/presentationml/2006/main">
+  <p:cSld>
+    <p:spTree>
+      <p:nvGrpSpPr>
+        <p:cNvPr id="1" name=""/>
+        <p:cNvGrpSpPr/>
+        <p:nvPr/>
+      </p:nvGrpSpPr>
+      <p:grpSpPr>
+        <a:xfrm>
+          <a:off x="0" y="0"/>
+          <a:ext cx="0" cy="0"/>
+          <a:chOff x="0" y="0"/>
+          <a:chExt cx="0" cy="0"/>
+        </a:xfrm>
+      </p:grpSpPr>
+      <p:sp>
+        <p:nvSpPr>
+          <p:cNvPr id="3" name="Rectangle: Rounded Corners 2">
+            <a:extLst>
+              <a:ext uri="{FF2B5EF4-FFF2-40B4-BE49-F238E27FC236}">
+                <a16:creationId xmlns:a16="http://schemas.microsoft.com/office/drawing/2014/main" id="{F15A2B2F-B8D3-41E6-B34D-C5DBCFE8D0F1}"/>
+              </a:ext>
+            </a:extLst>
+          </p:cNvPr>
+          <p:cNvSpPr/>
+          <p:nvPr/>
+        </p:nvSpPr>
+        <p:spPr>
+          <a:xfrm>
+            <a:off x="665018" y="1298865"/>
+            <a:ext cx="2815937" cy="706582"/>
+          </a:xfrm>
+          <a:prstGeom prst="roundRect">
+            <a:avLst>
+              <a:gd name="adj" fmla="val 50000"/>
+            </a:avLst>
+          </a:prstGeom>
+        </p:spPr>
+        <p:style>
+          <a:lnRef idx="2">
+            <a:schemeClr val="accent1">
+              <a:shade val="50000"/>
+            </a:schemeClr>
+          </a:lnRef>
+          <a:fillRef idx="1">
+            <a:schemeClr val="accent1"/>
+          </a:fillRef>
+          <a:effectRef idx="0">
+            <a:schemeClr val="accent1"/>
+          </a:effectRef>
+          <a:fontRef idx="minor">
+            <a:schemeClr val="lt1"/>
+          </a:fontRef>
+        </p:style>
+        <p:txBody>
+          <a:bodyPr rtlCol="0" anchor="ctr"/>
+          <a:lstStyle/>
+          <a:p>
+            <a:pPr algn="ctr"/>
+            <a:r>
+              <a:rPr lang="en-US" altLang="zh-CN" dirty="0"/>
+              <a:t>Input RGB image</a:t>
+            </a:r>
+            <a:endParaRPr lang="en-US" dirty="0"/>
+          </a:p>
+        </p:txBody>
+      </p:sp>
+      <p:sp>
+        <p:nvSpPr>
+          <p:cNvPr id="5" name="Rectangle 4">
+            <a:extLst>
+              <a:ext uri="{FF2B5EF4-FFF2-40B4-BE49-F238E27FC236}">
+                <a16:creationId xmlns:a16="http://schemas.microsoft.com/office/drawing/2014/main" id="{8E09BCD2-D26B-48F9-A64F-70DF6AD9108E}"/>
+              </a:ext>
+            </a:extLst>
+          </p:cNvPr>
+          <p:cNvSpPr/>
+          <p:nvPr/>
+        </p:nvSpPr>
+        <p:spPr>
+          <a:xfrm>
+            <a:off x="893617" y="2289576"/>
+            <a:ext cx="2358737" cy="706582"/>
+          </a:xfrm>
+          <a:prstGeom prst="rect">
+            <a:avLst/>
+          </a:prstGeom>
+        </p:spPr>
+        <p:style>
+          <a:lnRef idx="2">
+            <a:schemeClr val="accent1">
+              <a:shade val="50000"/>
+            </a:schemeClr>
+          </a:lnRef>
+          <a:fillRef idx="1">
+            <a:schemeClr val="accent1"/>
+          </a:fillRef>
+          <a:effectRef idx="0">
+            <a:schemeClr val="accent1"/>
+          </a:effectRef>
+          <a:fontRef idx="minor">
+            <a:schemeClr val="lt1"/>
+          </a:fontRef>
+        </p:style>
+        <p:txBody>
+          <a:bodyPr rtlCol="0" anchor="ctr"/>
+          <a:lstStyle/>
+          <a:p>
+            <a:pPr algn="ctr"/>
+            <a:r>
+              <a:rPr lang="en-US" dirty="0"/>
+              <a:t>Convert RGB image to Grey image</a:t>
+            </a:r>
+          </a:p>
+        </p:txBody>
+      </p:sp>
+      <p:sp>
+        <p:nvSpPr>
+          <p:cNvPr id="17" name="Rectangle 16">
+            <a:extLst>
+              <a:ext uri="{FF2B5EF4-FFF2-40B4-BE49-F238E27FC236}">
+                <a16:creationId xmlns:a16="http://schemas.microsoft.com/office/drawing/2014/main" id="{92926D6A-90AE-4F22-926F-B96B06C8A8AA}"/>
+              </a:ext>
+            </a:extLst>
+          </p:cNvPr>
+          <p:cNvSpPr/>
+          <p:nvPr/>
+        </p:nvSpPr>
+        <p:spPr>
+          <a:xfrm>
+            <a:off x="722165" y="3280287"/>
+            <a:ext cx="2701639" cy="706582"/>
+          </a:xfrm>
+          <a:prstGeom prst="rect">
+            <a:avLst/>
+          </a:prstGeom>
+        </p:spPr>
+        <p:style>
+          <a:lnRef idx="2">
+            <a:schemeClr val="accent1">
+              <a:shade val="50000"/>
+            </a:schemeClr>
+          </a:lnRef>
+          <a:fillRef idx="1">
+            <a:schemeClr val="accent1"/>
+          </a:fillRef>
+          <a:effectRef idx="0">
+            <a:schemeClr val="accent1"/>
+          </a:effectRef>
+          <a:fontRef idx="minor">
+            <a:schemeClr val="lt1"/>
+          </a:fontRef>
+        </p:style>
+        <p:txBody>
+          <a:bodyPr rtlCol="0" anchor="ctr"/>
+          <a:lstStyle/>
+          <a:p>
+            <a:pPr algn="ctr"/>
+            <a:r>
+              <a:rPr lang="en-US" dirty="0"/>
+              <a:t>Scaling the grey image to (0-255)</a:t>
+            </a:r>
+          </a:p>
+        </p:txBody>
+      </p:sp>
+      <p:sp>
+        <p:nvSpPr>
+          <p:cNvPr id="18" name="Rectangle 17">
+            <a:extLst>
+              <a:ext uri="{FF2B5EF4-FFF2-40B4-BE49-F238E27FC236}">
+                <a16:creationId xmlns:a16="http://schemas.microsoft.com/office/drawing/2014/main" id="{D68108F0-5DF3-4515-8B05-EA33C43F96DD}"/>
+              </a:ext>
+            </a:extLst>
+          </p:cNvPr>
+          <p:cNvSpPr/>
+          <p:nvPr/>
+        </p:nvSpPr>
+        <p:spPr>
+          <a:xfrm>
+            <a:off x="431219" y="4215133"/>
+            <a:ext cx="3283528" cy="706582"/>
+          </a:xfrm>
+          <a:prstGeom prst="rect">
+            <a:avLst/>
+          </a:prstGeom>
+        </p:spPr>
+        <p:style>
+          <a:lnRef idx="2">
+            <a:schemeClr val="accent1">
+              <a:shade val="50000"/>
+            </a:schemeClr>
+          </a:lnRef>
+          <a:fillRef idx="1">
+            <a:schemeClr val="accent1"/>
+          </a:fillRef>
+          <a:effectRef idx="0">
+            <a:schemeClr val="accent1"/>
+          </a:effectRef>
+          <a:fontRef idx="minor">
+            <a:schemeClr val="lt1"/>
+          </a:fontRef>
+        </p:style>
+        <p:txBody>
+          <a:bodyPr rtlCol="0" anchor="ctr"/>
+          <a:lstStyle/>
+          <a:p>
+            <a:pPr algn="ctr"/>
+            <a:r>
+              <a:rPr lang="en-US" dirty="0"/>
+              <a:t>Appling Lowpass filter to keep </a:t>
+            </a:r>
+            <a:r>
+              <a:rPr lang="en-US" altLang="zh-CN" dirty="0"/>
+              <a:t>areas with intense gradient</a:t>
+            </a:r>
+            <a:endParaRPr lang="en-US" dirty="0"/>
+          </a:p>
+        </p:txBody>
+      </p:sp>
+      <p:sp>
+        <p:nvSpPr>
+          <p:cNvPr id="21" name="Rectangle 20">
+            <a:extLst>
+              <a:ext uri="{FF2B5EF4-FFF2-40B4-BE49-F238E27FC236}">
+                <a16:creationId xmlns:a16="http://schemas.microsoft.com/office/drawing/2014/main" id="{90436025-D5FE-468E-AD13-D9E0B45E2428}"/>
+              </a:ext>
+            </a:extLst>
+          </p:cNvPr>
+          <p:cNvSpPr/>
+          <p:nvPr/>
+        </p:nvSpPr>
+        <p:spPr>
+          <a:xfrm>
+            <a:off x="4499261" y="4261162"/>
+            <a:ext cx="2358737" cy="602674"/>
+          </a:xfrm>
+          <a:prstGeom prst="rect">
+            <a:avLst/>
+          </a:prstGeom>
+        </p:spPr>
+        <p:style>
+          <a:lnRef idx="2">
+            <a:schemeClr val="accent1">
+              <a:shade val="50000"/>
+            </a:schemeClr>
+          </a:lnRef>
+          <a:fillRef idx="1">
+            <a:schemeClr val="accent1"/>
+          </a:fillRef>
+          <a:effectRef idx="0">
+            <a:schemeClr val="accent1"/>
+          </a:effectRef>
+          <a:fontRef idx="minor">
+            <a:schemeClr val="lt1"/>
+          </a:fontRef>
+        </p:style>
+        <p:txBody>
+          <a:bodyPr rtlCol="0" anchor="ctr"/>
+          <a:lstStyle/>
+          <a:p>
+            <a:pPr algn="ctr"/>
+            <a:r>
+              <a:rPr lang="en-US" dirty="0">
+                <a:solidFill>
+                  <a:srgbClr val="FF0000"/>
+                </a:solidFill>
+              </a:rPr>
+              <a:t>Threshold: binarization (180)</a:t>
+            </a:r>
+          </a:p>
+        </p:txBody>
+      </p:sp>
+      <p:sp>
+        <p:nvSpPr>
+          <p:cNvPr id="22" name="Rectangle 21">
+            <a:extLst>
+              <a:ext uri="{FF2B5EF4-FFF2-40B4-BE49-F238E27FC236}">
+                <a16:creationId xmlns:a16="http://schemas.microsoft.com/office/drawing/2014/main" id="{E1671549-247D-4DE7-A58E-E7EE1EFA6CD4}"/>
+              </a:ext>
+            </a:extLst>
+          </p:cNvPr>
+          <p:cNvSpPr/>
+          <p:nvPr/>
+        </p:nvSpPr>
+        <p:spPr>
+          <a:xfrm>
+            <a:off x="4120718" y="3328330"/>
+            <a:ext cx="3115824" cy="602674"/>
+          </a:xfrm>
+          <a:prstGeom prst="rect">
+            <a:avLst/>
+          </a:prstGeom>
+        </p:spPr>
+        <p:style>
+          <a:lnRef idx="2">
+            <a:schemeClr val="accent1">
+              <a:shade val="50000"/>
+            </a:schemeClr>
+          </a:lnRef>
+          <a:fillRef idx="1">
+            <a:schemeClr val="accent1"/>
+          </a:fillRef>
+          <a:effectRef idx="0">
+            <a:schemeClr val="accent1"/>
+          </a:effectRef>
+          <a:fontRef idx="minor">
+            <a:schemeClr val="lt1"/>
+          </a:fontRef>
+        </p:style>
+        <p:txBody>
+          <a:bodyPr rtlCol="0" anchor="ctr"/>
+          <a:lstStyle/>
+          <a:p>
+            <a:pPr algn="ctr"/>
+            <a:r>
+              <a:rPr lang="en-US" dirty="0"/>
+              <a:t>Erosion: denoising the image, removing small objects</a:t>
+            </a:r>
+          </a:p>
+        </p:txBody>
+      </p:sp>
+      <p:sp>
+        <p:nvSpPr>
+          <p:cNvPr id="23" name="Rectangle 22">
+            <a:extLst>
+              <a:ext uri="{FF2B5EF4-FFF2-40B4-BE49-F238E27FC236}">
+                <a16:creationId xmlns:a16="http://schemas.microsoft.com/office/drawing/2014/main" id="{7B905D9E-00B1-4A19-A205-C37C0E9DE129}"/>
+              </a:ext>
+            </a:extLst>
+          </p:cNvPr>
+          <p:cNvSpPr/>
+          <p:nvPr/>
+        </p:nvSpPr>
+        <p:spPr>
+          <a:xfrm>
+            <a:off x="4120718" y="2389573"/>
+            <a:ext cx="3115824" cy="602674"/>
+          </a:xfrm>
+          <a:prstGeom prst="rect">
+            <a:avLst/>
+          </a:prstGeom>
+        </p:spPr>
+        <p:style>
+          <a:lnRef idx="2">
+            <a:schemeClr val="accent1">
+              <a:shade val="50000"/>
+            </a:schemeClr>
+          </a:lnRef>
+          <a:fillRef idx="1">
+            <a:schemeClr val="accent1"/>
+          </a:fillRef>
+          <a:effectRef idx="0">
+            <a:schemeClr val="accent1"/>
+          </a:effectRef>
+          <a:fontRef idx="minor">
+            <a:schemeClr val="lt1"/>
+          </a:fontRef>
+        </p:style>
+        <p:txBody>
+          <a:bodyPr rtlCol="0" anchor="ctr"/>
+          <a:lstStyle/>
+          <a:p>
+            <a:pPr algn="ctr"/>
+            <a:r>
+              <a:rPr lang="en-US" dirty="0"/>
+              <a:t>Dilation: Filling objects</a:t>
+            </a:r>
+          </a:p>
+        </p:txBody>
+      </p:sp>
+      <p:sp>
+        <p:nvSpPr>
+          <p:cNvPr id="26" name="Rectangle 25">
+            <a:extLst>
+              <a:ext uri="{FF2B5EF4-FFF2-40B4-BE49-F238E27FC236}">
+                <a16:creationId xmlns:a16="http://schemas.microsoft.com/office/drawing/2014/main" id="{B675821A-3715-41E0-B39B-3963F8279B78}"/>
+              </a:ext>
+            </a:extLst>
+          </p:cNvPr>
+          <p:cNvSpPr/>
+          <p:nvPr/>
+        </p:nvSpPr>
+        <p:spPr>
+          <a:xfrm>
+            <a:off x="4120718" y="1402773"/>
+            <a:ext cx="3115824" cy="602674"/>
+          </a:xfrm>
+          <a:prstGeom prst="rect">
+            <a:avLst/>
+          </a:prstGeom>
+        </p:spPr>
+        <p:style>
+          <a:lnRef idx="2">
+            <a:schemeClr val="accent1">
+              <a:shade val="50000"/>
+            </a:schemeClr>
+          </a:lnRef>
+          <a:fillRef idx="1">
+            <a:schemeClr val="accent1"/>
+          </a:fillRef>
+          <a:effectRef idx="0">
+            <a:schemeClr val="accent1"/>
+          </a:effectRef>
+          <a:fontRef idx="minor">
+            <a:schemeClr val="lt1"/>
+          </a:fontRef>
+        </p:style>
+        <p:txBody>
+          <a:bodyPr rtlCol="0" anchor="ctr"/>
+          <a:lstStyle/>
+          <a:p>
+            <a:pPr algn="ctr"/>
+            <a:r>
+              <a:rPr lang="en-US" dirty="0"/>
+              <a:t>Labeling objects</a:t>
+            </a:r>
+          </a:p>
+        </p:txBody>
+      </p:sp>
+      <p:sp>
+        <p:nvSpPr>
+          <p:cNvPr id="27" name="Rectangle 26">
+            <a:extLst>
+              <a:ext uri="{FF2B5EF4-FFF2-40B4-BE49-F238E27FC236}">
+                <a16:creationId xmlns:a16="http://schemas.microsoft.com/office/drawing/2014/main" id="{2A186410-EFFD-4AD4-87E7-83743CF8C45A}"/>
+              </a:ext>
+            </a:extLst>
+          </p:cNvPr>
+          <p:cNvSpPr/>
+          <p:nvPr/>
+        </p:nvSpPr>
+        <p:spPr>
+          <a:xfrm>
+            <a:off x="8169430" y="1402773"/>
+            <a:ext cx="3115824" cy="602674"/>
+          </a:xfrm>
+          <a:prstGeom prst="rect">
+            <a:avLst/>
+          </a:prstGeom>
+        </p:spPr>
+        <p:style>
+          <a:lnRef idx="2">
+            <a:schemeClr val="accent1">
+              <a:shade val="50000"/>
+            </a:schemeClr>
+          </a:lnRef>
+          <a:fillRef idx="1">
+            <a:schemeClr val="accent1"/>
+          </a:fillRef>
+          <a:effectRef idx="0">
+            <a:schemeClr val="accent1"/>
+          </a:effectRef>
+          <a:fontRef idx="minor">
+            <a:schemeClr val="lt1"/>
+          </a:fontRef>
+        </p:style>
+        <p:txBody>
+          <a:bodyPr rtlCol="0" anchor="ctr"/>
+          <a:lstStyle/>
+          <a:p>
+            <a:pPr algn="ctr"/>
+            <a:r>
+              <a:rPr lang="en-US" dirty="0">
+                <a:solidFill>
+                  <a:srgbClr val="FF0000"/>
+                </a:solidFill>
+              </a:rPr>
+              <a:t>Identifying objects</a:t>
+            </a:r>
+          </a:p>
+        </p:txBody>
+      </p:sp>
+      <p:sp>
+        <p:nvSpPr>
+          <p:cNvPr id="32" name="Rectangle 31">
+            <a:extLst>
+              <a:ext uri="{FF2B5EF4-FFF2-40B4-BE49-F238E27FC236}">
+                <a16:creationId xmlns:a16="http://schemas.microsoft.com/office/drawing/2014/main" id="{57452871-381B-47BA-9C8A-79B32DFBB3CE}"/>
+              </a:ext>
+            </a:extLst>
+          </p:cNvPr>
+          <p:cNvSpPr/>
+          <p:nvPr/>
+        </p:nvSpPr>
+        <p:spPr>
+          <a:xfrm>
+            <a:off x="8182559" y="2341530"/>
+            <a:ext cx="3115824" cy="602674"/>
+          </a:xfrm>
+          <a:prstGeom prst="rect">
+            <a:avLst/>
+          </a:prstGeom>
+        </p:spPr>
+        <p:style>
+          <a:lnRef idx="2">
+            <a:schemeClr val="accent1">
+              <a:shade val="50000"/>
+            </a:schemeClr>
+          </a:lnRef>
+          <a:fillRef idx="1">
+            <a:schemeClr val="accent1"/>
+          </a:fillRef>
+          <a:effectRef idx="0">
+            <a:schemeClr val="accent1"/>
+          </a:effectRef>
+          <a:fontRef idx="minor">
+            <a:schemeClr val="lt1"/>
+          </a:fontRef>
+        </p:style>
+        <p:txBody>
+          <a:bodyPr rtlCol="0" anchor="ctr"/>
+          <a:lstStyle/>
+          <a:p>
+            <a:pPr algn="ctr"/>
+            <a:r>
+              <a:rPr lang="en-US" dirty="0">
+                <a:solidFill>
+                  <a:schemeClr val="bg1"/>
+                </a:solidFill>
+              </a:rPr>
+              <a:t>Calculating robots’ directions</a:t>
+            </a:r>
+          </a:p>
+        </p:txBody>
+      </p:sp>
+      <p:sp>
+        <p:nvSpPr>
+          <p:cNvPr id="33" name="Rectangle: Rounded Corners 32">
+            <a:extLst>
+              <a:ext uri="{FF2B5EF4-FFF2-40B4-BE49-F238E27FC236}">
+                <a16:creationId xmlns:a16="http://schemas.microsoft.com/office/drawing/2014/main" id="{CA8881E7-B19C-41CB-B55F-1C13A05C3A7D}"/>
+              </a:ext>
+            </a:extLst>
+          </p:cNvPr>
+          <p:cNvSpPr/>
+          <p:nvPr/>
+        </p:nvSpPr>
+        <p:spPr>
+          <a:xfrm>
+            <a:off x="7933456" y="3260064"/>
+            <a:ext cx="3450456" cy="706582"/>
+          </a:xfrm>
+          <a:prstGeom prst="roundRect">
+            <a:avLst>
+              <a:gd name="adj" fmla="val 50000"/>
+            </a:avLst>
+          </a:prstGeom>
+        </p:spPr>
+        <p:style>
+          <a:lnRef idx="2">
+            <a:schemeClr val="accent1">
+              <a:shade val="50000"/>
+            </a:schemeClr>
+          </a:lnRef>
+          <a:fillRef idx="1">
+            <a:schemeClr val="accent1"/>
+          </a:fillRef>
+          <a:effectRef idx="0">
+            <a:schemeClr val="accent1"/>
+          </a:effectRef>
+          <a:fontRef idx="minor">
+            <a:schemeClr val="lt1"/>
+          </a:fontRef>
+        </p:style>
+        <p:txBody>
+          <a:bodyPr rtlCol="0" anchor="ctr"/>
+          <a:lstStyle/>
+          <a:p>
+            <a:pPr algn="ctr"/>
+            <a:r>
+              <a:rPr lang="en-US" dirty="0"/>
+              <a:t>Self position, enemy position, and obstacles positions</a:t>
+            </a:r>
+          </a:p>
+        </p:txBody>
+      </p:sp>
+      <p:cxnSp>
+        <p:nvCxnSpPr>
+          <p:cNvPr id="8" name="Straight Arrow Connector 7">
+            <a:extLst>
+              <a:ext uri="{FF2B5EF4-FFF2-40B4-BE49-F238E27FC236}">
+                <a16:creationId xmlns:a16="http://schemas.microsoft.com/office/drawing/2014/main" id="{4E6A8D82-E9D2-4E04-9293-2A17E98026DE}"/>
+              </a:ext>
+            </a:extLst>
+          </p:cNvPr>
+          <p:cNvCxnSpPr>
+            <a:stCxn id="3" idx="2"/>
+            <a:endCxn id="5" idx="0"/>
+          </p:cNvCxnSpPr>
+          <p:nvPr/>
+        </p:nvCxnSpPr>
+        <p:spPr>
+          <a:xfrm flipH="1">
+            <a:off x="2072986" y="2005447"/>
+            <a:ext cx="1" cy="284129"/>
+          </a:xfrm>
+          <a:prstGeom prst="straightConnector1">
+            <a:avLst/>
+          </a:prstGeom>
+          <a:ln>
+            <a:tailEnd type="triangle"/>
+          </a:ln>
+        </p:spPr>
+        <p:style>
+          <a:lnRef idx="1">
+            <a:schemeClr val="accent1"/>
+          </a:lnRef>
+          <a:fillRef idx="0">
+            <a:schemeClr val="accent1"/>
+          </a:fillRef>
+          <a:effectRef idx="0">
+            <a:schemeClr val="accent1"/>
+          </a:effectRef>
+          <a:fontRef idx="minor">
+            <a:schemeClr val="tx1"/>
+          </a:fontRef>
+        </p:style>
+      </p:cxnSp>
+      <p:cxnSp>
+        <p:nvCxnSpPr>
+          <p:cNvPr id="10" name="Straight Arrow Connector 9">
+            <a:extLst>
+              <a:ext uri="{FF2B5EF4-FFF2-40B4-BE49-F238E27FC236}">
+                <a16:creationId xmlns:a16="http://schemas.microsoft.com/office/drawing/2014/main" id="{20179110-48DA-4526-8E88-6613F24E3FEE}"/>
+              </a:ext>
+            </a:extLst>
+          </p:cNvPr>
+          <p:cNvCxnSpPr>
+            <a:stCxn id="5" idx="2"/>
+            <a:endCxn id="17" idx="0"/>
+          </p:cNvCxnSpPr>
+          <p:nvPr/>
+        </p:nvCxnSpPr>
+        <p:spPr>
+          <a:xfrm flipH="1">
+            <a:off x="2072985" y="2996158"/>
+            <a:ext cx="1" cy="284129"/>
+          </a:xfrm>
+          <a:prstGeom prst="straightConnector1">
+            <a:avLst/>
+          </a:prstGeom>
+          <a:ln>
+            <a:tailEnd type="triangle"/>
+          </a:ln>
+        </p:spPr>
+        <p:style>
+          <a:lnRef idx="1">
+            <a:schemeClr val="accent1"/>
+          </a:lnRef>
+          <a:fillRef idx="0">
+            <a:schemeClr val="accent1"/>
+          </a:fillRef>
+          <a:effectRef idx="0">
+            <a:schemeClr val="accent1"/>
+          </a:effectRef>
+          <a:fontRef idx="minor">
+            <a:schemeClr val="tx1"/>
+          </a:fontRef>
+        </p:style>
+      </p:cxnSp>
+      <p:cxnSp>
+        <p:nvCxnSpPr>
+          <p:cNvPr id="12" name="Straight Arrow Connector 11">
+            <a:extLst>
+              <a:ext uri="{FF2B5EF4-FFF2-40B4-BE49-F238E27FC236}">
+                <a16:creationId xmlns:a16="http://schemas.microsoft.com/office/drawing/2014/main" id="{04EB9C7C-1E94-4D9E-9D1D-336D7C0C6B5F}"/>
+              </a:ext>
+            </a:extLst>
+          </p:cNvPr>
+          <p:cNvCxnSpPr>
+            <a:stCxn id="17" idx="2"/>
+            <a:endCxn id="18" idx="0"/>
+          </p:cNvCxnSpPr>
+          <p:nvPr/>
+        </p:nvCxnSpPr>
+        <p:spPr>
+          <a:xfrm flipH="1">
+            <a:off x="2072983" y="3986869"/>
+            <a:ext cx="2" cy="228264"/>
+          </a:xfrm>
+          <a:prstGeom prst="straightConnector1">
+            <a:avLst/>
+          </a:prstGeom>
+          <a:ln>
+            <a:tailEnd type="triangle"/>
+          </a:ln>
+        </p:spPr>
+        <p:style>
+          <a:lnRef idx="1">
+            <a:schemeClr val="accent1"/>
+          </a:lnRef>
+          <a:fillRef idx="0">
+            <a:schemeClr val="accent1"/>
+          </a:fillRef>
+          <a:effectRef idx="0">
+            <a:schemeClr val="accent1"/>
+          </a:effectRef>
+          <a:fontRef idx="minor">
+            <a:schemeClr val="tx1"/>
+          </a:fontRef>
+        </p:style>
+      </p:cxnSp>
+      <p:cxnSp>
+        <p:nvCxnSpPr>
+          <p:cNvPr id="14" name="Straight Arrow Connector 13">
+            <a:extLst>
+              <a:ext uri="{FF2B5EF4-FFF2-40B4-BE49-F238E27FC236}">
+                <a16:creationId xmlns:a16="http://schemas.microsoft.com/office/drawing/2014/main" id="{E4CBEA0D-B2DC-4D6E-A37A-E18E99153AB4}"/>
+              </a:ext>
+            </a:extLst>
+          </p:cNvPr>
+          <p:cNvCxnSpPr>
+            <a:cxnSpLocks/>
+            <a:stCxn id="18" idx="3"/>
+            <a:endCxn id="21" idx="1"/>
+          </p:cNvCxnSpPr>
+          <p:nvPr/>
+        </p:nvCxnSpPr>
+        <p:spPr>
+          <a:xfrm flipV="1">
+            <a:off x="3714747" y="4562499"/>
+            <a:ext cx="784514" cy="5925"/>
+          </a:xfrm>
+          <a:prstGeom prst="straightConnector1">
+            <a:avLst/>
+          </a:prstGeom>
+          <a:ln>
+            <a:tailEnd type="triangle"/>
+          </a:ln>
+        </p:spPr>
+        <p:style>
+          <a:lnRef idx="1">
+            <a:schemeClr val="accent1"/>
+          </a:lnRef>
+          <a:fillRef idx="0">
+            <a:schemeClr val="accent1"/>
+          </a:fillRef>
+          <a:effectRef idx="0">
+            <a:schemeClr val="accent1"/>
+          </a:effectRef>
+          <a:fontRef idx="minor">
+            <a:schemeClr val="tx1"/>
+          </a:fontRef>
+        </p:style>
+      </p:cxnSp>
+      <p:cxnSp>
+        <p:nvCxnSpPr>
+          <p:cNvPr id="34" name="Straight Arrow Connector 33">
+            <a:extLst>
+              <a:ext uri="{FF2B5EF4-FFF2-40B4-BE49-F238E27FC236}">
+                <a16:creationId xmlns:a16="http://schemas.microsoft.com/office/drawing/2014/main" id="{5C051368-532E-4972-AC96-1CED79973F39}"/>
+              </a:ext>
+            </a:extLst>
+          </p:cNvPr>
+          <p:cNvCxnSpPr>
+            <a:cxnSpLocks/>
+            <a:stCxn id="21" idx="0"/>
+            <a:endCxn id="22" idx="2"/>
+          </p:cNvCxnSpPr>
+          <p:nvPr/>
+        </p:nvCxnSpPr>
+        <p:spPr>
+          <a:xfrm flipV="1">
+            <a:off x="5678630" y="3931004"/>
+            <a:ext cx="0" cy="330158"/>
+          </a:xfrm>
+          <a:prstGeom prst="straightConnector1">
+            <a:avLst/>
+          </a:prstGeom>
+          <a:ln>
+            <a:tailEnd type="triangle"/>
+          </a:ln>
+        </p:spPr>
+        <p:style>
+          <a:lnRef idx="1">
+            <a:schemeClr val="accent1"/>
+          </a:lnRef>
+          <a:fillRef idx="0">
+            <a:schemeClr val="accent1"/>
+          </a:fillRef>
+          <a:effectRef idx="0">
+            <a:schemeClr val="accent1"/>
+          </a:effectRef>
+          <a:fontRef idx="minor">
+            <a:schemeClr val="tx1"/>
+          </a:fontRef>
+        </p:style>
+      </p:cxnSp>
+      <p:cxnSp>
+        <p:nvCxnSpPr>
+          <p:cNvPr id="36" name="Straight Arrow Connector 35">
+            <a:extLst>
+              <a:ext uri="{FF2B5EF4-FFF2-40B4-BE49-F238E27FC236}">
+                <a16:creationId xmlns:a16="http://schemas.microsoft.com/office/drawing/2014/main" id="{F8854150-3587-479B-B4FA-29639C083873}"/>
+              </a:ext>
+            </a:extLst>
+          </p:cNvPr>
+          <p:cNvCxnSpPr>
+            <a:stCxn id="22" idx="0"/>
+            <a:endCxn id="23" idx="2"/>
+          </p:cNvCxnSpPr>
+          <p:nvPr/>
+        </p:nvCxnSpPr>
+        <p:spPr>
+          <a:xfrm flipV="1">
+            <a:off x="5678630" y="2992247"/>
+            <a:ext cx="0" cy="336083"/>
+          </a:xfrm>
+          <a:prstGeom prst="straightConnector1">
+            <a:avLst/>
+          </a:prstGeom>
+          <a:ln>
+            <a:tailEnd type="triangle"/>
+          </a:ln>
+        </p:spPr>
+        <p:style>
+          <a:lnRef idx="1">
+            <a:schemeClr val="accent1"/>
+          </a:lnRef>
+          <a:fillRef idx="0">
+            <a:schemeClr val="accent1"/>
+          </a:fillRef>
+          <a:effectRef idx="0">
+            <a:schemeClr val="accent1"/>
+          </a:effectRef>
+          <a:fontRef idx="minor">
+            <a:schemeClr val="tx1"/>
+          </a:fontRef>
+        </p:style>
+      </p:cxnSp>
+      <p:cxnSp>
+        <p:nvCxnSpPr>
+          <p:cNvPr id="38" name="Straight Arrow Connector 37">
+            <a:extLst>
+              <a:ext uri="{FF2B5EF4-FFF2-40B4-BE49-F238E27FC236}">
+                <a16:creationId xmlns:a16="http://schemas.microsoft.com/office/drawing/2014/main" id="{87ED1AF0-8495-4342-B509-6667DF0B55DF}"/>
+              </a:ext>
+            </a:extLst>
+          </p:cNvPr>
+          <p:cNvCxnSpPr>
+            <a:stCxn id="23" idx="0"/>
+            <a:endCxn id="26" idx="2"/>
+          </p:cNvCxnSpPr>
+          <p:nvPr/>
+        </p:nvCxnSpPr>
+        <p:spPr>
+          <a:xfrm flipV="1">
+            <a:off x="5678630" y="2005447"/>
+            <a:ext cx="0" cy="384126"/>
+          </a:xfrm>
+          <a:prstGeom prst="straightConnector1">
+            <a:avLst/>
+          </a:prstGeom>
+          <a:ln>
+            <a:tailEnd type="triangle"/>
+          </a:ln>
+        </p:spPr>
+        <p:style>
+          <a:lnRef idx="1">
+            <a:schemeClr val="accent1"/>
+          </a:lnRef>
+          <a:fillRef idx="0">
+            <a:schemeClr val="accent1"/>
+          </a:fillRef>
+          <a:effectRef idx="0">
+            <a:schemeClr val="accent1"/>
+          </a:effectRef>
+          <a:fontRef idx="minor">
+            <a:schemeClr val="tx1"/>
+          </a:fontRef>
+        </p:style>
+      </p:cxnSp>
+      <p:cxnSp>
+        <p:nvCxnSpPr>
+          <p:cNvPr id="40" name="Straight Arrow Connector 39">
+            <a:extLst>
+              <a:ext uri="{FF2B5EF4-FFF2-40B4-BE49-F238E27FC236}">
+                <a16:creationId xmlns:a16="http://schemas.microsoft.com/office/drawing/2014/main" id="{A467F44F-A2CE-456A-87F9-9018F29627D6}"/>
+              </a:ext>
+            </a:extLst>
+          </p:cNvPr>
+          <p:cNvCxnSpPr>
+            <a:stCxn id="26" idx="3"/>
+            <a:endCxn id="27" idx="1"/>
+          </p:cNvCxnSpPr>
+          <p:nvPr/>
+        </p:nvCxnSpPr>
+        <p:spPr>
+          <a:xfrm>
+            <a:off x="7236542" y="1704110"/>
+            <a:ext cx="932888" cy="0"/>
+          </a:xfrm>
+          <a:prstGeom prst="straightConnector1">
+            <a:avLst/>
+          </a:prstGeom>
+          <a:ln>
+            <a:tailEnd type="triangle"/>
+          </a:ln>
+        </p:spPr>
+        <p:style>
+          <a:lnRef idx="1">
+            <a:schemeClr val="accent1"/>
+          </a:lnRef>
+          <a:fillRef idx="0">
+            <a:schemeClr val="accent1"/>
+          </a:fillRef>
+          <a:effectRef idx="0">
+            <a:schemeClr val="accent1"/>
+          </a:effectRef>
+          <a:fontRef idx="minor">
+            <a:schemeClr val="tx1"/>
+          </a:fontRef>
+        </p:style>
+      </p:cxnSp>
+      <p:cxnSp>
+        <p:nvCxnSpPr>
+          <p:cNvPr id="42" name="Straight Arrow Connector 41">
+            <a:extLst>
+              <a:ext uri="{FF2B5EF4-FFF2-40B4-BE49-F238E27FC236}">
+                <a16:creationId xmlns:a16="http://schemas.microsoft.com/office/drawing/2014/main" id="{A6FBB3D6-24F5-42CF-93C5-2C60933D6189}"/>
+              </a:ext>
+            </a:extLst>
+          </p:cNvPr>
+          <p:cNvCxnSpPr>
+            <a:stCxn id="27" idx="2"/>
+            <a:endCxn id="32" idx="0"/>
+          </p:cNvCxnSpPr>
+          <p:nvPr/>
+        </p:nvCxnSpPr>
+        <p:spPr>
+          <a:xfrm>
+            <a:off x="9727342" y="2005447"/>
+            <a:ext cx="13129" cy="336083"/>
+          </a:xfrm>
+          <a:prstGeom prst="straightConnector1">
+            <a:avLst/>
+          </a:prstGeom>
+          <a:ln>
+            <a:tailEnd type="triangle"/>
+          </a:ln>
+        </p:spPr>
+        <p:style>
+          <a:lnRef idx="1">
+            <a:schemeClr val="accent1"/>
+          </a:lnRef>
+          <a:fillRef idx="0">
+            <a:schemeClr val="accent1"/>
+          </a:fillRef>
+          <a:effectRef idx="0">
+            <a:schemeClr val="accent1"/>
+          </a:effectRef>
+          <a:fontRef idx="minor">
+            <a:schemeClr val="tx1"/>
+          </a:fontRef>
+        </p:style>
+      </p:cxnSp>
+      <p:cxnSp>
+        <p:nvCxnSpPr>
+          <p:cNvPr id="44" name="Straight Arrow Connector 43">
+            <a:extLst>
+              <a:ext uri="{FF2B5EF4-FFF2-40B4-BE49-F238E27FC236}">
+                <a16:creationId xmlns:a16="http://schemas.microsoft.com/office/drawing/2014/main" id="{94984936-CC69-4A94-B059-C9DC5D8A487D}"/>
+              </a:ext>
+            </a:extLst>
+          </p:cNvPr>
+          <p:cNvCxnSpPr>
+            <a:cxnSpLocks/>
+            <a:stCxn id="32" idx="2"/>
+          </p:cNvCxnSpPr>
+          <p:nvPr/>
+        </p:nvCxnSpPr>
+        <p:spPr>
+          <a:xfrm>
+            <a:off x="9740471" y="2944204"/>
+            <a:ext cx="0" cy="315860"/>
+          </a:xfrm>
+          <a:prstGeom prst="straightConnector1">
+            <a:avLst/>
+          </a:prstGeom>
+          <a:ln>
+            <a:tailEnd type="triangle"/>
+          </a:ln>
+        </p:spPr>
+        <p:style>
+          <a:lnRef idx="1">
+            <a:schemeClr val="accent1"/>
+          </a:lnRef>
+          <a:fillRef idx="0">
+            <a:schemeClr val="accent1"/>
+          </a:fillRef>
+          <a:effectRef idx="0">
+            <a:schemeClr val="accent1"/>
+          </a:effectRef>
+          <a:fontRef idx="minor">
+            <a:schemeClr val="tx1"/>
+          </a:fontRef>
+        </p:style>
+      </p:cxnSp>
+    </p:spTree>
+    <p:extLst>
+      <p:ext uri="{BB962C8B-B14F-4D97-AF65-F5344CB8AC3E}">
+        <p14:creationId xmlns:p14="http://schemas.microsoft.com/office/powerpoint/2010/main" val="878081281"/>
+      </p:ext>
+    </p:extLst>
+  </p:cSld>
+  <p:clrMapOvr>
+    <a:masterClrMapping/>
+  </p:clrMapOvr>
+</p:sld>
+</file>
+
+<file path=ppt/slides/slide9.xml><?xml version="1.0" encoding="utf-8"?>
+<p:sld xmlns:a="http://schemas.openxmlformats.org/drawingml/2006/main" xmlns:r="http://schemas.openxmlformats.org/officeDocument/2006/relationships" xmlns:p="http://schemas.openxmlformats.org/presentationml/2006/main">
+  <p:cSld>
+    <p:spTree>
+      <p:nvGrpSpPr>
+        <p:cNvPr id="1" name=""/>
+        <p:cNvGrpSpPr/>
+        <p:nvPr/>
+      </p:nvGrpSpPr>
+      <p:grpSpPr>
+        <a:xfrm>
+          <a:off x="0" y="0"/>
+          <a:ext cx="0" cy="0"/>
+          <a:chOff x="0" y="0"/>
+          <a:chExt cx="0" cy="0"/>
+        </a:xfrm>
+      </p:grpSpPr>
+      <p:pic>
+        <p:nvPicPr>
+          <p:cNvPr id="24" name="Picture 23" descr="A screenshot of a computer&#10;&#10;Description automatically generated with medium confidence">
+            <a:extLst>
+              <a:ext uri="{FF2B5EF4-FFF2-40B4-BE49-F238E27FC236}">
+                <a16:creationId xmlns:a16="http://schemas.microsoft.com/office/drawing/2014/main" id="{8CB07976-DA13-430F-9545-BA4F339D08FC}"/>
+              </a:ext>
+            </a:extLst>
+          </p:cNvPr>
+          <p:cNvPicPr>
+            <a:picLocks noChangeAspect="1"/>
+          </p:cNvPicPr>
+          <p:nvPr/>
+        </p:nvPicPr>
+        <p:blipFill rotWithShape="1">
+          <a:blip r:embed="rId2"/>
+          <a:srcRect l="61360" t="17179" r="18245" b="25296"/>
+          <a:stretch/>
+        </p:blipFill>
+        <p:spPr bwMode="auto">
+          <a:xfrm>
+            <a:off x="2113679" y="703303"/>
+            <a:ext cx="7118811" cy="5647230"/>
+          </a:xfrm>
+          <a:prstGeom prst="rect">
+            <a:avLst/>
+          </a:prstGeom>
+          <a:ln>
+            <a:noFill/>
+          </a:ln>
+          <a:extLst>
+            <a:ext uri="{53640926-AAD7-44D8-BBD7-CCE9431645EC}">
+              <a14:shadowObscured xmlns:a14="http://schemas.microsoft.com/office/drawing/2010/main"/>
+            </a:ext>
+          </a:extLst>
+        </p:spPr>
+      </p:pic>
+      <p:cxnSp>
+        <p:nvCxnSpPr>
+          <p:cNvPr id="4" name="Straight Connector 3">
+            <a:extLst>
+              <a:ext uri="{FF2B5EF4-FFF2-40B4-BE49-F238E27FC236}">
+                <a16:creationId xmlns:a16="http://schemas.microsoft.com/office/drawing/2014/main" id="{B8A4C3CC-7C99-4A11-8E93-F82668E151EC}"/>
+              </a:ext>
+            </a:extLst>
+          </p:cNvPr>
+          <p:cNvCxnSpPr>
+            <a:cxnSpLocks/>
+          </p:cNvCxnSpPr>
+          <p:nvPr/>
+        </p:nvCxnSpPr>
+        <p:spPr>
+          <a:xfrm>
+            <a:off x="2281084" y="3136490"/>
+            <a:ext cx="4876800" cy="1641987"/>
+          </a:xfrm>
+          <a:prstGeom prst="line">
+            <a:avLst/>
+          </a:prstGeom>
+        </p:spPr>
+        <p:style>
+          <a:lnRef idx="1">
+            <a:schemeClr val="accent1"/>
+          </a:lnRef>
+          <a:fillRef idx="0">
+            <a:schemeClr val="accent1"/>
+          </a:fillRef>
+          <a:effectRef idx="0">
+            <a:schemeClr val="accent1"/>
+          </a:effectRef>
+          <a:fontRef idx="minor">
+            <a:schemeClr val="tx1"/>
+          </a:fontRef>
+        </p:style>
+      </p:cxnSp>
+      <p:cxnSp>
+        <p:nvCxnSpPr>
+          <p:cNvPr id="9" name="Straight Connector 8">
+            <a:extLst>
+              <a:ext uri="{FF2B5EF4-FFF2-40B4-BE49-F238E27FC236}">
+                <a16:creationId xmlns:a16="http://schemas.microsoft.com/office/drawing/2014/main" id="{5B92A6D2-8351-4AC8-9941-E4289E689B94}"/>
+              </a:ext>
+            </a:extLst>
+          </p:cNvPr>
+          <p:cNvCxnSpPr/>
+          <p:nvPr/>
+        </p:nvCxnSpPr>
+        <p:spPr>
+          <a:xfrm flipV="1">
+            <a:off x="3411794" y="2467897"/>
+            <a:ext cx="344129" cy="961103"/>
+          </a:xfrm>
+          <a:prstGeom prst="line">
+            <a:avLst/>
+          </a:prstGeom>
+        </p:spPr>
+        <p:style>
+          <a:lnRef idx="1">
+            <a:schemeClr val="accent1"/>
+          </a:lnRef>
+          <a:fillRef idx="0">
+            <a:schemeClr val="accent1"/>
+          </a:fillRef>
+          <a:effectRef idx="0">
+            <a:schemeClr val="accent1"/>
+          </a:effectRef>
+          <a:fontRef idx="minor">
+            <a:schemeClr val="tx1"/>
+          </a:fontRef>
+        </p:style>
+      </p:cxnSp>
+      <p:sp>
+        <p:nvSpPr>
+          <p:cNvPr id="11" name="Rectangle 10">
+            <a:extLst>
+              <a:ext uri="{FF2B5EF4-FFF2-40B4-BE49-F238E27FC236}">
+                <a16:creationId xmlns:a16="http://schemas.microsoft.com/office/drawing/2014/main" id="{CB82F89D-55BC-405B-B78B-57AA5BA11B93}"/>
+              </a:ext>
+            </a:extLst>
+          </p:cNvPr>
+          <p:cNvSpPr/>
+          <p:nvPr/>
+        </p:nvSpPr>
+        <p:spPr>
+          <a:xfrm rot="1189142">
+            <a:off x="3411794" y="3399900"/>
+            <a:ext cx="157316" cy="140110"/>
+          </a:xfrm>
+          <a:prstGeom prst="rect">
+            <a:avLst/>
+          </a:prstGeom>
+        </p:spPr>
+        <p:style>
+          <a:lnRef idx="2">
+            <a:schemeClr val="accent1">
+              <a:shade val="50000"/>
+            </a:schemeClr>
+          </a:lnRef>
+          <a:fillRef idx="1">
+            <a:schemeClr val="accent1"/>
+          </a:fillRef>
+          <a:effectRef idx="0">
+            <a:schemeClr val="accent1"/>
+          </a:effectRef>
+          <a:fontRef idx="minor">
+            <a:schemeClr val="lt1"/>
+          </a:fontRef>
+        </p:style>
+        <p:txBody>
+          <a:bodyPr rtlCol="0" anchor="ctr"/>
+          <a:lstStyle/>
+          <a:p>
+            <a:pPr algn="ctr"/>
+            <a:endParaRPr lang="en-US"/>
+          </a:p>
+        </p:txBody>
+      </p:sp>
+    </p:spTree>
+    <p:extLst>
+      <p:ext uri="{BB962C8B-B14F-4D97-AF65-F5344CB8AC3E}">
+        <p14:creationId xmlns:p14="http://schemas.microsoft.com/office/powerpoint/2010/main" val="2604732055"/>
       </p:ext>
     </p:extLst>
   </p:cSld>
